--- a/queue-and-stack-04/תרגול 4.pptx
+++ b/queue-and-stack-04/תרגול 4.pptx
@@ -5,7 +5,7 @@
     <p:sldMasterId id="2147483648" r:id="rId1"/>
   </p:sldMasterIdLst>
   <p:notesMasterIdLst>
-    <p:notesMasterId r:id="rId16"/>
+    <p:notesMasterId r:id="rId18"/>
   </p:notesMasterIdLst>
   <p:sldIdLst>
     <p:sldId id="257" r:id="rId2"/>
@@ -13,15 +13,17 @@
     <p:sldId id="266" r:id="rId4"/>
     <p:sldId id="267" r:id="rId5"/>
     <p:sldId id="268" r:id="rId6"/>
-    <p:sldId id="261" r:id="rId7"/>
-    <p:sldId id="269" r:id="rId8"/>
-    <p:sldId id="270" r:id="rId9"/>
-    <p:sldId id="271" r:id="rId10"/>
-    <p:sldId id="272" r:id="rId11"/>
-    <p:sldId id="273" r:id="rId12"/>
-    <p:sldId id="274" r:id="rId13"/>
-    <p:sldId id="275" r:id="rId14"/>
-    <p:sldId id="259" r:id="rId15"/>
+    <p:sldId id="276" r:id="rId7"/>
+    <p:sldId id="261" r:id="rId8"/>
+    <p:sldId id="269" r:id="rId9"/>
+    <p:sldId id="270" r:id="rId10"/>
+    <p:sldId id="271" r:id="rId11"/>
+    <p:sldId id="272" r:id="rId12"/>
+    <p:sldId id="273" r:id="rId13"/>
+    <p:sldId id="274" r:id="rId14"/>
+    <p:sldId id="275" r:id="rId15"/>
+    <p:sldId id="277" r:id="rId16"/>
+    <p:sldId id="259" r:id="rId17"/>
   </p:sldIdLst>
   <p:sldSz cx="12192000" cy="6858000"/>
   <p:notesSz cx="6858000" cy="9144000"/>
@@ -210,7 +212,7 @@
           <a:p>
             <a:fld id="{C267593B-B963-47D8-A2A4-BA759CBCEAC5}" type="datetimeFigureOut">
               <a:rPr lang="en-US" smtClean="0"/>
-              <a:t>12/12/2023</a:t>
+              <a:t>12/25/2023</a:t>
             </a:fld>
             <a:endParaRPr lang="en-US"/>
           </a:p>
@@ -561,6 +563,174 @@
 </p:notes>
 </file>
 
+<file path=ppt/notesSlides/notesSlide10.xml><?xml version="1.0" encoding="utf-8"?>
+<p:notes xmlns:a="http://schemas.openxmlformats.org/drawingml/2006/main" xmlns:r="http://schemas.openxmlformats.org/officeDocument/2006/relationships" xmlns:p="http://schemas.openxmlformats.org/presentationml/2006/main">
+  <p:cSld>
+    <p:spTree>
+      <p:nvGrpSpPr>
+        <p:cNvPr id="1" name=""/>
+        <p:cNvGrpSpPr/>
+        <p:nvPr/>
+      </p:nvGrpSpPr>
+      <p:grpSpPr>
+        <a:xfrm>
+          <a:off x="0" y="0"/>
+          <a:ext cx="0" cy="0"/>
+          <a:chOff x="0" y="0"/>
+          <a:chExt cx="0" cy="0"/>
+        </a:xfrm>
+      </p:grpSpPr>
+      <p:sp>
+        <p:nvSpPr>
+          <p:cNvPr id="2" name="Slide Image Placeholder 1"/>
+          <p:cNvSpPr>
+            <a:spLocks noGrp="1" noRot="1" noChangeAspect="1"/>
+          </p:cNvSpPr>
+          <p:nvPr>
+            <p:ph type="sldImg"/>
+          </p:nvPr>
+        </p:nvSpPr>
+        <p:spPr/>
+      </p:sp>
+      <p:sp>
+        <p:nvSpPr>
+          <p:cNvPr id="3" name="Notes Placeholder 2"/>
+          <p:cNvSpPr>
+            <a:spLocks noGrp="1"/>
+          </p:cNvSpPr>
+          <p:nvPr>
+            <p:ph type="body" idx="1"/>
+          </p:nvPr>
+        </p:nvSpPr>
+        <p:spPr/>
+        <p:txBody>
+          <a:bodyPr/>
+          <a:lstStyle/>
+          <a:p>
+            <a:endParaRPr lang="en-US" b="0" dirty="0"/>
+          </a:p>
+        </p:txBody>
+      </p:sp>
+      <p:sp>
+        <p:nvSpPr>
+          <p:cNvPr id="4" name="Slide Number Placeholder 3"/>
+          <p:cNvSpPr>
+            <a:spLocks noGrp="1"/>
+          </p:cNvSpPr>
+          <p:nvPr>
+            <p:ph type="sldNum" sz="quarter" idx="5"/>
+          </p:nvPr>
+        </p:nvSpPr>
+        <p:spPr/>
+        <p:txBody>
+          <a:bodyPr/>
+          <a:lstStyle/>
+          <a:p>
+            <a:fld id="{72391380-8262-4EC7-BAB8-26F58A320275}" type="slidenum">
+              <a:rPr lang="en-US" smtClean="0"/>
+              <a:t>14</a:t>
+            </a:fld>
+            <a:endParaRPr lang="en-US"/>
+          </a:p>
+        </p:txBody>
+      </p:sp>
+    </p:spTree>
+    <p:extLst>
+      <p:ext uri="{BB962C8B-B14F-4D97-AF65-F5344CB8AC3E}">
+        <p14:creationId xmlns:p14="http://schemas.microsoft.com/office/powerpoint/2010/main" val="270172702"/>
+      </p:ext>
+    </p:extLst>
+  </p:cSld>
+  <p:clrMapOvr>
+    <a:masterClrMapping/>
+  </p:clrMapOvr>
+</p:notes>
+</file>
+
+<file path=ppt/notesSlides/notesSlide11.xml><?xml version="1.0" encoding="utf-8"?>
+<p:notes xmlns:a="http://schemas.openxmlformats.org/drawingml/2006/main" xmlns:r="http://schemas.openxmlformats.org/officeDocument/2006/relationships" xmlns:p="http://schemas.openxmlformats.org/presentationml/2006/main">
+  <p:cSld>
+    <p:spTree>
+      <p:nvGrpSpPr>
+        <p:cNvPr id="1" name=""/>
+        <p:cNvGrpSpPr/>
+        <p:nvPr/>
+      </p:nvGrpSpPr>
+      <p:grpSpPr>
+        <a:xfrm>
+          <a:off x="0" y="0"/>
+          <a:ext cx="0" cy="0"/>
+          <a:chOff x="0" y="0"/>
+          <a:chExt cx="0" cy="0"/>
+        </a:xfrm>
+      </p:grpSpPr>
+      <p:sp>
+        <p:nvSpPr>
+          <p:cNvPr id="2" name="Slide Image Placeholder 1"/>
+          <p:cNvSpPr>
+            <a:spLocks noGrp="1" noRot="1" noChangeAspect="1"/>
+          </p:cNvSpPr>
+          <p:nvPr>
+            <p:ph type="sldImg"/>
+          </p:nvPr>
+        </p:nvSpPr>
+        <p:spPr/>
+      </p:sp>
+      <p:sp>
+        <p:nvSpPr>
+          <p:cNvPr id="3" name="Notes Placeholder 2"/>
+          <p:cNvSpPr>
+            <a:spLocks noGrp="1"/>
+          </p:cNvSpPr>
+          <p:nvPr>
+            <p:ph type="body" idx="1"/>
+          </p:nvPr>
+        </p:nvSpPr>
+        <p:spPr/>
+        <p:txBody>
+          <a:bodyPr/>
+          <a:lstStyle/>
+          <a:p>
+            <a:endParaRPr lang="en-US" b="0" dirty="0"/>
+          </a:p>
+        </p:txBody>
+      </p:sp>
+      <p:sp>
+        <p:nvSpPr>
+          <p:cNvPr id="4" name="Slide Number Placeholder 3"/>
+          <p:cNvSpPr>
+            <a:spLocks noGrp="1"/>
+          </p:cNvSpPr>
+          <p:nvPr>
+            <p:ph type="sldNum" sz="quarter" idx="5"/>
+          </p:nvPr>
+        </p:nvSpPr>
+        <p:spPr/>
+        <p:txBody>
+          <a:bodyPr/>
+          <a:lstStyle/>
+          <a:p>
+            <a:fld id="{72391380-8262-4EC7-BAB8-26F58A320275}" type="slidenum">
+              <a:rPr lang="en-US" smtClean="0"/>
+              <a:t>15</a:t>
+            </a:fld>
+            <a:endParaRPr lang="en-US"/>
+          </a:p>
+        </p:txBody>
+      </p:sp>
+    </p:spTree>
+    <p:extLst>
+      <p:ext uri="{BB962C8B-B14F-4D97-AF65-F5344CB8AC3E}">
+        <p14:creationId xmlns:p14="http://schemas.microsoft.com/office/powerpoint/2010/main" val="2258105271"/>
+      </p:ext>
+    </p:extLst>
+  </p:cSld>
+  <p:clrMapOvr>
+    <a:masterClrMapping/>
+  </p:clrMapOvr>
+</p:notes>
+</file>
+
 <file path=ppt/notesSlides/notesSlide2.xml><?xml version="1.0" encoding="utf-8"?>
 <p:notes xmlns:a="http://schemas.openxmlformats.org/drawingml/2006/main" xmlns:r="http://schemas.openxmlformats.org/officeDocument/2006/relationships" xmlns:p="http://schemas.openxmlformats.org/presentationml/2006/main">
   <p:cSld>
@@ -607,78 +777,6 @@
           <a:p>
             <a:endParaRPr lang="en-US" dirty="0"/>
           </a:p>
-          <a:p>
-            <a:r>
-              <a:rPr lang="en-US" dirty="0"/>
-              <a:t>In the first while loop, the condition is ( n &gt; 0), and in each iteration, the value of ( n ) is halved (( n &lt;- n/2 )). This means that, at each iteration, the size of the problem (represented by the value of ( n)) is reduced by a factor of 2.</a:t>
-            </a:r>
-          </a:p>
-          <a:p>
-            <a:endParaRPr lang="en-US" dirty="0"/>
-          </a:p>
-          <a:p>
-            <a:r>
-              <a:rPr lang="en-US" dirty="0"/>
-              <a:t>Let's consider an example to illustrate this:</a:t>
-            </a:r>
-          </a:p>
-          <a:p>
-            <a:endParaRPr lang="en-US" dirty="0"/>
-          </a:p>
-          <a:p>
-            <a:r>
-              <a:rPr lang="en-US" dirty="0"/>
-              <a:t>1. **Iteration 1:** ( n) is reduced from its initial value to ( n/2).</a:t>
-            </a:r>
-          </a:p>
-          <a:p>
-            <a:r>
-              <a:rPr lang="en-US" dirty="0"/>
-              <a:t>2. **Iteration 2:** ( n) is further reduced to ( (n/2)/2 = n/2^2).</a:t>
-            </a:r>
-          </a:p>
-          <a:p>
-            <a:r>
-              <a:rPr lang="en-US" dirty="0"/>
-              <a:t>3. **Iteration 3:** ( n) is reduced to ( (n/2^2)/2 = n/2^3 ).</a:t>
-            </a:r>
-          </a:p>
-          <a:p>
-            <a:r>
-              <a:rPr lang="en-US" dirty="0"/>
-              <a:t>4. **Iteration k:** ( n) is reduced to ( n/2^k ).</a:t>
-            </a:r>
-          </a:p>
-          <a:p>
-            <a:endParaRPr lang="en-US" dirty="0"/>
-          </a:p>
-          <a:p>
-            <a:r>
-              <a:rPr lang="en-US" dirty="0"/>
-              <a:t>The loop continues until ( n ) becomes 0. Therefore, the number of iterations, ( k ), is determined by how many times we can divide ( n ) by 2 until it becomes 0.</a:t>
-            </a:r>
-          </a:p>
-          <a:p>
-            <a:endParaRPr lang="en-US" dirty="0"/>
-          </a:p>
-          <a:p>
-            <a:r>
-              <a:rPr lang="en-US" dirty="0"/>
-              <a:t>Now, solving for ( k ) in the equation ( n/2^k = 0 ), we find that ( k = log_2 n ). This is why we say that the number of iterations is roughly ( O(log n) ) because, in each iteration, the problem size is divided by 2, and we perform the loop until the problem size becomes 0.</a:t>
-            </a:r>
-          </a:p>
-          <a:p>
-            <a:endParaRPr lang="en-US" dirty="0"/>
-          </a:p>
-          <a:p>
-            <a:endParaRPr lang="en-US" dirty="0"/>
-          </a:p>
-          <a:p>
-            <a:endParaRPr lang="en-US" dirty="0"/>
-          </a:p>
-          <a:p>
-            <a:endParaRPr lang="en-US" dirty="0"/>
-          </a:p>
         </p:txBody>
       </p:sp>
       <p:sp>
@@ -688,7 +786,7 @@
             <a:spLocks noGrp="1"/>
           </p:cNvSpPr>
           <p:nvPr>
-            <p:ph type="sldNum" sz="quarter" idx="5"/>
+            <p:ph type="sldNum" sz="quarter" idx="10"/>
           </p:nvPr>
         </p:nvSpPr>
         <p:spPr/>
@@ -707,7 +805,7 @@
     </p:spTree>
     <p:extLst>
       <p:ext uri="{BB962C8B-B14F-4D97-AF65-F5344CB8AC3E}">
-        <p14:creationId xmlns:p14="http://schemas.microsoft.com/office/powerpoint/2010/main" val="965747644"/>
+        <p14:creationId xmlns:p14="http://schemas.microsoft.com/office/powerpoint/2010/main" val="3574302079"/>
       </p:ext>
     </p:extLst>
   </p:cSld>
@@ -763,6 +861,78 @@
           <a:p>
             <a:endParaRPr lang="en-US" dirty="0"/>
           </a:p>
+          <a:p>
+            <a:r>
+              <a:rPr lang="en-US" dirty="0"/>
+              <a:t>In the first while loop, the condition is ( n &gt; 0), and in each iteration, the value of ( n ) is halved (( n &lt;- n/2 )). This means that, at each iteration, the size of the problem (represented by the value of ( n)) is reduced by a factor of 2.</a:t>
+            </a:r>
+          </a:p>
+          <a:p>
+            <a:endParaRPr lang="en-US" dirty="0"/>
+          </a:p>
+          <a:p>
+            <a:r>
+              <a:rPr lang="en-US" dirty="0"/>
+              <a:t>Let's consider an example to illustrate this:</a:t>
+            </a:r>
+          </a:p>
+          <a:p>
+            <a:endParaRPr lang="en-US" dirty="0"/>
+          </a:p>
+          <a:p>
+            <a:r>
+              <a:rPr lang="en-US" dirty="0"/>
+              <a:t>1. **Iteration 1:** ( n) is reduced from its initial value to ( n/2).</a:t>
+            </a:r>
+          </a:p>
+          <a:p>
+            <a:r>
+              <a:rPr lang="en-US" dirty="0"/>
+              <a:t>2. **Iteration 2:** ( n) is further reduced to ( (n/2)/2 = n/2^2).</a:t>
+            </a:r>
+          </a:p>
+          <a:p>
+            <a:r>
+              <a:rPr lang="en-US" dirty="0"/>
+              <a:t>3. **Iteration 3:** ( n) is reduced to ( (n/2^2)/2 = n/2^3 ).</a:t>
+            </a:r>
+          </a:p>
+          <a:p>
+            <a:r>
+              <a:rPr lang="en-US" dirty="0"/>
+              <a:t>4. **Iteration k:** ( n) is reduced to ( n/2^k ).</a:t>
+            </a:r>
+          </a:p>
+          <a:p>
+            <a:endParaRPr lang="en-US" dirty="0"/>
+          </a:p>
+          <a:p>
+            <a:r>
+              <a:rPr lang="en-US" dirty="0"/>
+              <a:t>The loop continues until ( n ) becomes 0. Therefore, the number of iterations, ( k ), is determined by how many times we can divide ( n ) by 2 until it becomes 0.</a:t>
+            </a:r>
+          </a:p>
+          <a:p>
+            <a:endParaRPr lang="en-US" dirty="0"/>
+          </a:p>
+          <a:p>
+            <a:r>
+              <a:rPr lang="en-US" dirty="0"/>
+              <a:t>Now, solving for ( k ) in the equation ( n/2^k = 0 ), we find that ( k = log_2 n ). This is why we say that the number of iterations is roughly ( O(log n) ) because, in each iteration, the problem size is divided by 2, and we perform the loop until the problem size becomes 0.</a:t>
+            </a:r>
+          </a:p>
+          <a:p>
+            <a:endParaRPr lang="en-US" dirty="0"/>
+          </a:p>
+          <a:p>
+            <a:endParaRPr lang="en-US" dirty="0"/>
+          </a:p>
+          <a:p>
+            <a:endParaRPr lang="en-US" dirty="0"/>
+          </a:p>
+          <a:p>
+            <a:endParaRPr lang="en-US" dirty="0"/>
+          </a:p>
         </p:txBody>
       </p:sp>
       <p:sp>
@@ -791,7 +961,7 @@
     </p:spTree>
     <p:extLst>
       <p:ext uri="{BB962C8B-B14F-4D97-AF65-F5344CB8AC3E}">
-        <p14:creationId xmlns:p14="http://schemas.microsoft.com/office/powerpoint/2010/main" val="1654326608"/>
+        <p14:creationId xmlns:p14="http://schemas.microsoft.com/office/powerpoint/2010/main" val="965747644"/>
       </p:ext>
     </p:extLst>
   </p:cSld>
@@ -875,7 +1045,7 @@
     </p:spTree>
     <p:extLst>
       <p:ext uri="{BB962C8B-B14F-4D97-AF65-F5344CB8AC3E}">
-        <p14:creationId xmlns:p14="http://schemas.microsoft.com/office/powerpoint/2010/main" val="1447300284"/>
+        <p14:creationId xmlns:p14="http://schemas.microsoft.com/office/powerpoint/2010/main" val="1654326608"/>
       </p:ext>
     </p:extLst>
   </p:cSld>
@@ -959,7 +1129,7 @@
     </p:spTree>
     <p:extLst>
       <p:ext uri="{BB962C8B-B14F-4D97-AF65-F5344CB8AC3E}">
-        <p14:creationId xmlns:p14="http://schemas.microsoft.com/office/powerpoint/2010/main" val="916853691"/>
+        <p14:creationId xmlns:p14="http://schemas.microsoft.com/office/powerpoint/2010/main" val="1447300284"/>
       </p:ext>
     </p:extLst>
   </p:cSld>
@@ -1043,7 +1213,7 @@
     </p:spTree>
     <p:extLst>
       <p:ext uri="{BB962C8B-B14F-4D97-AF65-F5344CB8AC3E}">
-        <p14:creationId xmlns:p14="http://schemas.microsoft.com/office/powerpoint/2010/main" val="1932442775"/>
+        <p14:creationId xmlns:p14="http://schemas.microsoft.com/office/powerpoint/2010/main" val="916853691"/>
       </p:ext>
     </p:extLst>
   </p:cSld>
@@ -1097,321 +1267,7 @@
           <a:bodyPr/>
           <a:lstStyle/>
           <a:p>
-            <a:r>
-              <a:rPr lang="en-US" b="1" dirty="0"/>
-              <a:t>Time Running</a:t>
-            </a:r>
-          </a:p>
-          <a:p>
-            <a:endParaRPr lang="en-US" b="1" dirty="0"/>
-          </a:p>
-          <a:p>
-            <a:r>
-              <a:rPr lang="en-US" b="0" dirty="0"/>
-              <a:t>The time complexity of the `F(Q)` algorithm can be analyzed in terms of the number of elementary operations it performs. Let's break it down:</a:t>
-            </a:r>
-          </a:p>
-          <a:p>
-            <a:endParaRPr lang="en-US" b="0" dirty="0"/>
-          </a:p>
-          <a:p>
-            <a:r>
-              <a:rPr lang="en-US" b="0" dirty="0"/>
-              <a:t>1. **First While Loop (`while not </a:t>
-            </a:r>
-            <a:r>
-              <a:rPr lang="en-US" b="0" dirty="0" err="1"/>
-              <a:t>Queue_Empty</a:t>
-            </a:r>
-            <a:r>
-              <a:rPr lang="en-US" b="0" dirty="0"/>
-              <a:t>(Q) do`):**</a:t>
-            </a:r>
-          </a:p>
-          <a:p>
-            <a:r>
-              <a:rPr lang="en-US" b="0" dirty="0"/>
-              <a:t>   - In each iteration, one element is dequeued from `Q` and pushed onto the stack `S`.</a:t>
-            </a:r>
-          </a:p>
-          <a:p>
-            <a:r>
-              <a:rPr lang="en-US" b="0" dirty="0"/>
-              <a:t>   - If the initial size of `Q` is \(n\), this loop takes \(O(n)\) time.</a:t>
-            </a:r>
-          </a:p>
-          <a:p>
-            <a:endParaRPr lang="en-US" b="0" dirty="0"/>
-          </a:p>
-          <a:p>
-            <a:r>
-              <a:rPr lang="en-US" b="0" dirty="0"/>
-              <a:t>2. **Second While Loop (`while not </a:t>
-            </a:r>
-            <a:r>
-              <a:rPr lang="en-US" b="0" dirty="0" err="1"/>
-              <a:t>Stack_Empty</a:t>
-            </a:r>
-            <a:r>
-              <a:rPr lang="en-US" b="0" dirty="0"/>
-              <a:t>(S) do`):**</a:t>
-            </a:r>
-          </a:p>
-          <a:p>
-            <a:r>
-              <a:rPr lang="en-US" b="0" dirty="0"/>
-              <a:t>   - In each iteration, one element is popped from the stack `S` and enqueued back into `Q`.</a:t>
-            </a:r>
-          </a:p>
-          <a:p>
-            <a:r>
-              <a:rPr lang="en-US" b="0" dirty="0"/>
-              <a:t>   - Similar to the first loop, if the size of the stack `S` is \(m\), this loop takes \(O(m)\) time.</a:t>
-            </a:r>
-          </a:p>
-          <a:p>
-            <a:endParaRPr lang="en-US" b="0" dirty="0"/>
-          </a:p>
-          <a:p>
-            <a:r>
-              <a:rPr lang="en-US" b="0" dirty="0"/>
-              <a:t>3. **Overall Time Complexity:**</a:t>
-            </a:r>
-          </a:p>
-          <a:p>
-            <a:r>
-              <a:rPr lang="en-US" b="0" dirty="0"/>
-              <a:t>   - Combining both loops, the overall time complexity is \(O(n + m)\).</a:t>
-            </a:r>
-          </a:p>
-          <a:p>
-            <a:endParaRPr lang="en-US" b="0" dirty="0"/>
-          </a:p>
-          <a:p>
-            <a:r>
-              <a:rPr lang="en-US" b="0" dirty="0"/>
-              <a:t>4. **Worst Case:**</a:t>
-            </a:r>
-          </a:p>
-          <a:p>
-            <a:r>
-              <a:rPr lang="en-US" b="0" dirty="0"/>
-              <a:t>   - In the worst case, where all elements are moved from `Q` to `S` and then back from `S` to `Q`, \(m\) can be equal to \(n\).</a:t>
-            </a:r>
-          </a:p>
-          <a:p>
-            <a:r>
-              <a:rPr lang="en-US" b="0" dirty="0"/>
-              <a:t>   - Therefore, the worst-case time complexity is \(O(n + n) = O(2n)\).</a:t>
-            </a:r>
-          </a:p>
-          <a:p>
-            <a:r>
-              <a:rPr lang="en-US" b="0" dirty="0"/>
-              <a:t>   - In big-O notation, we drop constant factors, so the worst-case time complexity is \(O(n)\).</a:t>
-            </a:r>
-          </a:p>
-          <a:p>
-            <a:endParaRPr lang="en-US" b="0" dirty="0"/>
-          </a:p>
-          <a:p>
-            <a:r>
-              <a:rPr lang="en-US" b="0" dirty="0"/>
-              <a:t>The overall time complexity of the `F(Q)` algorithm is linear, \(O(n)\), where \(n\) is the initial size of the queue. This indicates that the time required for the algorithm grows linearly with the size of the input queue.</a:t>
-            </a:r>
-          </a:p>
-          <a:p>
-            <a:endParaRPr lang="en-US" b="0" dirty="0"/>
-          </a:p>
-          <a:p>
-            <a:endParaRPr lang="en-US" b="0" dirty="0"/>
-          </a:p>
-          <a:p>
-            <a:r>
-              <a:rPr lang="en-US" b="1" i="0" dirty="0">
-                <a:solidFill>
-                  <a:srgbClr val="D1D5DB"/>
-                </a:solidFill>
-                <a:effectLst/>
-                <a:latin typeface="Söhne"/>
-              </a:rPr>
-              <a:t>Example</a:t>
-            </a:r>
-          </a:p>
-          <a:p>
-            <a:endParaRPr lang="en-US" b="0" dirty="0"/>
-          </a:p>
-          <a:p>
-            <a:r>
-              <a:rPr lang="en-US" b="0" dirty="0"/>
-              <a:t>Assume you have a queue `Q` with the elements `[1, 2, 3, 4]`.</a:t>
-            </a:r>
-          </a:p>
-          <a:p>
-            <a:endParaRPr lang="en-US" b="0" dirty="0"/>
-          </a:p>
-          <a:p>
-            <a:r>
-              <a:rPr lang="en-US" b="0" dirty="0"/>
-              <a:t>1. **Initial State:**</a:t>
-            </a:r>
-          </a:p>
-          <a:p>
-            <a:r>
-              <a:rPr lang="en-US" b="0" dirty="0"/>
-              <a:t>   - Queue `Q`: [1, 2, 3, 4]</a:t>
-            </a:r>
-          </a:p>
-          <a:p>
-            <a:r>
-              <a:rPr lang="en-US" b="0" dirty="0"/>
-              <a:t>   - Stack `S`: Empty</a:t>
-            </a:r>
-          </a:p>
-          <a:p>
-            <a:endParaRPr lang="en-US" b="0" dirty="0"/>
-          </a:p>
-          <a:p>
-            <a:r>
-              <a:rPr lang="en-US" b="0" dirty="0"/>
-              <a:t>2. **First While Loop (`while not </a:t>
-            </a:r>
-            <a:r>
-              <a:rPr lang="en-US" b="0" dirty="0" err="1"/>
-              <a:t>Queue_Empty</a:t>
-            </a:r>
-            <a:r>
-              <a:rPr lang="en-US" b="0" dirty="0"/>
-              <a:t>(Q) do`):**</a:t>
-            </a:r>
-          </a:p>
-          <a:p>
-            <a:r>
-              <a:rPr lang="en-US" b="0" dirty="0"/>
-              <a:t>   - In each iteration, dequeue an element from `Q` and push it onto the stack `S`.</a:t>
-            </a:r>
-          </a:p>
-          <a:p>
-            <a:r>
-              <a:rPr lang="en-US" b="0" dirty="0"/>
-              <a:t>     - Dequeue 1: `Q`: [2, 3, 4], `S`: [1]</a:t>
-            </a:r>
-          </a:p>
-          <a:p>
-            <a:r>
-              <a:rPr lang="en-US" b="0" dirty="0"/>
-              <a:t>     - Dequeue 2: `Q`: [3, 4], `S`: [2, 1]</a:t>
-            </a:r>
-          </a:p>
-          <a:p>
-            <a:r>
-              <a:rPr lang="en-US" b="0" dirty="0"/>
-              <a:t>     - Dequeue 3: `Q`: [4], `S`: [3, 2, 1]</a:t>
-            </a:r>
-          </a:p>
-          <a:p>
-            <a:r>
-              <a:rPr lang="en-US" b="0" dirty="0"/>
-              <a:t>     - Dequeue 4: `Q`: [], `S`: [4, 3, 2, 1]</a:t>
-            </a:r>
-          </a:p>
-          <a:p>
-            <a:endParaRPr lang="en-US" b="0" dirty="0"/>
-          </a:p>
-          <a:p>
-            <a:r>
-              <a:rPr lang="en-US" b="0" dirty="0"/>
-              <a:t>3. **Second While Loop (`while not </a:t>
-            </a:r>
-            <a:r>
-              <a:rPr lang="en-US" b="0" dirty="0" err="1"/>
-              <a:t>Stack_Empty</a:t>
-            </a:r>
-            <a:r>
-              <a:rPr lang="en-US" b="0" dirty="0"/>
-              <a:t>(S) do`):**</a:t>
-            </a:r>
-          </a:p>
-          <a:p>
-            <a:r>
-              <a:rPr lang="en-US" b="0" dirty="0"/>
-              <a:t>   - In each iteration, pop an element from the stack `S` and enqueue it back into `Q`.</a:t>
-            </a:r>
-          </a:p>
-          <a:p>
-            <a:r>
-              <a:rPr lang="en-US" b="0" dirty="0"/>
-              <a:t>     - Pop 4: `S`: [3, 2, 1], `Q`: [4]</a:t>
-            </a:r>
-          </a:p>
-          <a:p>
-            <a:r>
-              <a:rPr lang="en-US" b="0" dirty="0"/>
-              <a:t>     - Pop 3: `S`: [2, 1], `Q`: [4, 3]</a:t>
-            </a:r>
-          </a:p>
-          <a:p>
-            <a:r>
-              <a:rPr lang="en-US" b="0" dirty="0"/>
-              <a:t>     - Pop 2: `S`: [1], `Q`: [4, 3, 2]</a:t>
-            </a:r>
-          </a:p>
-          <a:p>
-            <a:r>
-              <a:rPr lang="en-US" b="0" dirty="0"/>
-              <a:t>     - Pop 1: `S`: [], `Q`: [4, 3, 2, 1]</a:t>
-            </a:r>
-          </a:p>
-          <a:p>
-            <a:endParaRPr lang="en-US" b="0" dirty="0"/>
-          </a:p>
-          <a:p>
-            <a:r>
-              <a:rPr lang="en-US" b="0" dirty="0"/>
-              <a:t>4. **Final State:**</a:t>
-            </a:r>
-          </a:p>
-          <a:p>
-            <a:r>
-              <a:rPr lang="en-US" b="0" dirty="0"/>
-              <a:t>   - Queue `Q`: [4, 3, 2, 1]</a:t>
-            </a:r>
-          </a:p>
-          <a:p>
-            <a:r>
-              <a:rPr lang="en-US" b="0" dirty="0"/>
-              <a:t>   - Stack `S`: Empty</a:t>
-            </a:r>
-          </a:p>
-          <a:p>
-            <a:endParaRPr lang="en-US" b="0" dirty="0"/>
-          </a:p>
-          <a:p>
-            <a:r>
-              <a:rPr lang="en-US" b="0" dirty="0"/>
-              <a:t>After the execution of the `F(Q)` function, the order of elements in the queue `Q` is reversed. This is achieved by using a stack to temporarily store and reverse the elements. The first while loop moves elements from the queue to the stack, and the second while loop moves elements from the stack back to the queue in reversed order.</a:t>
-            </a:r>
-          </a:p>
-          <a:p>
-            <a:endParaRPr lang="en-US" b="0" dirty="0"/>
-          </a:p>
-          <a:p>
-            <a:endParaRPr lang="en-US" b="0" dirty="0"/>
-          </a:p>
-          <a:p>
-            <a:endParaRPr lang="en-US" b="0" dirty="0"/>
-          </a:p>
-          <a:p>
-            <a:endParaRPr lang="en-US" b="0" dirty="0"/>
-          </a:p>
-          <a:p>
-            <a:endParaRPr lang="en-US" b="0" dirty="0"/>
-          </a:p>
-          <a:p>
-            <a:endParaRPr lang="en-US" b="0" dirty="0"/>
-          </a:p>
-          <a:p>
-            <a:endParaRPr lang="en-US" b="0" dirty="0"/>
+            <a:endParaRPr lang="en-US" dirty="0"/>
           </a:p>
         </p:txBody>
       </p:sp>
@@ -1441,7 +1297,7 @@
     </p:spTree>
     <p:extLst>
       <p:ext uri="{BB962C8B-B14F-4D97-AF65-F5344CB8AC3E}">
-        <p14:creationId xmlns:p14="http://schemas.microsoft.com/office/powerpoint/2010/main" val="1754766744"/>
+        <p14:creationId xmlns:p14="http://schemas.microsoft.com/office/powerpoint/2010/main" val="1932442775"/>
       </p:ext>
     </p:extLst>
   </p:cSld>
@@ -1495,6 +1351,320 @@
           <a:bodyPr/>
           <a:lstStyle/>
           <a:p>
+            <a:r>
+              <a:rPr lang="en-US" b="1" dirty="0"/>
+              <a:t>Time Running</a:t>
+            </a:r>
+          </a:p>
+          <a:p>
+            <a:endParaRPr lang="en-US" b="1" dirty="0"/>
+          </a:p>
+          <a:p>
+            <a:r>
+              <a:rPr lang="en-US" b="0" dirty="0"/>
+              <a:t>The time complexity of the `F(Q)` algorithm can be analyzed in terms of the number of elementary operations it performs. Let's break it down:</a:t>
+            </a:r>
+          </a:p>
+          <a:p>
+            <a:endParaRPr lang="en-US" b="0" dirty="0"/>
+          </a:p>
+          <a:p>
+            <a:r>
+              <a:rPr lang="en-US" b="0" dirty="0"/>
+              <a:t>1. **First While Loop (`while not </a:t>
+            </a:r>
+            <a:r>
+              <a:rPr lang="en-US" b="0" dirty="0" err="1"/>
+              <a:t>Queue_Empty</a:t>
+            </a:r>
+            <a:r>
+              <a:rPr lang="en-US" b="0" dirty="0"/>
+              <a:t>(Q) do`):**</a:t>
+            </a:r>
+          </a:p>
+          <a:p>
+            <a:r>
+              <a:rPr lang="en-US" b="0" dirty="0"/>
+              <a:t>   - In each iteration, one element is dequeued from `Q` and pushed onto the stack `S`.</a:t>
+            </a:r>
+          </a:p>
+          <a:p>
+            <a:r>
+              <a:rPr lang="en-US" b="0" dirty="0"/>
+              <a:t>   - If the initial size of `Q` is \(n\), this loop takes \(O(n)\) time.</a:t>
+            </a:r>
+          </a:p>
+          <a:p>
+            <a:endParaRPr lang="en-US" b="0" dirty="0"/>
+          </a:p>
+          <a:p>
+            <a:r>
+              <a:rPr lang="en-US" b="0" dirty="0"/>
+              <a:t>2. **Second While Loop (`while not </a:t>
+            </a:r>
+            <a:r>
+              <a:rPr lang="en-US" b="0" dirty="0" err="1"/>
+              <a:t>Stack_Empty</a:t>
+            </a:r>
+            <a:r>
+              <a:rPr lang="en-US" b="0" dirty="0"/>
+              <a:t>(S) do`):**</a:t>
+            </a:r>
+          </a:p>
+          <a:p>
+            <a:r>
+              <a:rPr lang="en-US" b="0" dirty="0"/>
+              <a:t>   - In each iteration, one element is popped from the stack `S` and enqueued back into `Q`.</a:t>
+            </a:r>
+          </a:p>
+          <a:p>
+            <a:r>
+              <a:rPr lang="en-US" b="0" dirty="0"/>
+              <a:t>   - Similar to the first loop, if the size of the stack `S` is \(m\), this loop takes \(O(m)\) time.</a:t>
+            </a:r>
+          </a:p>
+          <a:p>
+            <a:endParaRPr lang="en-US" b="0" dirty="0"/>
+          </a:p>
+          <a:p>
+            <a:r>
+              <a:rPr lang="en-US" b="0" dirty="0"/>
+              <a:t>3. **Overall Time Complexity:**</a:t>
+            </a:r>
+          </a:p>
+          <a:p>
+            <a:r>
+              <a:rPr lang="en-US" b="0" dirty="0"/>
+              <a:t>   - Combining both loops, the overall time complexity is \(O(n + m)\).</a:t>
+            </a:r>
+          </a:p>
+          <a:p>
+            <a:endParaRPr lang="en-US" b="0" dirty="0"/>
+          </a:p>
+          <a:p>
+            <a:r>
+              <a:rPr lang="en-US" b="0" dirty="0"/>
+              <a:t>4. **Worst Case:**</a:t>
+            </a:r>
+          </a:p>
+          <a:p>
+            <a:r>
+              <a:rPr lang="en-US" b="0" dirty="0"/>
+              <a:t>   - In the worst case, where all elements are moved from `Q` to `S` and then back from `S` to `Q`, \(m\) can be equal to \(n\).</a:t>
+            </a:r>
+          </a:p>
+          <a:p>
+            <a:r>
+              <a:rPr lang="en-US" b="0" dirty="0"/>
+              <a:t>   - Therefore, the worst-case time complexity is \(O(n + n) = O(2n)\).</a:t>
+            </a:r>
+          </a:p>
+          <a:p>
+            <a:r>
+              <a:rPr lang="en-US" b="0" dirty="0"/>
+              <a:t>   - In big-O notation, we drop constant factors, so the worst-case time complexity is \(O(n)\).</a:t>
+            </a:r>
+          </a:p>
+          <a:p>
+            <a:endParaRPr lang="en-US" b="0" dirty="0"/>
+          </a:p>
+          <a:p>
+            <a:r>
+              <a:rPr lang="en-US" b="0" dirty="0"/>
+              <a:t>The overall time complexity of the `F(Q)` algorithm is linear, \(O(n)\), where \(n\) is the initial size of the queue. This indicates that the time required for the algorithm grows linearly with the size of the input queue.</a:t>
+            </a:r>
+          </a:p>
+          <a:p>
+            <a:endParaRPr lang="en-US" b="0" dirty="0"/>
+          </a:p>
+          <a:p>
+            <a:endParaRPr lang="en-US" b="0" dirty="0"/>
+          </a:p>
+          <a:p>
+            <a:r>
+              <a:rPr lang="en-US" b="1" i="0" dirty="0">
+                <a:solidFill>
+                  <a:srgbClr val="D1D5DB"/>
+                </a:solidFill>
+                <a:effectLst/>
+                <a:latin typeface="Söhne"/>
+              </a:rPr>
+              <a:t>Example</a:t>
+            </a:r>
+          </a:p>
+          <a:p>
+            <a:endParaRPr lang="en-US" b="0" dirty="0"/>
+          </a:p>
+          <a:p>
+            <a:r>
+              <a:rPr lang="en-US" b="0" dirty="0"/>
+              <a:t>Assume you have a queue `Q` with the elements `[1, 2, 3, 4]`.</a:t>
+            </a:r>
+          </a:p>
+          <a:p>
+            <a:endParaRPr lang="en-US" b="0" dirty="0"/>
+          </a:p>
+          <a:p>
+            <a:r>
+              <a:rPr lang="en-US" b="0" dirty="0"/>
+              <a:t>1. **Initial State:**</a:t>
+            </a:r>
+          </a:p>
+          <a:p>
+            <a:r>
+              <a:rPr lang="en-US" b="0" dirty="0"/>
+              <a:t>   - Queue `Q`: [1, 2, 3, 4]</a:t>
+            </a:r>
+          </a:p>
+          <a:p>
+            <a:r>
+              <a:rPr lang="en-US" b="0" dirty="0"/>
+              <a:t>   - Stack `S`: Empty</a:t>
+            </a:r>
+          </a:p>
+          <a:p>
+            <a:endParaRPr lang="en-US" b="0" dirty="0"/>
+          </a:p>
+          <a:p>
+            <a:r>
+              <a:rPr lang="en-US" b="0" dirty="0"/>
+              <a:t>2. **First While Loop (`while not </a:t>
+            </a:r>
+            <a:r>
+              <a:rPr lang="en-US" b="0" dirty="0" err="1"/>
+              <a:t>Queue_Empty</a:t>
+            </a:r>
+            <a:r>
+              <a:rPr lang="en-US" b="0" dirty="0"/>
+              <a:t>(Q) do`):**</a:t>
+            </a:r>
+          </a:p>
+          <a:p>
+            <a:r>
+              <a:rPr lang="en-US" b="0" dirty="0"/>
+              <a:t>   - In each iteration, dequeue an element from `Q` and push it onto the stack `S`.</a:t>
+            </a:r>
+          </a:p>
+          <a:p>
+            <a:r>
+              <a:rPr lang="en-US" b="0" dirty="0"/>
+              <a:t>     - Dequeue 1: `Q`: [2, 3, 4], `S`: [1]</a:t>
+            </a:r>
+          </a:p>
+          <a:p>
+            <a:r>
+              <a:rPr lang="en-US" b="0" dirty="0"/>
+              <a:t>     - Dequeue 2: `Q`: [3, 4], `S`: [2, 1]</a:t>
+            </a:r>
+          </a:p>
+          <a:p>
+            <a:r>
+              <a:rPr lang="en-US" b="0" dirty="0"/>
+              <a:t>     - Dequeue 3: `Q`: [4], `S`: [3, 2, 1]</a:t>
+            </a:r>
+          </a:p>
+          <a:p>
+            <a:r>
+              <a:rPr lang="en-US" b="0" dirty="0"/>
+              <a:t>     - Dequeue 4: `Q`: [], `S`: [4, 3, 2, 1]</a:t>
+            </a:r>
+          </a:p>
+          <a:p>
+            <a:endParaRPr lang="en-US" b="0" dirty="0"/>
+          </a:p>
+          <a:p>
+            <a:r>
+              <a:rPr lang="en-US" b="0" dirty="0"/>
+              <a:t>3. **Second While Loop (`while not </a:t>
+            </a:r>
+            <a:r>
+              <a:rPr lang="en-US" b="0" dirty="0" err="1"/>
+              <a:t>Stack_Empty</a:t>
+            </a:r>
+            <a:r>
+              <a:rPr lang="en-US" b="0" dirty="0"/>
+              <a:t>(S) do`):**</a:t>
+            </a:r>
+          </a:p>
+          <a:p>
+            <a:r>
+              <a:rPr lang="en-US" b="0" dirty="0"/>
+              <a:t>   - In each iteration, pop an element from the stack `S` and enqueue it back into `Q`.</a:t>
+            </a:r>
+          </a:p>
+          <a:p>
+            <a:r>
+              <a:rPr lang="en-US" b="0" dirty="0"/>
+              <a:t>     - Pop 4: `S`: [3, 2, 1], `Q`: [4]</a:t>
+            </a:r>
+          </a:p>
+          <a:p>
+            <a:r>
+              <a:rPr lang="en-US" b="0" dirty="0"/>
+              <a:t>     - Pop 3: `S`: [2, 1], `Q`: [4, 3]</a:t>
+            </a:r>
+          </a:p>
+          <a:p>
+            <a:r>
+              <a:rPr lang="en-US" b="0" dirty="0"/>
+              <a:t>     - Pop 2: `S`: [1], `Q`: [4, 3, 2]</a:t>
+            </a:r>
+          </a:p>
+          <a:p>
+            <a:r>
+              <a:rPr lang="en-US" b="0" dirty="0"/>
+              <a:t>     - Pop 1: `S`: [], `Q`: [4, 3, 2, 1]</a:t>
+            </a:r>
+          </a:p>
+          <a:p>
+            <a:endParaRPr lang="en-US" b="0" dirty="0"/>
+          </a:p>
+          <a:p>
+            <a:r>
+              <a:rPr lang="en-US" b="0" dirty="0"/>
+              <a:t>4. **Final State:**</a:t>
+            </a:r>
+          </a:p>
+          <a:p>
+            <a:r>
+              <a:rPr lang="en-US" b="0" dirty="0"/>
+              <a:t>   - Queue `Q`: [4, 3, 2, 1]</a:t>
+            </a:r>
+          </a:p>
+          <a:p>
+            <a:r>
+              <a:rPr lang="en-US" b="0" dirty="0"/>
+              <a:t>   - Stack `S`: Empty</a:t>
+            </a:r>
+          </a:p>
+          <a:p>
+            <a:endParaRPr lang="en-US" b="0" dirty="0"/>
+          </a:p>
+          <a:p>
+            <a:r>
+              <a:rPr lang="en-US" b="0" dirty="0"/>
+              <a:t>After the execution of the `F(Q)` function, the order of elements in the queue `Q` is reversed. This is achieved by using a stack to temporarily store and reverse the elements. The first while loop moves elements from the queue to the stack, and the second while loop moves elements from the stack back to the queue in reversed order.</a:t>
+            </a:r>
+          </a:p>
+          <a:p>
+            <a:endParaRPr lang="en-US" b="0" dirty="0"/>
+          </a:p>
+          <a:p>
+            <a:endParaRPr lang="en-US" b="0" dirty="0"/>
+          </a:p>
+          <a:p>
+            <a:endParaRPr lang="en-US" b="0" dirty="0"/>
+          </a:p>
+          <a:p>
+            <a:endParaRPr lang="en-US" b="0" dirty="0"/>
+          </a:p>
+          <a:p>
+            <a:endParaRPr lang="en-US" b="0" dirty="0"/>
+          </a:p>
+          <a:p>
+            <a:endParaRPr lang="en-US" b="0" dirty="0"/>
+          </a:p>
+          <a:p>
             <a:endParaRPr lang="en-US" b="0" dirty="0"/>
           </a:p>
         </p:txBody>
@@ -1525,7 +1695,7 @@
     </p:spTree>
     <p:extLst>
       <p:ext uri="{BB962C8B-B14F-4D97-AF65-F5344CB8AC3E}">
-        <p14:creationId xmlns:p14="http://schemas.microsoft.com/office/powerpoint/2010/main" val="1124174440"/>
+        <p14:creationId xmlns:p14="http://schemas.microsoft.com/office/powerpoint/2010/main" val="1754766744"/>
       </p:ext>
     </p:extLst>
   </p:cSld>
@@ -1609,7 +1779,7 @@
     </p:spTree>
     <p:extLst>
       <p:ext uri="{BB962C8B-B14F-4D97-AF65-F5344CB8AC3E}">
-        <p14:creationId xmlns:p14="http://schemas.microsoft.com/office/powerpoint/2010/main" val="270172702"/>
+        <p14:creationId xmlns:p14="http://schemas.microsoft.com/office/powerpoint/2010/main" val="1124174440"/>
       </p:ext>
     </p:extLst>
   </p:cSld>
@@ -1766,7 +1936,7 @@
           <a:p>
             <a:fld id="{9FBD9C55-7868-4FF1-8666-2EC1F88A96B2}" type="datetimeFigureOut">
               <a:rPr lang="he-IL" smtClean="0"/>
-              <a:t>כ"ט/כסלו/תשפ"ד</a:t>
+              <a:t>י"ג/טבת/תשפ"ד</a:t>
             </a:fld>
             <a:endParaRPr lang="he-IL"/>
           </a:p>
@@ -1964,7 +2134,7 @@
           <a:p>
             <a:fld id="{9FBD9C55-7868-4FF1-8666-2EC1F88A96B2}" type="datetimeFigureOut">
               <a:rPr lang="he-IL" smtClean="0"/>
-              <a:t>כ"ט/כסלו/תשפ"ד</a:t>
+              <a:t>י"ג/טבת/תשפ"ד</a:t>
             </a:fld>
             <a:endParaRPr lang="he-IL"/>
           </a:p>
@@ -2172,7 +2342,7 @@
           <a:p>
             <a:fld id="{9FBD9C55-7868-4FF1-8666-2EC1F88A96B2}" type="datetimeFigureOut">
               <a:rPr lang="he-IL" smtClean="0"/>
-              <a:t>כ"ט/כסלו/תשפ"ד</a:t>
+              <a:t>י"ג/טבת/תשפ"ד</a:t>
             </a:fld>
             <a:endParaRPr lang="he-IL"/>
           </a:p>
@@ -2370,7 +2540,7 @@
           <a:p>
             <a:fld id="{9FBD9C55-7868-4FF1-8666-2EC1F88A96B2}" type="datetimeFigureOut">
               <a:rPr lang="he-IL" smtClean="0"/>
-              <a:t>כ"ט/כסלו/תשפ"ד</a:t>
+              <a:t>י"ג/טבת/תשפ"ד</a:t>
             </a:fld>
             <a:endParaRPr lang="he-IL"/>
           </a:p>
@@ -2645,7 +2815,7 @@
           <a:p>
             <a:fld id="{9FBD9C55-7868-4FF1-8666-2EC1F88A96B2}" type="datetimeFigureOut">
               <a:rPr lang="he-IL" smtClean="0"/>
-              <a:t>כ"ט/כסלו/תשפ"ד</a:t>
+              <a:t>י"ג/טבת/תשפ"ד</a:t>
             </a:fld>
             <a:endParaRPr lang="he-IL"/>
           </a:p>
@@ -2910,7 +3080,7 @@
           <a:p>
             <a:fld id="{9FBD9C55-7868-4FF1-8666-2EC1F88A96B2}" type="datetimeFigureOut">
               <a:rPr lang="he-IL" smtClean="0"/>
-              <a:t>כ"ט/כסלו/תשפ"ד</a:t>
+              <a:t>י"ג/טבת/תשפ"ד</a:t>
             </a:fld>
             <a:endParaRPr lang="he-IL"/>
           </a:p>
@@ -3322,7 +3492,7 @@
           <a:p>
             <a:fld id="{9FBD9C55-7868-4FF1-8666-2EC1F88A96B2}" type="datetimeFigureOut">
               <a:rPr lang="he-IL" smtClean="0"/>
-              <a:t>כ"ט/כסלו/תשפ"ד</a:t>
+              <a:t>י"ג/טבת/תשפ"ד</a:t>
             </a:fld>
             <a:endParaRPr lang="he-IL"/>
           </a:p>
@@ -3463,7 +3633,7 @@
           <a:p>
             <a:fld id="{9FBD9C55-7868-4FF1-8666-2EC1F88A96B2}" type="datetimeFigureOut">
               <a:rPr lang="he-IL" smtClean="0"/>
-              <a:t>כ"ט/כסלו/תשפ"ד</a:t>
+              <a:t>י"ג/טבת/תשפ"ד</a:t>
             </a:fld>
             <a:endParaRPr lang="he-IL"/>
           </a:p>
@@ -3576,7 +3746,7 @@
           <a:p>
             <a:fld id="{9FBD9C55-7868-4FF1-8666-2EC1F88A96B2}" type="datetimeFigureOut">
               <a:rPr lang="he-IL" smtClean="0"/>
-              <a:t>כ"ט/כסלו/תשפ"ד</a:t>
+              <a:t>י"ג/טבת/תשפ"ד</a:t>
             </a:fld>
             <a:endParaRPr lang="he-IL"/>
           </a:p>
@@ -3887,7 +4057,7 @@
           <a:p>
             <a:fld id="{9FBD9C55-7868-4FF1-8666-2EC1F88A96B2}" type="datetimeFigureOut">
               <a:rPr lang="he-IL" smtClean="0"/>
-              <a:t>כ"ט/כסלו/תשפ"ד</a:t>
+              <a:t>י"ג/טבת/תשפ"ד</a:t>
             </a:fld>
             <a:endParaRPr lang="he-IL"/>
           </a:p>
@@ -4175,7 +4345,7 @@
           <a:p>
             <a:fld id="{9FBD9C55-7868-4FF1-8666-2EC1F88A96B2}" type="datetimeFigureOut">
               <a:rPr lang="he-IL" smtClean="0"/>
-              <a:t>כ"ט/כסלו/תשפ"ד</a:t>
+              <a:t>י"ג/טבת/תשפ"ד</a:t>
             </a:fld>
             <a:endParaRPr lang="he-IL"/>
           </a:p>
@@ -4416,7 +4586,7 @@
           <a:p>
             <a:fld id="{9FBD9C55-7868-4FF1-8666-2EC1F88A96B2}" type="datetimeFigureOut">
               <a:rPr lang="he-IL" smtClean="0"/>
-              <a:t>כ"ט/כסלו/תשפ"ד</a:t>
+              <a:t>י"ג/טבת/תשפ"ד</a:t>
             </a:fld>
             <a:endParaRPr lang="he-IL"/>
           </a:p>
@@ -4933,6 +5103,835 @@
       </p:grpSpPr>
       <p:sp>
         <p:nvSpPr>
+          <p:cNvPr id="4" name="TextBox 3">
+            <a:extLst>
+              <a:ext uri="{FF2B5EF4-FFF2-40B4-BE49-F238E27FC236}">
+                <a16:creationId xmlns:a16="http://schemas.microsoft.com/office/drawing/2014/main" id="{418E0147-86F5-819E-37F9-0875BBA6A6E9}"/>
+              </a:ext>
+            </a:extLst>
+          </p:cNvPr>
+          <p:cNvSpPr txBox="1"/>
+          <p:nvPr/>
+        </p:nvSpPr>
+        <p:spPr>
+          <a:xfrm>
+            <a:off x="2175856" y="590054"/>
+            <a:ext cx="8614063" cy="4040658"/>
+          </a:xfrm>
+          <a:prstGeom prst="rect">
+            <a:avLst/>
+          </a:prstGeom>
+          <a:noFill/>
+        </p:spPr>
+        <p:txBody>
+          <a:bodyPr wrap="square">
+            <a:spAutoFit/>
+          </a:bodyPr>
+          <a:lstStyle/>
+          <a:p>
+            <a:pPr marL="0" marR="0" algn="r" rtl="1">
+              <a:lnSpc>
+                <a:spcPct val="107000"/>
+              </a:lnSpc>
+              <a:spcBef>
+                <a:spcPts val="0"/>
+              </a:spcBef>
+              <a:spcAft>
+                <a:spcPts val="600"/>
+              </a:spcAft>
+            </a:pPr>
+            <a:r>
+              <a:rPr lang="en-US" sz="1800" dirty="0">
+                <a:effectLst/>
+                <a:latin typeface="Calibri" panose="020F0502020204030204" pitchFamily="34" charset="0"/>
+                <a:ea typeface="Calibri" panose="020F0502020204030204" pitchFamily="34" charset="0"/>
+              </a:rPr>
+              <a:t> </a:t>
+            </a:r>
+            <a:endParaRPr lang="en-US" sz="1400" dirty="0">
+              <a:effectLst/>
+              <a:latin typeface="Calibri" panose="020F0502020204030204" pitchFamily="34" charset="0"/>
+              <a:ea typeface="Calibri" panose="020F0502020204030204" pitchFamily="34" charset="0"/>
+            </a:endParaRPr>
+          </a:p>
+          <a:p>
+            <a:pPr marL="0" marR="0" algn="ctr" rtl="1">
+              <a:lnSpc>
+                <a:spcPct val="107000"/>
+              </a:lnSpc>
+              <a:spcBef>
+                <a:spcPts val="0"/>
+              </a:spcBef>
+              <a:spcAft>
+                <a:spcPts val="1200"/>
+              </a:spcAft>
+            </a:pPr>
+            <a:r>
+              <a:rPr lang="he-IL" sz="2800" u="sng" dirty="0">
+                <a:solidFill>
+                  <a:schemeClr val="accent6">
+                    <a:lumMod val="50000"/>
+                  </a:schemeClr>
+                </a:solidFill>
+                <a:effectLst/>
+                <a:latin typeface="Calibri" panose="020F0502020204030204" pitchFamily="34" charset="0"/>
+                <a:ea typeface="Calibri" panose="020F0502020204030204" pitchFamily="34" charset="0"/>
+              </a:rPr>
+              <a:t>תור</a:t>
+            </a:r>
+            <a:endParaRPr lang="en-US" sz="1400" dirty="0">
+              <a:solidFill>
+                <a:schemeClr val="accent6">
+                  <a:lumMod val="50000"/>
+                </a:schemeClr>
+              </a:solidFill>
+              <a:effectLst/>
+              <a:latin typeface="Calibri" panose="020F0502020204030204" pitchFamily="34" charset="0"/>
+              <a:ea typeface="Calibri" panose="020F0502020204030204" pitchFamily="34" charset="0"/>
+            </a:endParaRPr>
+          </a:p>
+          <a:p>
+            <a:pPr marL="0" marR="0" algn="r" rtl="1">
+              <a:lnSpc>
+                <a:spcPct val="107000"/>
+              </a:lnSpc>
+              <a:spcBef>
+                <a:spcPts val="0"/>
+              </a:spcBef>
+              <a:spcAft>
+                <a:spcPts val="0"/>
+              </a:spcAft>
+            </a:pPr>
+            <a:r>
+              <a:rPr lang="he-IL" sz="1800" dirty="0">
+                <a:effectLst/>
+                <a:latin typeface="Calibri" panose="020F0502020204030204" pitchFamily="34" charset="0"/>
+                <a:ea typeface="Calibri" panose="020F0502020204030204" pitchFamily="34" charset="0"/>
+              </a:rPr>
+              <a:t>תור (</a:t>
+            </a:r>
+            <a:r>
+              <a:rPr lang="en-US" sz="1800" dirty="0">
+                <a:effectLst/>
+                <a:latin typeface="Calibri" panose="020F0502020204030204" pitchFamily="34" charset="0"/>
+                <a:ea typeface="Calibri" panose="020F0502020204030204" pitchFamily="34" charset="0"/>
+              </a:rPr>
+              <a:t>Queue</a:t>
+            </a:r>
+            <a:r>
+              <a:rPr lang="he-IL" sz="1800" dirty="0">
+                <a:effectLst/>
+                <a:latin typeface="Calibri" panose="020F0502020204030204" pitchFamily="34" charset="0"/>
+                <a:ea typeface="Calibri" panose="020F0502020204030204" pitchFamily="34" charset="0"/>
+              </a:rPr>
+              <a:t>) הוא מבנה נתונים שתומך בעיקרון </a:t>
+            </a:r>
+            <a:r>
+              <a:rPr lang="en-US" sz="1800" dirty="0">
+                <a:effectLst/>
+                <a:latin typeface="Calibri" panose="020F0502020204030204" pitchFamily="34" charset="0"/>
+                <a:ea typeface="Calibri" panose="020F0502020204030204" pitchFamily="34" charset="0"/>
+              </a:rPr>
+              <a:t>FIFO</a:t>
+            </a:r>
+            <a:r>
+              <a:rPr lang="he-IL" sz="1800" dirty="0">
+                <a:effectLst/>
+                <a:latin typeface="Calibri" panose="020F0502020204030204" pitchFamily="34" charset="0"/>
+                <a:ea typeface="Calibri" panose="020F0502020204030204" pitchFamily="34" charset="0"/>
+              </a:rPr>
+              <a:t> (</a:t>
+            </a:r>
+            <a:r>
+              <a:rPr lang="en-US" sz="1800" dirty="0">
+                <a:effectLst/>
+                <a:latin typeface="Calibri" panose="020F0502020204030204" pitchFamily="34" charset="0"/>
+                <a:ea typeface="Calibri" panose="020F0502020204030204" pitchFamily="34" charset="0"/>
+              </a:rPr>
+              <a:t> </a:t>
+            </a:r>
+            <a:r>
+              <a:rPr lang="en-US" sz="1800" b="1" dirty="0">
+                <a:effectLst/>
+                <a:latin typeface="Calibri" panose="020F0502020204030204" pitchFamily="34" charset="0"/>
+                <a:ea typeface="Calibri" panose="020F0502020204030204" pitchFamily="34" charset="0"/>
+              </a:rPr>
+              <a:t>F</a:t>
+            </a:r>
+            <a:r>
+              <a:rPr lang="en-US" sz="1800" dirty="0">
+                <a:effectLst/>
+                <a:latin typeface="Calibri" panose="020F0502020204030204" pitchFamily="34" charset="0"/>
+                <a:ea typeface="Calibri" panose="020F0502020204030204" pitchFamily="34" charset="0"/>
+              </a:rPr>
+              <a:t>irst </a:t>
+            </a:r>
+            <a:r>
+              <a:rPr lang="en-US" sz="1800" b="1" dirty="0">
+                <a:effectLst/>
+                <a:latin typeface="Calibri" panose="020F0502020204030204" pitchFamily="34" charset="0"/>
+                <a:ea typeface="Calibri" panose="020F0502020204030204" pitchFamily="34" charset="0"/>
+              </a:rPr>
+              <a:t>I</a:t>
+            </a:r>
+            <a:r>
+              <a:rPr lang="en-US" sz="1800" dirty="0">
+                <a:effectLst/>
+                <a:latin typeface="Calibri" panose="020F0502020204030204" pitchFamily="34" charset="0"/>
+                <a:ea typeface="Calibri" panose="020F0502020204030204" pitchFamily="34" charset="0"/>
+              </a:rPr>
+              <a:t>n </a:t>
+            </a:r>
+            <a:r>
+              <a:rPr lang="en-US" sz="1800" b="1" dirty="0">
+                <a:effectLst/>
+                <a:latin typeface="Calibri" panose="020F0502020204030204" pitchFamily="34" charset="0"/>
+                <a:ea typeface="Calibri" panose="020F0502020204030204" pitchFamily="34" charset="0"/>
+              </a:rPr>
+              <a:t>F</a:t>
+            </a:r>
+            <a:r>
+              <a:rPr lang="en-US" sz="1800" dirty="0">
+                <a:effectLst/>
+                <a:latin typeface="Calibri" panose="020F0502020204030204" pitchFamily="34" charset="0"/>
+                <a:ea typeface="Calibri" panose="020F0502020204030204" pitchFamily="34" charset="0"/>
+              </a:rPr>
+              <a:t>irst </a:t>
+            </a:r>
+            <a:r>
+              <a:rPr lang="en-US" sz="1800" b="1" dirty="0">
+                <a:effectLst/>
+                <a:latin typeface="Calibri" panose="020F0502020204030204" pitchFamily="34" charset="0"/>
+                <a:ea typeface="Calibri" panose="020F0502020204030204" pitchFamily="34" charset="0"/>
+              </a:rPr>
+              <a:t>O</a:t>
+            </a:r>
+            <a:r>
+              <a:rPr lang="en-US" sz="1800" dirty="0">
+                <a:effectLst/>
+                <a:latin typeface="Calibri" panose="020F0502020204030204" pitchFamily="34" charset="0"/>
+                <a:ea typeface="Calibri" panose="020F0502020204030204" pitchFamily="34" charset="0"/>
+              </a:rPr>
+              <a:t>ut</a:t>
+            </a:r>
+            <a:r>
+              <a:rPr lang="he-IL" sz="1800" dirty="0">
+                <a:effectLst/>
+                <a:latin typeface="Calibri" panose="020F0502020204030204" pitchFamily="34" charset="0"/>
+                <a:ea typeface="Calibri" panose="020F0502020204030204" pitchFamily="34" charset="0"/>
+              </a:rPr>
+              <a:t>), כלומר האיבר הראשון שנכנס לתור הוא האיבר הראשון שיצא ממנו.</a:t>
+            </a:r>
+            <a:endParaRPr lang="en-US" sz="1400" dirty="0">
+              <a:effectLst/>
+              <a:latin typeface="Calibri" panose="020F0502020204030204" pitchFamily="34" charset="0"/>
+              <a:ea typeface="Calibri" panose="020F0502020204030204" pitchFamily="34" charset="0"/>
+            </a:endParaRPr>
+          </a:p>
+          <a:p>
+            <a:pPr marL="0" marR="0" algn="r" rtl="1">
+              <a:lnSpc>
+                <a:spcPct val="107000"/>
+              </a:lnSpc>
+              <a:spcBef>
+                <a:spcPts val="600"/>
+              </a:spcBef>
+              <a:spcAft>
+                <a:spcPts val="1200"/>
+              </a:spcAft>
+            </a:pPr>
+            <a:r>
+              <a:rPr lang="he-IL" sz="1800" u="sng" dirty="0">
+                <a:effectLst/>
+                <a:latin typeface="Calibri" panose="020F0502020204030204" pitchFamily="34" charset="0"/>
+                <a:ea typeface="Calibri" panose="020F0502020204030204" pitchFamily="34" charset="0"/>
+              </a:rPr>
+              <a:t>פעולות:</a:t>
+            </a:r>
+            <a:endParaRPr lang="en-US" sz="1400" dirty="0">
+              <a:effectLst/>
+              <a:latin typeface="Calibri" panose="020F0502020204030204" pitchFamily="34" charset="0"/>
+              <a:ea typeface="Calibri" panose="020F0502020204030204" pitchFamily="34" charset="0"/>
+            </a:endParaRPr>
+          </a:p>
+          <a:p>
+            <a:pPr marL="342900" lvl="0" indent="-342900">
+              <a:lnSpc>
+                <a:spcPct val="107000"/>
+              </a:lnSpc>
+              <a:spcBef>
+                <a:spcPts val="600"/>
+              </a:spcBef>
+              <a:buFont typeface="+mj-lt"/>
+              <a:buAutoNum type="arabicParenR"/>
+            </a:pPr>
+            <a:r>
+              <a:rPr lang="en-US" sz="1800" b="1" u="sng" dirty="0">
+                <a:solidFill>
+                  <a:srgbClr val="000000"/>
+                </a:solidFill>
+                <a:effectLst/>
+                <a:latin typeface="Calibri" panose="020F0502020204030204" pitchFamily="34" charset="0"/>
+                <a:ea typeface="Calibri" panose="020F0502020204030204" pitchFamily="34" charset="0"/>
+              </a:rPr>
+              <a:t>create(Q)</a:t>
+            </a:r>
+            <a:r>
+              <a:rPr lang="he-IL" sz="1800" b="1" dirty="0">
+                <a:solidFill>
+                  <a:srgbClr val="000000"/>
+                </a:solidFill>
+                <a:effectLst/>
+                <a:latin typeface="Calibri" panose="020F0502020204030204" pitchFamily="34" charset="0"/>
+                <a:ea typeface="Calibri" panose="020F0502020204030204" pitchFamily="34" charset="0"/>
+              </a:rPr>
+              <a:t> </a:t>
+            </a:r>
+            <a:r>
+              <a:rPr lang="en-US" sz="1800" b="1" dirty="0">
+                <a:solidFill>
+                  <a:srgbClr val="000000"/>
+                </a:solidFill>
+                <a:effectLst/>
+                <a:latin typeface="Calibri" panose="020F0502020204030204" pitchFamily="34" charset="0"/>
+                <a:ea typeface="Calibri" panose="020F0502020204030204" pitchFamily="34" charset="0"/>
+              </a:rPr>
+              <a:t> </a:t>
+            </a:r>
+            <a:r>
+              <a:rPr lang="he-IL" sz="1800" dirty="0">
+                <a:solidFill>
+                  <a:srgbClr val="000000"/>
+                </a:solidFill>
+                <a:effectLst/>
+                <a:latin typeface="Calibri" panose="020F0502020204030204" pitchFamily="34" charset="0"/>
+                <a:ea typeface="Calibri" panose="020F0502020204030204" pitchFamily="34" charset="0"/>
+              </a:rPr>
+              <a:t>– יצירת תור ריק</a:t>
+            </a:r>
+            <a:r>
+              <a:rPr lang="he-IL" dirty="0">
+                <a:solidFill>
+                  <a:srgbClr val="000000"/>
+                </a:solidFill>
+                <a:latin typeface="Calibri" panose="020F0502020204030204" pitchFamily="34" charset="0"/>
+                <a:ea typeface="Calibri" panose="020F0502020204030204" pitchFamily="34" charset="0"/>
+              </a:rPr>
+              <a:t> </a:t>
+            </a:r>
+            <a:r>
+              <a:rPr lang="en-US" dirty="0">
+                <a:solidFill>
+                  <a:srgbClr val="000000"/>
+                </a:solidFill>
+                <a:latin typeface="Calibri" panose="020F0502020204030204" pitchFamily="34" charset="0"/>
+                <a:ea typeface="Calibri" panose="020F0502020204030204" pitchFamily="34" charset="0"/>
+              </a:rPr>
+              <a:t>Q</a:t>
+            </a:r>
+            <a:endParaRPr lang="en-US" sz="1400" dirty="0">
+              <a:effectLst/>
+              <a:latin typeface="Calibri" panose="020F0502020204030204" pitchFamily="34" charset="0"/>
+              <a:ea typeface="Calibri" panose="020F0502020204030204" pitchFamily="34" charset="0"/>
+            </a:endParaRPr>
+          </a:p>
+          <a:p>
+            <a:pPr marL="342900" marR="0" lvl="0" indent="-342900" algn="r" rtl="1">
+              <a:lnSpc>
+                <a:spcPct val="107000"/>
+              </a:lnSpc>
+              <a:spcBef>
+                <a:spcPts val="0"/>
+              </a:spcBef>
+              <a:spcAft>
+                <a:spcPts val="0"/>
+              </a:spcAft>
+              <a:buFont typeface="+mj-lt"/>
+              <a:buAutoNum type="arabicParenR"/>
+            </a:pPr>
+            <a:r>
+              <a:rPr lang="en-US" b="1" u="sng" dirty="0">
+                <a:solidFill>
+                  <a:srgbClr val="000000"/>
+                </a:solidFill>
+                <a:latin typeface="Calibri" panose="020F0502020204030204" pitchFamily="34" charset="0"/>
+                <a:ea typeface="Calibri" panose="020F0502020204030204" pitchFamily="34" charset="0"/>
+              </a:rPr>
+              <a:t>h</a:t>
+            </a:r>
+            <a:r>
+              <a:rPr lang="en-US" sz="1800" b="1" u="sng" dirty="0">
+                <a:solidFill>
+                  <a:srgbClr val="000000"/>
+                </a:solidFill>
+                <a:effectLst/>
+                <a:latin typeface="Calibri" panose="020F0502020204030204" pitchFamily="34" charset="0"/>
+                <a:ea typeface="Calibri" panose="020F0502020204030204" pitchFamily="34" charset="0"/>
+              </a:rPr>
+              <a:t>ead(Q)</a:t>
+            </a:r>
+            <a:r>
+              <a:rPr lang="he-IL" sz="1800" b="1" dirty="0">
+                <a:solidFill>
+                  <a:srgbClr val="000000"/>
+                </a:solidFill>
+                <a:effectLst/>
+                <a:latin typeface="Calibri" panose="020F0502020204030204" pitchFamily="34" charset="0"/>
+                <a:ea typeface="Calibri" panose="020F0502020204030204" pitchFamily="34" charset="0"/>
+              </a:rPr>
+              <a:t> </a:t>
+            </a:r>
+            <a:r>
+              <a:rPr lang="en-US" sz="1800" b="1" dirty="0">
+                <a:solidFill>
+                  <a:srgbClr val="000000"/>
+                </a:solidFill>
+                <a:effectLst/>
+                <a:latin typeface="Calibri" panose="020F0502020204030204" pitchFamily="34" charset="0"/>
+                <a:ea typeface="Calibri" panose="020F0502020204030204" pitchFamily="34" charset="0"/>
+              </a:rPr>
+              <a:t> </a:t>
+            </a:r>
+            <a:r>
+              <a:rPr lang="he-IL" sz="1800" dirty="0">
+                <a:solidFill>
+                  <a:srgbClr val="000000"/>
+                </a:solidFill>
+                <a:effectLst/>
+                <a:latin typeface="Calibri" panose="020F0502020204030204" pitchFamily="34" charset="0"/>
+                <a:ea typeface="Calibri" panose="020F0502020204030204" pitchFamily="34" charset="0"/>
+              </a:rPr>
+              <a:t>– מחזיר את האיבר הראשון בראש התור (התור עצמו לא משתנה)</a:t>
+            </a:r>
+            <a:endParaRPr lang="en-US" sz="1400" dirty="0">
+              <a:effectLst/>
+              <a:latin typeface="Calibri" panose="020F0502020204030204" pitchFamily="34" charset="0"/>
+              <a:ea typeface="Calibri" panose="020F0502020204030204" pitchFamily="34" charset="0"/>
+            </a:endParaRPr>
+          </a:p>
+          <a:p>
+            <a:pPr marL="342900" marR="0" lvl="0" indent="-342900" algn="r" rtl="1">
+              <a:lnSpc>
+                <a:spcPct val="107000"/>
+              </a:lnSpc>
+              <a:spcBef>
+                <a:spcPts val="0"/>
+              </a:spcBef>
+              <a:spcAft>
+                <a:spcPts val="0"/>
+              </a:spcAft>
+              <a:buFont typeface="+mj-lt"/>
+              <a:buAutoNum type="arabicParenR"/>
+            </a:pPr>
+            <a:r>
+              <a:rPr lang="en-US" b="1" u="sng" dirty="0">
+                <a:solidFill>
+                  <a:srgbClr val="000000"/>
+                </a:solidFill>
+                <a:latin typeface="Calibri" panose="020F0502020204030204" pitchFamily="34" charset="0"/>
+                <a:ea typeface="Calibri" panose="020F0502020204030204" pitchFamily="34" charset="0"/>
+              </a:rPr>
+              <a:t>e</a:t>
+            </a:r>
+            <a:r>
+              <a:rPr lang="en-US" sz="1800" b="1" u="sng" dirty="0">
+                <a:solidFill>
+                  <a:srgbClr val="000000"/>
+                </a:solidFill>
+                <a:effectLst/>
+                <a:latin typeface="Calibri" panose="020F0502020204030204" pitchFamily="34" charset="0"/>
+                <a:ea typeface="Calibri" panose="020F0502020204030204" pitchFamily="34" charset="0"/>
+              </a:rPr>
+              <a:t>nqueue (x)</a:t>
+            </a:r>
+            <a:r>
+              <a:rPr lang="he-IL" sz="1800" b="1" dirty="0">
+                <a:solidFill>
+                  <a:srgbClr val="000000"/>
+                </a:solidFill>
+                <a:effectLst/>
+                <a:latin typeface="Calibri" panose="020F0502020204030204" pitchFamily="34" charset="0"/>
+                <a:ea typeface="Calibri" panose="020F0502020204030204" pitchFamily="34" charset="0"/>
+              </a:rPr>
+              <a:t> </a:t>
+            </a:r>
+            <a:r>
+              <a:rPr lang="en-US" sz="1800" b="1" dirty="0">
+                <a:solidFill>
+                  <a:srgbClr val="000000"/>
+                </a:solidFill>
+                <a:effectLst/>
+                <a:latin typeface="Calibri" panose="020F0502020204030204" pitchFamily="34" charset="0"/>
+                <a:ea typeface="Calibri" panose="020F0502020204030204" pitchFamily="34" charset="0"/>
+              </a:rPr>
+              <a:t> </a:t>
+            </a:r>
+            <a:r>
+              <a:rPr lang="he-IL" sz="1800" dirty="0">
+                <a:solidFill>
+                  <a:srgbClr val="000000"/>
+                </a:solidFill>
+                <a:effectLst/>
+                <a:latin typeface="Calibri" panose="020F0502020204030204" pitchFamily="34" charset="0"/>
+                <a:ea typeface="Calibri" panose="020F0502020204030204" pitchFamily="34" charset="0"/>
+              </a:rPr>
+              <a:t>– הכנסת איבר </a:t>
+            </a:r>
+            <a:r>
+              <a:rPr lang="en-US" sz="1800" dirty="0">
+                <a:solidFill>
+                  <a:srgbClr val="000000"/>
+                </a:solidFill>
+                <a:effectLst/>
+                <a:latin typeface="Calibri" panose="020F0502020204030204" pitchFamily="34" charset="0"/>
+                <a:ea typeface="Calibri" panose="020F0502020204030204" pitchFamily="34" charset="0"/>
+              </a:rPr>
+              <a:t>x</a:t>
+            </a:r>
+            <a:r>
+              <a:rPr lang="he-IL" sz="1800" dirty="0">
+                <a:solidFill>
+                  <a:srgbClr val="000000"/>
+                </a:solidFill>
+                <a:effectLst/>
+                <a:latin typeface="Calibri" panose="020F0502020204030204" pitchFamily="34" charset="0"/>
+                <a:ea typeface="Calibri" panose="020F0502020204030204" pitchFamily="34" charset="0"/>
+              </a:rPr>
+              <a:t> לסוף תור </a:t>
+            </a:r>
+            <a:r>
+              <a:rPr lang="en-US" sz="1800" dirty="0">
+                <a:solidFill>
+                  <a:srgbClr val="000000"/>
+                </a:solidFill>
+                <a:effectLst/>
+                <a:latin typeface="Calibri" panose="020F0502020204030204" pitchFamily="34" charset="0"/>
+                <a:ea typeface="Calibri" panose="020F0502020204030204" pitchFamily="34" charset="0"/>
+              </a:rPr>
+              <a:t>Q</a:t>
+            </a:r>
+            <a:endParaRPr lang="en-US" sz="1400" dirty="0">
+              <a:effectLst/>
+              <a:latin typeface="Calibri" panose="020F0502020204030204" pitchFamily="34" charset="0"/>
+              <a:ea typeface="Calibri" panose="020F0502020204030204" pitchFamily="34" charset="0"/>
+            </a:endParaRPr>
+          </a:p>
+          <a:p>
+            <a:pPr marL="342900" marR="0" lvl="0" indent="-342900" algn="r" rtl="1">
+              <a:lnSpc>
+                <a:spcPct val="107000"/>
+              </a:lnSpc>
+              <a:spcBef>
+                <a:spcPts val="0"/>
+              </a:spcBef>
+              <a:spcAft>
+                <a:spcPts val="0"/>
+              </a:spcAft>
+              <a:buFont typeface="+mj-lt"/>
+              <a:buAutoNum type="arabicParenR"/>
+            </a:pPr>
+            <a:r>
+              <a:rPr lang="en-US" b="1" u="sng" dirty="0">
+                <a:solidFill>
+                  <a:srgbClr val="000000"/>
+                </a:solidFill>
+                <a:latin typeface="Calibri" panose="020F0502020204030204" pitchFamily="34" charset="0"/>
+                <a:ea typeface="Calibri" panose="020F0502020204030204" pitchFamily="34" charset="0"/>
+              </a:rPr>
+              <a:t>d</a:t>
+            </a:r>
+            <a:r>
+              <a:rPr lang="en-US" sz="1800" b="1" u="sng" dirty="0">
+                <a:solidFill>
+                  <a:srgbClr val="000000"/>
+                </a:solidFill>
+                <a:effectLst/>
+                <a:latin typeface="Calibri" panose="020F0502020204030204" pitchFamily="34" charset="0"/>
+                <a:ea typeface="Calibri" panose="020F0502020204030204" pitchFamily="34" charset="0"/>
+              </a:rPr>
+              <a:t>equeue (Q)</a:t>
+            </a:r>
+            <a:r>
+              <a:rPr lang="he-IL" sz="1800" dirty="0">
+                <a:solidFill>
+                  <a:srgbClr val="000000"/>
+                </a:solidFill>
+                <a:effectLst/>
+                <a:latin typeface="Calibri" panose="020F0502020204030204" pitchFamily="34" charset="0"/>
+                <a:ea typeface="Calibri" panose="020F0502020204030204" pitchFamily="34" charset="0"/>
+              </a:rPr>
+              <a:t> – הוצאת איבר מראש התור </a:t>
+            </a:r>
+            <a:r>
+              <a:rPr lang="en-US" sz="1800" dirty="0">
+                <a:solidFill>
+                  <a:srgbClr val="000000"/>
+                </a:solidFill>
+                <a:effectLst/>
+                <a:latin typeface="Calibri" panose="020F0502020204030204" pitchFamily="34" charset="0"/>
+                <a:ea typeface="Calibri" panose="020F0502020204030204" pitchFamily="34" charset="0"/>
+              </a:rPr>
+              <a:t>Q</a:t>
+            </a:r>
+            <a:endParaRPr lang="en-US" sz="1400" dirty="0">
+              <a:effectLst/>
+              <a:latin typeface="Calibri" panose="020F0502020204030204" pitchFamily="34" charset="0"/>
+              <a:ea typeface="Calibri" panose="020F0502020204030204" pitchFamily="34" charset="0"/>
+            </a:endParaRPr>
+          </a:p>
+          <a:p>
+            <a:pPr marL="342900" marR="0" lvl="0" indent="-342900" algn="r" rtl="1">
+              <a:lnSpc>
+                <a:spcPct val="107000"/>
+              </a:lnSpc>
+              <a:spcBef>
+                <a:spcPts val="0"/>
+              </a:spcBef>
+              <a:spcAft>
+                <a:spcPts val="0"/>
+              </a:spcAft>
+              <a:buFont typeface="+mj-lt"/>
+              <a:buAutoNum type="arabicParenR"/>
+            </a:pPr>
+            <a:r>
+              <a:rPr lang="en-US" sz="1800" b="1" u="sng" dirty="0" err="1">
+                <a:solidFill>
+                  <a:srgbClr val="000000"/>
+                </a:solidFill>
+                <a:effectLst/>
+                <a:latin typeface="Calibri" panose="020F0502020204030204" pitchFamily="34" charset="0"/>
+                <a:ea typeface="Calibri" panose="020F0502020204030204" pitchFamily="34" charset="0"/>
+              </a:rPr>
+              <a:t>queue_empty</a:t>
+            </a:r>
+            <a:r>
+              <a:rPr lang="en-US" sz="1800" b="1" u="sng" dirty="0">
+                <a:solidFill>
+                  <a:srgbClr val="000000"/>
+                </a:solidFill>
+                <a:effectLst/>
+                <a:latin typeface="Calibri" panose="020F0502020204030204" pitchFamily="34" charset="0"/>
+                <a:ea typeface="Calibri" panose="020F0502020204030204" pitchFamily="34" charset="0"/>
+              </a:rPr>
+              <a:t>(Q) </a:t>
+            </a:r>
+            <a:r>
+              <a:rPr lang="he-IL" sz="1800" b="1" dirty="0">
+                <a:solidFill>
+                  <a:srgbClr val="000000"/>
+                </a:solidFill>
+                <a:effectLst/>
+                <a:latin typeface="Calibri" panose="020F0502020204030204" pitchFamily="34" charset="0"/>
+                <a:ea typeface="Calibri" panose="020F0502020204030204" pitchFamily="34" charset="0"/>
+              </a:rPr>
+              <a:t> </a:t>
+            </a:r>
+            <a:r>
+              <a:rPr lang="he-IL" sz="1800" dirty="0">
+                <a:solidFill>
+                  <a:srgbClr val="000000"/>
+                </a:solidFill>
+                <a:effectLst/>
+                <a:latin typeface="Calibri" panose="020F0502020204030204" pitchFamily="34" charset="0"/>
+                <a:ea typeface="Calibri" panose="020F0502020204030204" pitchFamily="34" charset="0"/>
+              </a:rPr>
+              <a:t>– מחזיר </a:t>
+            </a:r>
+            <a:r>
+              <a:rPr lang="en-US" sz="1800" dirty="0">
+                <a:solidFill>
+                  <a:srgbClr val="000000"/>
+                </a:solidFill>
+                <a:effectLst/>
+                <a:latin typeface="Calibri" panose="020F0502020204030204" pitchFamily="34" charset="0"/>
+                <a:ea typeface="Calibri" panose="020F0502020204030204" pitchFamily="34" charset="0"/>
+              </a:rPr>
+              <a:t>True</a:t>
+            </a:r>
+            <a:r>
+              <a:rPr lang="he-IL" sz="1800" dirty="0">
+                <a:solidFill>
+                  <a:srgbClr val="000000"/>
+                </a:solidFill>
+                <a:effectLst/>
+                <a:latin typeface="Calibri" panose="020F0502020204030204" pitchFamily="34" charset="0"/>
+                <a:ea typeface="Calibri" panose="020F0502020204030204" pitchFamily="34" charset="0"/>
+              </a:rPr>
+              <a:t> אם תור ריק, אחרת מחזיר </a:t>
+            </a:r>
+            <a:r>
+              <a:rPr lang="en-US" sz="1800" dirty="0">
+                <a:solidFill>
+                  <a:srgbClr val="000000"/>
+                </a:solidFill>
+                <a:effectLst/>
+                <a:latin typeface="Calibri" panose="020F0502020204030204" pitchFamily="34" charset="0"/>
+                <a:ea typeface="Calibri" panose="020F0502020204030204" pitchFamily="34" charset="0"/>
+              </a:rPr>
+              <a:t>False</a:t>
+            </a:r>
+            <a:endParaRPr lang="en-US" sz="1400" dirty="0">
+              <a:effectLst/>
+              <a:latin typeface="Calibri" panose="020F0502020204030204" pitchFamily="34" charset="0"/>
+              <a:ea typeface="Calibri" panose="020F0502020204030204" pitchFamily="34" charset="0"/>
+            </a:endParaRPr>
+          </a:p>
+          <a:p>
+            <a:pPr marL="342900" marR="0" lvl="0" indent="-342900" algn="r" rtl="1">
+              <a:lnSpc>
+                <a:spcPct val="107000"/>
+              </a:lnSpc>
+              <a:spcBef>
+                <a:spcPts val="0"/>
+              </a:spcBef>
+              <a:spcAft>
+                <a:spcPts val="1200"/>
+              </a:spcAft>
+              <a:buFont typeface="+mj-lt"/>
+              <a:buAutoNum type="arabicParenR"/>
+            </a:pPr>
+            <a:r>
+              <a:rPr lang="en-US" sz="1800" b="1" u="sng" dirty="0" err="1">
+                <a:solidFill>
+                  <a:srgbClr val="000000"/>
+                </a:solidFill>
+                <a:effectLst/>
+                <a:latin typeface="Calibri" panose="020F0502020204030204" pitchFamily="34" charset="0"/>
+                <a:ea typeface="Calibri" panose="020F0502020204030204" pitchFamily="34" charset="0"/>
+              </a:rPr>
+              <a:t>queue_full</a:t>
+            </a:r>
+            <a:r>
+              <a:rPr lang="en-US" sz="1800" b="1" u="sng" dirty="0">
+                <a:solidFill>
+                  <a:srgbClr val="000000"/>
+                </a:solidFill>
+                <a:effectLst/>
+                <a:latin typeface="Calibri" panose="020F0502020204030204" pitchFamily="34" charset="0"/>
+                <a:ea typeface="Calibri" panose="020F0502020204030204" pitchFamily="34" charset="0"/>
+              </a:rPr>
+              <a:t>(Q) </a:t>
+            </a:r>
+            <a:r>
+              <a:rPr lang="he-IL" sz="1800" b="1" u="sng" dirty="0">
+                <a:solidFill>
+                  <a:srgbClr val="000000"/>
+                </a:solidFill>
+                <a:effectLst/>
+                <a:latin typeface="Calibri" panose="020F0502020204030204" pitchFamily="34" charset="0"/>
+                <a:ea typeface="Calibri" panose="020F0502020204030204" pitchFamily="34" charset="0"/>
+              </a:rPr>
+              <a:t> </a:t>
+            </a:r>
+            <a:r>
+              <a:rPr lang="he-IL" sz="1800" dirty="0">
+                <a:solidFill>
+                  <a:srgbClr val="000000"/>
+                </a:solidFill>
+                <a:effectLst/>
+                <a:latin typeface="Calibri" panose="020F0502020204030204" pitchFamily="34" charset="0"/>
+                <a:ea typeface="Calibri" panose="020F0502020204030204" pitchFamily="34" charset="0"/>
+              </a:rPr>
+              <a:t>– מחזיר </a:t>
+            </a:r>
+            <a:r>
+              <a:rPr lang="en-US" sz="1800" dirty="0">
+                <a:solidFill>
+                  <a:srgbClr val="000000"/>
+                </a:solidFill>
+                <a:effectLst/>
+                <a:latin typeface="Calibri" panose="020F0502020204030204" pitchFamily="34" charset="0"/>
+                <a:ea typeface="Calibri" panose="020F0502020204030204" pitchFamily="34" charset="0"/>
+              </a:rPr>
+              <a:t>True</a:t>
+            </a:r>
+            <a:r>
+              <a:rPr lang="he-IL" sz="1800" dirty="0">
+                <a:solidFill>
+                  <a:srgbClr val="000000"/>
+                </a:solidFill>
+                <a:effectLst/>
+                <a:latin typeface="Calibri" panose="020F0502020204030204" pitchFamily="34" charset="0"/>
+                <a:ea typeface="Calibri" panose="020F0502020204030204" pitchFamily="34" charset="0"/>
+              </a:rPr>
+              <a:t> אם תור מלא ו-</a:t>
+            </a:r>
+            <a:r>
+              <a:rPr lang="en-US" sz="1800" dirty="0">
+                <a:solidFill>
+                  <a:srgbClr val="000000"/>
+                </a:solidFill>
+                <a:effectLst/>
+                <a:latin typeface="Calibri" panose="020F0502020204030204" pitchFamily="34" charset="0"/>
+                <a:ea typeface="Calibri" panose="020F0502020204030204" pitchFamily="34" charset="0"/>
+              </a:rPr>
+              <a:t>False</a:t>
+            </a:r>
+            <a:r>
+              <a:rPr lang="he-IL" sz="1800" dirty="0">
+                <a:solidFill>
+                  <a:srgbClr val="000000"/>
+                </a:solidFill>
+                <a:effectLst/>
+                <a:latin typeface="Calibri" panose="020F0502020204030204" pitchFamily="34" charset="0"/>
+                <a:ea typeface="Calibri" panose="020F0502020204030204" pitchFamily="34" charset="0"/>
+              </a:rPr>
+              <a:t> אחרת</a:t>
+            </a:r>
+            <a:endParaRPr lang="en-US" sz="1400" dirty="0">
+              <a:effectLst/>
+              <a:latin typeface="Calibri" panose="020F0502020204030204" pitchFamily="34" charset="0"/>
+              <a:ea typeface="Calibri" panose="020F0502020204030204" pitchFamily="34" charset="0"/>
+            </a:endParaRPr>
+          </a:p>
+        </p:txBody>
+      </p:sp>
+    </p:spTree>
+    <p:extLst>
+      <p:ext uri="{BB962C8B-B14F-4D97-AF65-F5344CB8AC3E}">
+        <p14:creationId xmlns:p14="http://schemas.microsoft.com/office/powerpoint/2010/main" val="566095892"/>
+      </p:ext>
+    </p:extLst>
+  </p:cSld>
+  <p:clrMapOvr>
+    <a:masterClrMapping/>
+  </p:clrMapOvr>
+</p:sld>
+</file>
+
+<file path=ppt/slides/slide11.xml><?xml version="1.0" encoding="utf-8"?>
+<p:sld xmlns:a="http://schemas.openxmlformats.org/drawingml/2006/main" xmlns:r="http://schemas.openxmlformats.org/officeDocument/2006/relationships" xmlns:p="http://schemas.openxmlformats.org/presentationml/2006/main">
+  <p:cSld>
+    <p:bg>
+      <p:bgPr>
+        <a:blipFill dpi="0" rotWithShape="1">
+          <a:blip r:embed="rId3">
+            <a:lum/>
+          </a:blip>
+          <a:srcRect/>
+          <a:stretch>
+            <a:fillRect/>
+          </a:stretch>
+        </a:blipFill>
+        <a:effectLst/>
+      </p:bgPr>
+    </p:bg>
+    <p:spTree>
+      <p:nvGrpSpPr>
+        <p:cNvPr id="1" name=""/>
+        <p:cNvGrpSpPr/>
+        <p:nvPr/>
+      </p:nvGrpSpPr>
+      <p:grpSpPr>
+        <a:xfrm>
+          <a:off x="0" y="0"/>
+          <a:ext cx="0" cy="0"/>
+          <a:chOff x="0" y="0"/>
+          <a:chExt cx="0" cy="0"/>
+        </a:xfrm>
+      </p:grpSpPr>
+      <p:sp>
+        <p:nvSpPr>
           <p:cNvPr id="5" name="TextBox 4">
             <a:extLst>
               <a:ext uri="{FF2B5EF4-FFF2-40B4-BE49-F238E27FC236}">
@@ -5359,773 +6358,6 @@
 </p:sld>
 </file>
 
-<file path=ppt/slides/slide11.xml><?xml version="1.0" encoding="utf-8"?>
-<p:sld xmlns:a="http://schemas.openxmlformats.org/drawingml/2006/main" xmlns:r="http://schemas.openxmlformats.org/officeDocument/2006/relationships" xmlns:p="http://schemas.openxmlformats.org/presentationml/2006/main">
-  <p:cSld>
-    <p:bg>
-      <p:bgPr>
-        <a:blipFill dpi="0" rotWithShape="1">
-          <a:blip r:embed="rId3">
-            <a:lum/>
-          </a:blip>
-          <a:srcRect/>
-          <a:stretch>
-            <a:fillRect/>
-          </a:stretch>
-        </a:blipFill>
-        <a:effectLst/>
-      </p:bgPr>
-    </p:bg>
-    <p:spTree>
-      <p:nvGrpSpPr>
-        <p:cNvPr id="1" name=""/>
-        <p:cNvGrpSpPr/>
-        <p:nvPr/>
-      </p:nvGrpSpPr>
-      <p:grpSpPr>
-        <a:xfrm>
-          <a:off x="0" y="0"/>
-          <a:ext cx="0" cy="0"/>
-          <a:chOff x="0" y="0"/>
-          <a:chExt cx="0" cy="0"/>
-        </a:xfrm>
-      </p:grpSpPr>
-      <p:sp>
-        <p:nvSpPr>
-          <p:cNvPr id="20" name="Rectangle 2"/>
-          <p:cNvSpPr txBox="1">
-            <a:spLocks noChangeArrowheads="1"/>
-          </p:cNvSpPr>
-          <p:nvPr/>
-        </p:nvSpPr>
-        <p:spPr bwMode="auto">
-          <a:xfrm>
-            <a:off x="3287209" y="258329"/>
-            <a:ext cx="8229600" cy="826818"/>
-          </a:xfrm>
-          <a:prstGeom prst="rect">
-            <a:avLst/>
-          </a:prstGeom>
-          <a:noFill/>
-          <a:ln>
-            <a:noFill/>
-          </a:ln>
-          <a:effectLst/>
-          <a:extLst>
-            <a:ext uri="{909E8E84-426E-40DD-AFC4-6F175D3DCCD1}">
-              <a14:hiddenFill xmlns:a14="http://schemas.microsoft.com/office/drawing/2010/main">
-                <a:solidFill>
-                  <a:schemeClr val="accent1"/>
-                </a:solidFill>
-              </a14:hiddenFill>
-            </a:ext>
-            <a:ext uri="{91240B29-F687-4F45-9708-019B960494DF}">
-              <a14:hiddenLine xmlns:a14="http://schemas.microsoft.com/office/drawing/2010/main" w="9525">
-                <a:solidFill>
-                  <a:schemeClr val="tx1"/>
-                </a:solidFill>
-                <a:miter lim="800000"/>
-                <a:headEnd/>
-                <a:tailEnd/>
-              </a14:hiddenLine>
-            </a:ext>
-            <a:ext uri="{AF507438-7753-43E0-B8FC-AC1667EBCBE1}">
-              <a14:hiddenEffects xmlns:a14="http://schemas.microsoft.com/office/drawing/2010/main">
-                <a:effectLst>
-                  <a:outerShdw dist="35921" dir="2700000" algn="ctr" rotWithShape="0">
-                    <a:schemeClr val="bg2"/>
-                  </a:outerShdw>
-                </a:effectLst>
-              </a14:hiddenEffects>
-            </a:ext>
-          </a:extLst>
-        </p:spPr>
-        <p:txBody>
-          <a:bodyPr vert="horz" wrap="square" lIns="91440" tIns="45720" rIns="91440" bIns="45720" numCol="1" anchor="t" anchorCtr="0" compatLnSpc="1">
-            <a:prstTxWarp prst="textNoShape">
-              <a:avLst/>
-            </a:prstTxWarp>
-          </a:bodyPr>
-          <a:lstStyle>
-            <a:lvl1pPr algn="l" rtl="1" eaLnBrk="0" fontAlgn="base" hangingPunct="0">
-              <a:spcBef>
-                <a:spcPct val="0"/>
-              </a:spcBef>
-              <a:spcAft>
-                <a:spcPct val="0"/>
-              </a:spcAft>
-              <a:defRPr sz="4200">
-                <a:solidFill>
-                  <a:schemeClr val="tx2"/>
-                </a:solidFill>
-                <a:latin typeface="+mj-lt"/>
-                <a:ea typeface="+mj-ea"/>
-                <a:cs typeface="+mj-cs"/>
-              </a:defRPr>
-            </a:lvl1pPr>
-            <a:lvl2pPr algn="l" rtl="1" eaLnBrk="0" fontAlgn="base" hangingPunct="0">
-              <a:spcBef>
-                <a:spcPct val="0"/>
-              </a:spcBef>
-              <a:spcAft>
-                <a:spcPct val="0"/>
-              </a:spcAft>
-              <a:defRPr sz="4200">
-                <a:solidFill>
-                  <a:schemeClr val="tx2"/>
-                </a:solidFill>
-                <a:latin typeface="Garamond" pitchFamily="18" charset="0"/>
-                <a:cs typeface="Arial" pitchFamily="34" charset="0"/>
-              </a:defRPr>
-            </a:lvl2pPr>
-            <a:lvl3pPr algn="l" rtl="1" eaLnBrk="0" fontAlgn="base" hangingPunct="0">
-              <a:spcBef>
-                <a:spcPct val="0"/>
-              </a:spcBef>
-              <a:spcAft>
-                <a:spcPct val="0"/>
-              </a:spcAft>
-              <a:defRPr sz="4200">
-                <a:solidFill>
-                  <a:schemeClr val="tx2"/>
-                </a:solidFill>
-                <a:latin typeface="Garamond" pitchFamily="18" charset="0"/>
-                <a:cs typeface="Arial" pitchFamily="34" charset="0"/>
-              </a:defRPr>
-            </a:lvl3pPr>
-            <a:lvl4pPr algn="l" rtl="1" eaLnBrk="0" fontAlgn="base" hangingPunct="0">
-              <a:spcBef>
-                <a:spcPct val="0"/>
-              </a:spcBef>
-              <a:spcAft>
-                <a:spcPct val="0"/>
-              </a:spcAft>
-              <a:defRPr sz="4200">
-                <a:solidFill>
-                  <a:schemeClr val="tx2"/>
-                </a:solidFill>
-                <a:latin typeface="Garamond" pitchFamily="18" charset="0"/>
-                <a:cs typeface="Arial" pitchFamily="34" charset="0"/>
-              </a:defRPr>
-            </a:lvl4pPr>
-            <a:lvl5pPr algn="l" rtl="1" eaLnBrk="0" fontAlgn="base" hangingPunct="0">
-              <a:spcBef>
-                <a:spcPct val="0"/>
-              </a:spcBef>
-              <a:spcAft>
-                <a:spcPct val="0"/>
-              </a:spcAft>
-              <a:defRPr sz="4200">
-                <a:solidFill>
-                  <a:schemeClr val="tx2"/>
-                </a:solidFill>
-                <a:latin typeface="Garamond" pitchFamily="18" charset="0"/>
-                <a:cs typeface="Arial" pitchFamily="34" charset="0"/>
-              </a:defRPr>
-            </a:lvl5pPr>
-            <a:lvl6pPr marL="457200" algn="l" rtl="1" fontAlgn="base">
-              <a:spcBef>
-                <a:spcPct val="0"/>
-              </a:spcBef>
-              <a:spcAft>
-                <a:spcPct val="0"/>
-              </a:spcAft>
-              <a:defRPr sz="4200">
-                <a:solidFill>
-                  <a:schemeClr val="tx2"/>
-                </a:solidFill>
-                <a:latin typeface="Garamond" pitchFamily="18" charset="0"/>
-                <a:cs typeface="Arial" pitchFamily="34" charset="0"/>
-              </a:defRPr>
-            </a:lvl6pPr>
-            <a:lvl7pPr marL="914400" algn="l" rtl="1" fontAlgn="base">
-              <a:spcBef>
-                <a:spcPct val="0"/>
-              </a:spcBef>
-              <a:spcAft>
-                <a:spcPct val="0"/>
-              </a:spcAft>
-              <a:defRPr sz="4200">
-                <a:solidFill>
-                  <a:schemeClr val="tx2"/>
-                </a:solidFill>
-                <a:latin typeface="Garamond" pitchFamily="18" charset="0"/>
-                <a:cs typeface="Arial" pitchFamily="34" charset="0"/>
-              </a:defRPr>
-            </a:lvl7pPr>
-            <a:lvl8pPr marL="1371600" algn="l" rtl="1" fontAlgn="base">
-              <a:spcBef>
-                <a:spcPct val="0"/>
-              </a:spcBef>
-              <a:spcAft>
-                <a:spcPct val="0"/>
-              </a:spcAft>
-              <a:defRPr sz="4200">
-                <a:solidFill>
-                  <a:schemeClr val="tx2"/>
-                </a:solidFill>
-                <a:latin typeface="Garamond" pitchFamily="18" charset="0"/>
-                <a:cs typeface="Arial" pitchFamily="34" charset="0"/>
-              </a:defRPr>
-            </a:lvl8pPr>
-            <a:lvl9pPr marL="1828800" algn="l" rtl="1" fontAlgn="base">
-              <a:spcBef>
-                <a:spcPct val="0"/>
-              </a:spcBef>
-              <a:spcAft>
-                <a:spcPct val="0"/>
-              </a:spcAft>
-              <a:defRPr sz="4200">
-                <a:solidFill>
-                  <a:schemeClr val="tx2"/>
-                </a:solidFill>
-                <a:latin typeface="Garamond" pitchFamily="18" charset="0"/>
-                <a:cs typeface="Arial" pitchFamily="34" charset="0"/>
-              </a:defRPr>
-            </a:lvl9pPr>
-          </a:lstStyle>
-          <a:p>
-            <a:pPr marL="0" marR="0" lvl="0" indent="0" algn="r" defTabSz="914400" rtl="1" eaLnBrk="1" fontAlgn="base" latinLnBrk="0" hangingPunct="1">
-              <a:lnSpc>
-                <a:spcPct val="100000"/>
-              </a:lnSpc>
-              <a:spcBef>
-                <a:spcPct val="0"/>
-              </a:spcBef>
-              <a:spcAft>
-                <a:spcPct val="0"/>
-              </a:spcAft>
-              <a:buClrTx/>
-              <a:buSzTx/>
-              <a:buFontTx/>
-              <a:buNone/>
-              <a:tabLst/>
-              <a:defRPr/>
-            </a:pPr>
-            <a:r>
-              <a:rPr kumimoji="0" lang="he-IL" altLang="he-IL" sz="4200" b="0" i="0" u="none" strike="noStrike" kern="0" cap="none" spc="0" normalizeH="0" baseline="0" noProof="0" dirty="0">
-                <a:ln>
-                  <a:noFill/>
-                </a:ln>
-                <a:solidFill>
-                  <a:srgbClr val="006633"/>
-                </a:solidFill>
-                <a:effectLst/>
-                <a:uLnTx/>
-                <a:uFillTx/>
-                <a:latin typeface="Garamond"/>
-                <a:ea typeface="+mj-ea"/>
-                <a:cs typeface="Arial"/>
-              </a:rPr>
-              <a:t>תרגיל</a:t>
-            </a:r>
-            <a:r>
-              <a:rPr kumimoji="0" lang="en-US" altLang="he-IL" sz="4200" b="0" i="0" u="none" strike="noStrike" kern="0" cap="none" spc="0" normalizeH="0" baseline="0" noProof="0" dirty="0">
-                <a:ln>
-                  <a:noFill/>
-                </a:ln>
-                <a:solidFill>
-                  <a:srgbClr val="006633"/>
-                </a:solidFill>
-                <a:effectLst/>
-                <a:uLnTx/>
-                <a:uFillTx/>
-                <a:latin typeface="Garamond"/>
-                <a:ea typeface="+mj-ea"/>
-                <a:cs typeface="Arial"/>
-              </a:rPr>
-              <a:t> </a:t>
-            </a:r>
-            <a:r>
-              <a:rPr kumimoji="0" lang="he-IL" altLang="he-IL" sz="4200" b="0" i="0" u="none" strike="noStrike" kern="0" cap="none" spc="0" normalizeH="0" baseline="0" noProof="0" dirty="0">
-                <a:ln>
-                  <a:noFill/>
-                </a:ln>
-                <a:solidFill>
-                  <a:srgbClr val="006633"/>
-                </a:solidFill>
-                <a:effectLst/>
-                <a:uLnTx/>
-                <a:uFillTx/>
-                <a:latin typeface="Garamond"/>
-                <a:ea typeface="+mj-ea"/>
-                <a:cs typeface="Arial"/>
-              </a:rPr>
-              <a:t> </a:t>
-            </a:r>
-            <a:r>
-              <a:rPr kumimoji="0" lang="en-US" altLang="he-IL" sz="4200" b="0" i="0" u="none" strike="noStrike" kern="0" cap="none" spc="0" normalizeH="0" baseline="0" noProof="0" dirty="0">
-                <a:ln>
-                  <a:noFill/>
-                </a:ln>
-                <a:solidFill>
-                  <a:srgbClr val="006633"/>
-                </a:solidFill>
-                <a:effectLst/>
-                <a:uLnTx/>
-                <a:uFillTx/>
-                <a:latin typeface="Garamond"/>
-                <a:ea typeface="+mj-ea"/>
-                <a:cs typeface="Arial"/>
-              </a:rPr>
-              <a:t>4</a:t>
-            </a:r>
-          </a:p>
-        </p:txBody>
-      </p:sp>
-      <p:sp>
-        <p:nvSpPr>
-          <p:cNvPr id="4" name="TextBox 3">
-            <a:extLst>
-              <a:ext uri="{FF2B5EF4-FFF2-40B4-BE49-F238E27FC236}">
-                <a16:creationId xmlns:a16="http://schemas.microsoft.com/office/drawing/2014/main" id="{A9370DD1-D876-C662-EC1F-4ED7C5501C0E}"/>
-              </a:ext>
-            </a:extLst>
-          </p:cNvPr>
-          <p:cNvSpPr txBox="1"/>
-          <p:nvPr/>
-        </p:nvSpPr>
-        <p:spPr>
-          <a:xfrm>
-            <a:off x="5500948" y="1151649"/>
-            <a:ext cx="6097384" cy="968278"/>
-          </a:xfrm>
-          <a:prstGeom prst="rect">
-            <a:avLst/>
-          </a:prstGeom>
-          <a:noFill/>
-        </p:spPr>
-        <p:txBody>
-          <a:bodyPr wrap="square">
-            <a:spAutoFit/>
-          </a:bodyPr>
-          <a:lstStyle/>
-          <a:p>
-            <a:pPr marL="0" marR="0" algn="r" rtl="1">
-              <a:lnSpc>
-                <a:spcPct val="107000"/>
-              </a:lnSpc>
-              <a:spcBef>
-                <a:spcPts val="0"/>
-              </a:spcBef>
-              <a:spcAft>
-                <a:spcPts val="0"/>
-              </a:spcAft>
-            </a:pPr>
-            <a:r>
-              <a:rPr lang="he-IL" sz="1800" dirty="0">
-                <a:solidFill>
-                  <a:srgbClr val="000000"/>
-                </a:solidFill>
-                <a:effectLst/>
-                <a:latin typeface="Calibri" panose="020F0502020204030204" pitchFamily="34" charset="0"/>
-                <a:ea typeface="Calibri" panose="020F0502020204030204" pitchFamily="34" charset="0"/>
-              </a:rPr>
-              <a:t>מה מבצעה </a:t>
-            </a:r>
-            <a:r>
-              <a:rPr lang="he-IL" sz="1800" dirty="0" err="1">
-                <a:solidFill>
-                  <a:srgbClr val="000000"/>
-                </a:solidFill>
-                <a:effectLst/>
-                <a:latin typeface="Calibri" panose="020F0502020204030204" pitchFamily="34" charset="0"/>
-                <a:ea typeface="Calibri" panose="020F0502020204030204" pitchFamily="34" charset="0"/>
-              </a:rPr>
-              <a:t>פסאודו</a:t>
-            </a:r>
-            <a:r>
-              <a:rPr lang="he-IL" sz="1800" dirty="0">
-                <a:solidFill>
-                  <a:srgbClr val="000000"/>
-                </a:solidFill>
-                <a:effectLst/>
-                <a:latin typeface="Calibri" panose="020F0502020204030204" pitchFamily="34" charset="0"/>
-                <a:ea typeface="Calibri" panose="020F0502020204030204" pitchFamily="34" charset="0"/>
-              </a:rPr>
-              <a:t>-קוד הבא? </a:t>
-            </a:r>
-            <a:endParaRPr lang="en-US" sz="1800" dirty="0">
-              <a:solidFill>
-                <a:srgbClr val="000000"/>
-              </a:solidFill>
-              <a:effectLst/>
-              <a:latin typeface="Calibri" panose="020F0502020204030204" pitchFamily="34" charset="0"/>
-              <a:ea typeface="Calibri" panose="020F0502020204030204" pitchFamily="34" charset="0"/>
-            </a:endParaRPr>
-          </a:p>
-          <a:p>
-            <a:pPr marL="0" marR="0" algn="r" rtl="1">
-              <a:lnSpc>
-                <a:spcPct val="107000"/>
-              </a:lnSpc>
-              <a:spcBef>
-                <a:spcPts val="0"/>
-              </a:spcBef>
-              <a:spcAft>
-                <a:spcPts val="0"/>
-              </a:spcAft>
-            </a:pPr>
-            <a:r>
-              <a:rPr lang="he-IL" sz="1800" dirty="0">
-                <a:solidFill>
-                  <a:srgbClr val="000000"/>
-                </a:solidFill>
-                <a:effectLst/>
-                <a:latin typeface="Calibri" panose="020F0502020204030204" pitchFamily="34" charset="0"/>
-                <a:ea typeface="Calibri" panose="020F0502020204030204" pitchFamily="34" charset="0"/>
-              </a:rPr>
-              <a:t>מה סיבוכיות של האלגוריתם?</a:t>
-            </a:r>
-            <a:endParaRPr lang="en-US" sz="1400" dirty="0">
-              <a:effectLst/>
-              <a:latin typeface="Calibri" panose="020F0502020204030204" pitchFamily="34" charset="0"/>
-              <a:ea typeface="Calibri" panose="020F0502020204030204" pitchFamily="34" charset="0"/>
-            </a:endParaRPr>
-          </a:p>
-          <a:p>
-            <a:pPr marL="457200" marR="0">
-              <a:lnSpc>
-                <a:spcPct val="107000"/>
-              </a:lnSpc>
-              <a:spcBef>
-                <a:spcPts val="0"/>
-              </a:spcBef>
-              <a:spcAft>
-                <a:spcPts val="0"/>
-              </a:spcAft>
-            </a:pPr>
-            <a:r>
-              <a:rPr lang="en-US" sz="1800" dirty="0">
-                <a:solidFill>
-                  <a:srgbClr val="000000"/>
-                </a:solidFill>
-                <a:effectLst/>
-                <a:latin typeface="Calibri" panose="020F0502020204030204" pitchFamily="34" charset="0"/>
-                <a:ea typeface="Calibri" panose="020F0502020204030204" pitchFamily="34" charset="0"/>
-              </a:rPr>
-              <a:t> </a:t>
-            </a:r>
-            <a:endParaRPr lang="en-US" sz="1400" dirty="0">
-              <a:effectLst/>
-              <a:latin typeface="Calibri" panose="020F0502020204030204" pitchFamily="34" charset="0"/>
-              <a:ea typeface="Calibri" panose="020F0502020204030204" pitchFamily="34" charset="0"/>
-            </a:endParaRPr>
-          </a:p>
-        </p:txBody>
-      </p:sp>
-      <p:sp>
-        <p:nvSpPr>
-          <p:cNvPr id="9" name="TextBox 8">
-            <a:extLst>
-              <a:ext uri="{FF2B5EF4-FFF2-40B4-BE49-F238E27FC236}">
-                <a16:creationId xmlns:a16="http://schemas.microsoft.com/office/drawing/2014/main" id="{CD59352E-ED4A-C47E-5A68-183CA769477B}"/>
-              </a:ext>
-            </a:extLst>
-          </p:cNvPr>
-          <p:cNvSpPr txBox="1"/>
-          <p:nvPr/>
-        </p:nvSpPr>
-        <p:spPr>
-          <a:xfrm>
-            <a:off x="3619718" y="1772576"/>
-            <a:ext cx="6097384" cy="2087238"/>
-          </a:xfrm>
-          <a:prstGeom prst="rect">
-            <a:avLst/>
-          </a:prstGeom>
-          <a:noFill/>
-        </p:spPr>
-        <p:txBody>
-          <a:bodyPr wrap="square">
-            <a:spAutoFit/>
-          </a:bodyPr>
-          <a:lstStyle/>
-          <a:p>
-            <a:pPr marL="457200" marR="0" algn="l" rtl="0">
-              <a:lnSpc>
-                <a:spcPct val="107000"/>
-              </a:lnSpc>
-              <a:spcBef>
-                <a:spcPts val="0"/>
-              </a:spcBef>
-              <a:spcAft>
-                <a:spcPts val="0"/>
-              </a:spcAft>
-            </a:pPr>
-            <a:endParaRPr lang="en-US" sz="1400" dirty="0">
-              <a:effectLst/>
-              <a:latin typeface="Calibri" panose="020F0502020204030204" pitchFamily="34" charset="0"/>
-              <a:ea typeface="Calibri" panose="020F0502020204030204" pitchFamily="34" charset="0"/>
-            </a:endParaRPr>
-          </a:p>
-          <a:p>
-            <a:pPr marL="457200" marR="0" algn="l" rtl="0">
-              <a:lnSpc>
-                <a:spcPct val="107000"/>
-              </a:lnSpc>
-              <a:spcBef>
-                <a:spcPts val="0"/>
-              </a:spcBef>
-              <a:spcAft>
-                <a:spcPts val="0"/>
-              </a:spcAft>
-            </a:pPr>
-            <a:r>
-              <a:rPr lang="en-US" sz="1800" dirty="0">
-                <a:solidFill>
-                  <a:srgbClr val="000000"/>
-                </a:solidFill>
-                <a:effectLst/>
-                <a:latin typeface="Comic Sans MS" panose="030F0702030302020204" pitchFamily="66" charset="0"/>
-                <a:ea typeface="Comic Sans MS" panose="030F0702030302020204" pitchFamily="66" charset="0"/>
-                <a:cs typeface="Comic Sans MS" panose="030F0702030302020204" pitchFamily="66" charset="0"/>
-              </a:rPr>
-              <a:t>F(Q)</a:t>
-            </a:r>
-            <a:endParaRPr lang="en-US" sz="1400" dirty="0">
-              <a:effectLst/>
-              <a:latin typeface="Calibri" panose="020F0502020204030204" pitchFamily="34" charset="0"/>
-              <a:ea typeface="Calibri" panose="020F0502020204030204" pitchFamily="34" charset="0"/>
-            </a:endParaRPr>
-          </a:p>
-          <a:p>
-            <a:pPr marL="457200" marR="0" algn="l" rtl="0">
-              <a:lnSpc>
-                <a:spcPct val="107000"/>
-              </a:lnSpc>
-              <a:spcBef>
-                <a:spcPts val="0"/>
-              </a:spcBef>
-              <a:spcAft>
-                <a:spcPts val="0"/>
-              </a:spcAft>
-            </a:pPr>
-            <a:r>
-              <a:rPr lang="en-US" sz="1800" dirty="0">
-                <a:solidFill>
-                  <a:srgbClr val="000000"/>
-                </a:solidFill>
-                <a:effectLst/>
-                <a:latin typeface="Comic Sans MS" panose="030F0702030302020204" pitchFamily="66" charset="0"/>
-                <a:ea typeface="Comic Sans MS" panose="030F0702030302020204" pitchFamily="66" charset="0"/>
-                <a:cs typeface="Comic Sans MS" panose="030F0702030302020204" pitchFamily="66" charset="0"/>
-              </a:rPr>
-              <a:t>   Create(S)</a:t>
-            </a:r>
-            <a:endParaRPr lang="en-US" sz="1400" dirty="0">
-              <a:effectLst/>
-              <a:latin typeface="Calibri" panose="020F0502020204030204" pitchFamily="34" charset="0"/>
-              <a:ea typeface="Calibri" panose="020F0502020204030204" pitchFamily="34" charset="0"/>
-            </a:endParaRPr>
-          </a:p>
-          <a:p>
-            <a:pPr marL="457200" marR="0" algn="l" rtl="0">
-              <a:lnSpc>
-                <a:spcPct val="107000"/>
-              </a:lnSpc>
-              <a:spcBef>
-                <a:spcPts val="0"/>
-              </a:spcBef>
-              <a:spcAft>
-                <a:spcPts val="0"/>
-              </a:spcAft>
-            </a:pPr>
-            <a:r>
-              <a:rPr lang="en-US" sz="1800" dirty="0">
-                <a:solidFill>
-                  <a:srgbClr val="000000"/>
-                </a:solidFill>
-                <a:effectLst/>
-                <a:latin typeface="Comic Sans MS" panose="030F0702030302020204" pitchFamily="66" charset="0"/>
-                <a:ea typeface="Comic Sans MS" panose="030F0702030302020204" pitchFamily="66" charset="0"/>
-                <a:cs typeface="Comic Sans MS" panose="030F0702030302020204" pitchFamily="66" charset="0"/>
-              </a:rPr>
-              <a:t>	While not </a:t>
-            </a:r>
-            <a:r>
-              <a:rPr lang="en-US" sz="1800" dirty="0" err="1">
-                <a:solidFill>
-                  <a:srgbClr val="000000"/>
-                </a:solidFill>
-                <a:effectLst/>
-                <a:latin typeface="Comic Sans MS" panose="030F0702030302020204" pitchFamily="66" charset="0"/>
-                <a:ea typeface="Comic Sans MS" panose="030F0702030302020204" pitchFamily="66" charset="0"/>
-                <a:cs typeface="Comic Sans MS" panose="030F0702030302020204" pitchFamily="66" charset="0"/>
-              </a:rPr>
-              <a:t>Queue_Empty</a:t>
-            </a:r>
-            <a:r>
-              <a:rPr lang="en-US" sz="1800" dirty="0">
-                <a:solidFill>
-                  <a:srgbClr val="000000"/>
-                </a:solidFill>
-                <a:effectLst/>
-                <a:latin typeface="Comic Sans MS" panose="030F0702030302020204" pitchFamily="66" charset="0"/>
-                <a:ea typeface="Comic Sans MS" panose="030F0702030302020204" pitchFamily="66" charset="0"/>
-                <a:cs typeface="Comic Sans MS" panose="030F0702030302020204" pitchFamily="66" charset="0"/>
-              </a:rPr>
-              <a:t>(Q) do</a:t>
-            </a:r>
-            <a:endParaRPr lang="en-US" sz="1400" dirty="0">
-              <a:effectLst/>
-              <a:latin typeface="Calibri" panose="020F0502020204030204" pitchFamily="34" charset="0"/>
-              <a:ea typeface="Calibri" panose="020F0502020204030204" pitchFamily="34" charset="0"/>
-            </a:endParaRPr>
-          </a:p>
-          <a:p>
-            <a:pPr marL="457200" marR="0" algn="l" rtl="0">
-              <a:lnSpc>
-                <a:spcPct val="107000"/>
-              </a:lnSpc>
-              <a:spcBef>
-                <a:spcPts val="0"/>
-              </a:spcBef>
-              <a:spcAft>
-                <a:spcPts val="0"/>
-              </a:spcAft>
-            </a:pPr>
-            <a:r>
-              <a:rPr lang="en-US" sz="1800" dirty="0">
-                <a:solidFill>
-                  <a:srgbClr val="000000"/>
-                </a:solidFill>
-                <a:effectLst/>
-                <a:latin typeface="Comic Sans MS" panose="030F0702030302020204" pitchFamily="66" charset="0"/>
-                <a:ea typeface="Comic Sans MS" panose="030F0702030302020204" pitchFamily="66" charset="0"/>
-                <a:cs typeface="Comic Sans MS" panose="030F0702030302020204" pitchFamily="66" charset="0"/>
-              </a:rPr>
-              <a:t>		Push(S, Dequeue(Q))</a:t>
-            </a:r>
-            <a:endParaRPr lang="en-US" sz="1400" dirty="0">
-              <a:effectLst/>
-              <a:latin typeface="Calibri" panose="020F0502020204030204" pitchFamily="34" charset="0"/>
-              <a:ea typeface="Calibri" panose="020F0502020204030204" pitchFamily="34" charset="0"/>
-            </a:endParaRPr>
-          </a:p>
-          <a:p>
-            <a:pPr marL="457200" marR="0" algn="l" rtl="0">
-              <a:lnSpc>
-                <a:spcPct val="107000"/>
-              </a:lnSpc>
-              <a:spcBef>
-                <a:spcPts val="0"/>
-              </a:spcBef>
-              <a:spcAft>
-                <a:spcPts val="0"/>
-              </a:spcAft>
-            </a:pPr>
-            <a:r>
-              <a:rPr lang="en-US" sz="1800" dirty="0">
-                <a:solidFill>
-                  <a:srgbClr val="000000"/>
-                </a:solidFill>
-                <a:effectLst/>
-                <a:latin typeface="Comic Sans MS" panose="030F0702030302020204" pitchFamily="66" charset="0"/>
-                <a:ea typeface="Comic Sans MS" panose="030F0702030302020204" pitchFamily="66" charset="0"/>
-                <a:cs typeface="Comic Sans MS" panose="030F0702030302020204" pitchFamily="66" charset="0"/>
-              </a:rPr>
-              <a:t>	While not </a:t>
-            </a:r>
-            <a:r>
-              <a:rPr lang="en-US" sz="1800" dirty="0" err="1">
-                <a:solidFill>
-                  <a:srgbClr val="000000"/>
-                </a:solidFill>
-                <a:effectLst/>
-                <a:latin typeface="Comic Sans MS" panose="030F0702030302020204" pitchFamily="66" charset="0"/>
-                <a:ea typeface="Comic Sans MS" panose="030F0702030302020204" pitchFamily="66" charset="0"/>
-                <a:cs typeface="Comic Sans MS" panose="030F0702030302020204" pitchFamily="66" charset="0"/>
-              </a:rPr>
-              <a:t>Stack_Empty</a:t>
-            </a:r>
-            <a:r>
-              <a:rPr lang="en-US" sz="1800" dirty="0">
-                <a:solidFill>
-                  <a:srgbClr val="000000"/>
-                </a:solidFill>
-                <a:effectLst/>
-                <a:latin typeface="Comic Sans MS" panose="030F0702030302020204" pitchFamily="66" charset="0"/>
-                <a:ea typeface="Comic Sans MS" panose="030F0702030302020204" pitchFamily="66" charset="0"/>
-                <a:cs typeface="Comic Sans MS" panose="030F0702030302020204" pitchFamily="66" charset="0"/>
-              </a:rPr>
-              <a:t>(S) do</a:t>
-            </a:r>
-            <a:endParaRPr lang="en-US" sz="1400" dirty="0">
-              <a:effectLst/>
-              <a:latin typeface="Calibri" panose="020F0502020204030204" pitchFamily="34" charset="0"/>
-              <a:ea typeface="Calibri" panose="020F0502020204030204" pitchFamily="34" charset="0"/>
-            </a:endParaRPr>
-          </a:p>
-          <a:p>
-            <a:pPr marL="457200" marR="0" algn="l" rtl="0">
-              <a:lnSpc>
-                <a:spcPct val="107000"/>
-              </a:lnSpc>
-              <a:spcBef>
-                <a:spcPts val="0"/>
-              </a:spcBef>
-              <a:spcAft>
-                <a:spcPts val="0"/>
-              </a:spcAft>
-            </a:pPr>
-            <a:r>
-              <a:rPr lang="en-US" sz="1800" dirty="0">
-                <a:solidFill>
-                  <a:srgbClr val="000000"/>
-                </a:solidFill>
-                <a:effectLst/>
-                <a:latin typeface="Comic Sans MS" panose="030F0702030302020204" pitchFamily="66" charset="0"/>
-                <a:ea typeface="Comic Sans MS" panose="030F0702030302020204" pitchFamily="66" charset="0"/>
-                <a:cs typeface="Comic Sans MS" panose="030F0702030302020204" pitchFamily="66" charset="0"/>
-              </a:rPr>
-              <a:t>		Enqueue(</a:t>
-            </a:r>
-            <a:r>
-              <a:rPr lang="en-US" sz="1800" dirty="0" err="1">
-                <a:solidFill>
-                  <a:srgbClr val="000000"/>
-                </a:solidFill>
-                <a:effectLst/>
-                <a:latin typeface="Comic Sans MS" panose="030F0702030302020204" pitchFamily="66" charset="0"/>
-                <a:ea typeface="Comic Sans MS" panose="030F0702030302020204" pitchFamily="66" charset="0"/>
-                <a:cs typeface="Comic Sans MS" panose="030F0702030302020204" pitchFamily="66" charset="0"/>
-              </a:rPr>
-              <a:t>Q,Pop</a:t>
-            </a:r>
-            <a:r>
-              <a:rPr lang="en-US" sz="1800" dirty="0">
-                <a:solidFill>
-                  <a:srgbClr val="000000"/>
-                </a:solidFill>
-                <a:effectLst/>
-                <a:latin typeface="Comic Sans MS" panose="030F0702030302020204" pitchFamily="66" charset="0"/>
-                <a:ea typeface="Comic Sans MS" panose="030F0702030302020204" pitchFamily="66" charset="0"/>
-                <a:cs typeface="Comic Sans MS" panose="030F0702030302020204" pitchFamily="66" charset="0"/>
-              </a:rPr>
-              <a:t>(S))</a:t>
-            </a:r>
-            <a:endParaRPr lang="en-US" sz="1400" dirty="0">
-              <a:effectLst/>
-              <a:latin typeface="Calibri" panose="020F0502020204030204" pitchFamily="34" charset="0"/>
-              <a:ea typeface="Calibri" panose="020F0502020204030204" pitchFamily="34" charset="0"/>
-            </a:endParaRPr>
-          </a:p>
-        </p:txBody>
-      </p:sp>
-    </p:spTree>
-    <p:extLst>
-      <p:ext uri="{BB962C8B-B14F-4D97-AF65-F5344CB8AC3E}">
-        <p14:creationId xmlns:p14="http://schemas.microsoft.com/office/powerpoint/2010/main" val="1084134145"/>
-      </p:ext>
-    </p:extLst>
-  </p:cSld>
-  <p:clrMapOvr>
-    <a:masterClrMapping/>
-  </p:clrMapOvr>
-</p:sld>
-</file>
-
 <file path=ppt/slides/slide12.xml><?xml version="1.0" encoding="utf-8"?>
 <p:sld xmlns:a="http://schemas.openxmlformats.org/drawingml/2006/main" xmlns:r="http://schemas.openxmlformats.org/officeDocument/2006/relationships" xmlns:p="http://schemas.openxmlformats.org/presentationml/2006/main">
   <p:cSld>
@@ -6352,63 +6584,58 @@
             </a:lvl9pPr>
           </a:lstStyle>
           <a:p>
-            <a:pPr marL="0" marR="0" lvl="0" indent="0" algn="r" defTabSz="914400" rtl="1" eaLnBrk="1" fontAlgn="base" latinLnBrk="0" hangingPunct="1">
-              <a:lnSpc>
-                <a:spcPct val="100000"/>
-              </a:lnSpc>
-              <a:spcBef>
-                <a:spcPct val="0"/>
-              </a:spcBef>
-              <a:spcAft>
-                <a:spcPct val="0"/>
-              </a:spcAft>
-              <a:buClrTx/>
-              <a:buSzTx/>
-              <a:buFontTx/>
-              <a:buNone/>
-              <a:tabLst/>
+            <a:pPr algn="r" eaLnBrk="1" hangingPunct="1">
               <a:defRPr/>
             </a:pPr>
             <a:r>
-              <a:rPr kumimoji="0" lang="he-IL" altLang="he-IL" sz="4200" b="0" i="0" u="none" strike="noStrike" kern="0" cap="none" spc="0" normalizeH="0" baseline="0" noProof="0" dirty="0">
-                <a:ln>
-                  <a:noFill/>
-                </a:ln>
+              <a:rPr lang="he-IL" altLang="he-IL" b="1" kern="0" dirty="0">
                 <a:solidFill>
                   <a:srgbClr val="006633"/>
                 </a:solidFill>
-                <a:effectLst/>
-                <a:uLnTx/>
-                <a:uFillTx/>
                 <a:latin typeface="Garamond"/>
-                <a:ea typeface="+mj-ea"/>
                 <a:cs typeface="Arial"/>
               </a:rPr>
-              <a:t>תרגיל 5</a:t>
-            </a:r>
-            <a:endParaRPr kumimoji="0" lang="en-US" altLang="he-IL" sz="4200" b="0" i="0" u="none" strike="noStrike" kern="0" cap="none" spc="0" normalizeH="0" baseline="0" noProof="0" dirty="0">
-              <a:ln>
-                <a:noFill/>
-              </a:ln>
-              <a:solidFill>
-                <a:srgbClr val="006633"/>
-              </a:solidFill>
-              <a:effectLst/>
-              <a:uLnTx/>
-              <a:uFillTx/>
-              <a:latin typeface="Garamond"/>
-              <a:ea typeface="+mj-ea"/>
-              <a:cs typeface="Arial"/>
-            </a:endParaRPr>
+              <a:t>תרגיל</a:t>
+            </a:r>
+            <a:r>
+              <a:rPr lang="en-US" altLang="he-IL" b="1" kern="0" dirty="0">
+                <a:solidFill>
+                  <a:srgbClr val="006633"/>
+                </a:solidFill>
+                <a:latin typeface="Garamond"/>
+                <a:cs typeface="Arial"/>
+              </a:rPr>
+              <a:t> </a:t>
+            </a:r>
+            <a:r>
+              <a:rPr lang="he-IL" altLang="he-IL" b="1" kern="0" dirty="0">
+                <a:solidFill>
+                  <a:srgbClr val="006633"/>
+                </a:solidFill>
+                <a:latin typeface="Garamond"/>
+                <a:cs typeface="Arial"/>
+              </a:rPr>
+              <a:t> </a:t>
+            </a:r>
+            <a:r>
+              <a:rPr lang="en-US" altLang="he-IL" b="1" kern="0" dirty="0">
+                <a:solidFill>
+                  <a:srgbClr val="006633"/>
+                </a:solidFill>
+                <a:latin typeface="Garamond"/>
+                <a:cs typeface="Arial"/>
+              </a:rPr>
+              <a:t>4</a:t>
+            </a:r>
           </a:p>
         </p:txBody>
       </p:sp>
       <p:sp>
         <p:nvSpPr>
-          <p:cNvPr id="3" name="TextBox 2">
+          <p:cNvPr id="4" name="TextBox 3">
             <a:extLst>
               <a:ext uri="{FF2B5EF4-FFF2-40B4-BE49-F238E27FC236}">
-                <a16:creationId xmlns:a16="http://schemas.microsoft.com/office/drawing/2014/main" id="{42D86D05-9587-172B-1470-FCF43FA40D28}"/>
+                <a16:creationId xmlns:a16="http://schemas.microsoft.com/office/drawing/2014/main" id="{A9370DD1-D876-C662-EC1F-4ED7C5501C0E}"/>
               </a:ext>
             </a:extLst>
           </p:cNvPr>
@@ -6417,8 +6644,8 @@
         </p:nvSpPr>
         <p:spPr>
           <a:xfrm>
-            <a:off x="5352923" y="1242333"/>
-            <a:ext cx="6097384" cy="3930115"/>
+            <a:off x="5500948" y="1151649"/>
+            <a:ext cx="6097384" cy="968278"/>
           </a:xfrm>
           <a:prstGeom prst="rect">
             <a:avLst/>
@@ -6443,46 +6670,49 @@
               </a:spcAft>
             </a:pPr>
             <a:r>
-              <a:rPr lang="he-IL" dirty="0">
+              <a:rPr lang="he-IL" sz="1800" dirty="0">
                 <a:solidFill>
                   <a:srgbClr val="000000"/>
                 </a:solidFill>
                 <a:effectLst/>
-                <a:latin typeface="+mj-lt"/>
-                <a:ea typeface="Calibri" panose="020F0502020204030204" pitchFamily="34" charset="0"/>
-              </a:rPr>
-              <a:t>כתוב </a:t>
-            </a:r>
-            <a:r>
-              <a:rPr lang="he-IL" dirty="0" err="1">
+                <a:latin typeface="Calibri" panose="020F0502020204030204" pitchFamily="34" charset="0"/>
+                <a:ea typeface="Calibri" panose="020F0502020204030204" pitchFamily="34" charset="0"/>
+              </a:rPr>
+              <a:t>מה מבצעה </a:t>
+            </a:r>
+            <a:r>
+              <a:rPr lang="he-IL" sz="1800" dirty="0" err="1">
                 <a:solidFill>
                   <a:srgbClr val="000000"/>
                 </a:solidFill>
                 <a:effectLst/>
-                <a:latin typeface="+mj-lt"/>
+                <a:latin typeface="Calibri" panose="020F0502020204030204" pitchFamily="34" charset="0"/>
                 <a:ea typeface="Calibri" panose="020F0502020204030204" pitchFamily="34" charset="0"/>
               </a:rPr>
               <a:t>פסאודו</a:t>
             </a:r>
             <a:r>
-              <a:rPr lang="he-IL" dirty="0">
+              <a:rPr lang="he-IL" sz="1800" dirty="0">
                 <a:solidFill>
                   <a:srgbClr val="000000"/>
                 </a:solidFill>
                 <a:effectLst/>
-                <a:latin typeface="+mj-lt"/>
-                <a:ea typeface="Calibri" panose="020F0502020204030204" pitchFamily="34" charset="0"/>
-              </a:rPr>
-              <a:t>-קוד למימוש  תור על ידי שתי מחסניות.</a:t>
-            </a:r>
-            <a:endParaRPr lang="en-US" dirty="0">
+                <a:latin typeface="Calibri" panose="020F0502020204030204" pitchFamily="34" charset="0"/>
+                <a:ea typeface="Calibri" panose="020F0502020204030204" pitchFamily="34" charset="0"/>
+              </a:rPr>
+              <a:t>-קוד הבא? </a:t>
+            </a:r>
+            <a:endParaRPr lang="en-US" sz="1800" dirty="0">
+              <a:solidFill>
+                <a:srgbClr val="000000"/>
+              </a:solidFill>
               <a:effectLst/>
-              <a:latin typeface="+mj-lt"/>
+              <a:latin typeface="Calibri" panose="020F0502020204030204" pitchFamily="34" charset="0"/>
               <a:ea typeface="Calibri" panose="020F0502020204030204" pitchFamily="34" charset="0"/>
             </a:endParaRPr>
           </a:p>
           <a:p>
-            <a:pPr marL="457200" marR="0" algn="r" rtl="1">
+            <a:pPr marL="0" marR="0" algn="r" rtl="1">
               <a:lnSpc>
                 <a:spcPct val="107000"/>
               </a:lnSpc>
@@ -6494,24 +6724,24 @@
               </a:spcAft>
             </a:pPr>
             <a:r>
-              <a:rPr lang="en-US" b="1" u="none" strike="noStrike" dirty="0">
+              <a:rPr lang="he-IL" sz="1800" dirty="0">
                 <a:solidFill>
                   <a:srgbClr val="000000"/>
                 </a:solidFill>
                 <a:effectLst/>
-                <a:latin typeface="+mj-lt"/>
-                <a:ea typeface="Calibri" panose="020F0502020204030204" pitchFamily="34" charset="0"/>
-              </a:rPr>
-              <a:t> </a:t>
-            </a:r>
-            <a:endParaRPr lang="en-US" dirty="0">
+                <a:latin typeface="Calibri" panose="020F0502020204030204" pitchFamily="34" charset="0"/>
+                <a:ea typeface="Calibri" panose="020F0502020204030204" pitchFamily="34" charset="0"/>
+              </a:rPr>
+              <a:t>מה סיבוכיות של האלגוריתם?</a:t>
+            </a:r>
+            <a:endParaRPr lang="en-US" sz="1400" dirty="0">
               <a:effectLst/>
-              <a:latin typeface="+mj-lt"/>
+              <a:latin typeface="Calibri" panose="020F0502020204030204" pitchFamily="34" charset="0"/>
               <a:ea typeface="Calibri" panose="020F0502020204030204" pitchFamily="34" charset="0"/>
             </a:endParaRPr>
           </a:p>
           <a:p>
-            <a:pPr marL="0" marR="0" algn="just" rtl="1">
+            <a:pPr marL="457200" marR="0">
               <a:lnSpc>
                 <a:spcPct val="107000"/>
               </a:lnSpc>
@@ -6523,24 +6753,53 @@
               </a:spcAft>
             </a:pPr>
             <a:r>
-              <a:rPr lang="he-IL" u="sng" dirty="0">
+              <a:rPr lang="en-US" sz="1800" dirty="0">
                 <a:solidFill>
                   <a:srgbClr val="000000"/>
                 </a:solidFill>
                 <a:effectLst/>
-                <a:latin typeface="+mj-lt"/>
-                <a:ea typeface="Calibri" panose="020F0502020204030204" pitchFamily="34" charset="0"/>
-              </a:rPr>
-              <a:t>אלגוריתם של פתרון:</a:t>
-            </a:r>
-            <a:endParaRPr lang="en-US" dirty="0">
+                <a:latin typeface="Calibri" panose="020F0502020204030204" pitchFamily="34" charset="0"/>
+                <a:ea typeface="Calibri" panose="020F0502020204030204" pitchFamily="34" charset="0"/>
+              </a:rPr>
+              <a:t> </a:t>
+            </a:r>
+            <a:endParaRPr lang="en-US" sz="1400" dirty="0">
               <a:effectLst/>
-              <a:latin typeface="+mj-lt"/>
+              <a:latin typeface="Calibri" panose="020F0502020204030204" pitchFamily="34" charset="0"/>
               <a:ea typeface="Calibri" panose="020F0502020204030204" pitchFamily="34" charset="0"/>
             </a:endParaRPr>
           </a:p>
-          <a:p>
-            <a:pPr marL="0" marR="0" algn="just" rtl="1">
+        </p:txBody>
+      </p:sp>
+      <p:sp>
+        <p:nvSpPr>
+          <p:cNvPr id="9" name="TextBox 8">
+            <a:extLst>
+              <a:ext uri="{FF2B5EF4-FFF2-40B4-BE49-F238E27FC236}">
+                <a16:creationId xmlns:a16="http://schemas.microsoft.com/office/drawing/2014/main" id="{CD59352E-ED4A-C47E-5A68-183CA769477B}"/>
+              </a:ext>
+            </a:extLst>
+          </p:cNvPr>
+          <p:cNvSpPr txBox="1"/>
+          <p:nvPr/>
+        </p:nvSpPr>
+        <p:spPr>
+          <a:xfrm>
+            <a:off x="3619718" y="1772576"/>
+            <a:ext cx="6097384" cy="2087238"/>
+          </a:xfrm>
+          <a:prstGeom prst="rect">
+            <a:avLst/>
+          </a:prstGeom>
+          <a:noFill/>
+        </p:spPr>
+        <p:txBody>
+          <a:bodyPr wrap="square">
+            <a:spAutoFit/>
+          </a:bodyPr>
+          <a:lstStyle/>
+          <a:p>
+            <a:pPr marL="457200" marR="0" algn="l" rtl="0">
               <a:lnSpc>
                 <a:spcPct val="107000"/>
               </a:lnSpc>
@@ -6551,80 +6810,14 @@
                 <a:spcPts val="0"/>
               </a:spcAft>
             </a:pPr>
-            <a:r>
-              <a:rPr lang="he-IL" dirty="0">
-                <a:solidFill>
-                  <a:srgbClr val="000000"/>
-                </a:solidFill>
-                <a:effectLst/>
-                <a:latin typeface="+mj-lt"/>
-                <a:ea typeface="Calibri" panose="020F0502020204030204" pitchFamily="34" charset="0"/>
-              </a:rPr>
-              <a:t>מטרה של שאלה - לכתוב מחדש פונקציות </a:t>
-            </a:r>
-            <a:r>
-              <a:rPr lang="en-US" b="1" dirty="0" err="1">
-                <a:solidFill>
-                  <a:srgbClr val="000000"/>
-                </a:solidFill>
-                <a:effectLst/>
-                <a:latin typeface="+mj-lt"/>
-                <a:ea typeface="Calibri" panose="020F0502020204030204" pitchFamily="34" charset="0"/>
-              </a:rPr>
-              <a:t>Queue_Empty</a:t>
-            </a:r>
-            <a:r>
-              <a:rPr lang="en-US" b="1" dirty="0">
-                <a:solidFill>
-                  <a:srgbClr val="000000"/>
-                </a:solidFill>
-                <a:effectLst/>
-                <a:latin typeface="+mj-lt"/>
-                <a:ea typeface="Calibri" panose="020F0502020204030204" pitchFamily="34" charset="0"/>
-              </a:rPr>
-              <a:t>, Enqueue</a:t>
-            </a:r>
-            <a:r>
-              <a:rPr lang="he-IL" dirty="0">
-                <a:solidFill>
-                  <a:srgbClr val="000000"/>
-                </a:solidFill>
-                <a:effectLst/>
-                <a:latin typeface="+mj-lt"/>
-                <a:ea typeface="Calibri" panose="020F0502020204030204" pitchFamily="34" charset="0"/>
-              </a:rPr>
-              <a:t> ו-</a:t>
-            </a:r>
-            <a:r>
-              <a:rPr lang="en-US" b="1" dirty="0">
-                <a:solidFill>
-                  <a:srgbClr val="000000"/>
-                </a:solidFill>
-                <a:effectLst/>
-                <a:latin typeface="+mj-lt"/>
-                <a:ea typeface="Calibri" panose="020F0502020204030204" pitchFamily="34" charset="0"/>
-              </a:rPr>
-              <a:t>Dequeue</a:t>
-            </a:r>
-            <a:r>
-              <a:rPr lang="he-IL" dirty="0">
-                <a:solidFill>
-                  <a:srgbClr val="000000"/>
-                </a:solidFill>
-                <a:effectLst/>
-                <a:latin typeface="+mj-lt"/>
-                <a:ea typeface="Calibri" panose="020F0502020204030204" pitchFamily="34" charset="0"/>
-              </a:rPr>
-              <a:t>. באמצעות פונקציות של המחסנית.</a:t>
-            </a:r>
-            <a:endParaRPr lang="en-US" dirty="0">
+            <a:endParaRPr lang="en-US" sz="1400" dirty="0">
               <a:effectLst/>
-              <a:latin typeface="+mj-lt"/>
+              <a:latin typeface="Calibri" panose="020F0502020204030204" pitchFamily="34" charset="0"/>
               <a:ea typeface="Calibri" panose="020F0502020204030204" pitchFamily="34" charset="0"/>
             </a:endParaRPr>
           </a:p>
           <a:p>
-            <a:pPr marL="0" marR="0" algn="just" rtl="1">
+            <a:pPr marL="457200" marR="0" algn="l" rtl="0">
               <a:lnSpc>
                 <a:spcPct val="107000"/>
               </a:lnSpc>
@@ -6636,24 +6829,25 @@
               </a:spcAft>
             </a:pPr>
             <a:r>
-              <a:rPr lang="en-US" dirty="0">
+              <a:rPr lang="en-US" sz="1800" dirty="0">
                 <a:solidFill>
                   <a:srgbClr val="000000"/>
                 </a:solidFill>
                 <a:effectLst/>
-                <a:latin typeface="+mj-lt"/>
-                <a:ea typeface="Calibri" panose="020F0502020204030204" pitchFamily="34" charset="0"/>
-              </a:rPr>
-              <a:t> </a:t>
-            </a:r>
-            <a:endParaRPr lang="en-US" dirty="0">
+                <a:latin typeface="Comic Sans MS" panose="030F0702030302020204" pitchFamily="66" charset="0"/>
+                <a:ea typeface="Comic Sans MS" panose="030F0702030302020204" pitchFamily="66" charset="0"/>
+                <a:cs typeface="Comic Sans MS" panose="030F0702030302020204" pitchFamily="66" charset="0"/>
+              </a:rPr>
+              <a:t>F(Q)</a:t>
+            </a:r>
+            <a:endParaRPr lang="en-US" sz="1400" dirty="0">
               <a:effectLst/>
-              <a:latin typeface="+mj-lt"/>
+              <a:latin typeface="Calibri" panose="020F0502020204030204" pitchFamily="34" charset="0"/>
               <a:ea typeface="Calibri" panose="020F0502020204030204" pitchFamily="34" charset="0"/>
             </a:endParaRPr>
           </a:p>
           <a:p>
-            <a:pPr marL="0" marR="0" algn="just" rtl="1">
+            <a:pPr marL="457200" marR="0" algn="l" rtl="0">
               <a:lnSpc>
                 <a:spcPct val="107000"/>
               </a:lnSpc>
@@ -6665,65 +6859,25 @@
               </a:spcAft>
             </a:pPr>
             <a:r>
-              <a:rPr lang="he-IL" dirty="0">
+              <a:rPr lang="en-US" sz="1800" dirty="0">
                 <a:solidFill>
                   <a:srgbClr val="000000"/>
                 </a:solidFill>
-                <a:latin typeface="+mj-lt"/>
-                <a:ea typeface="Calibri" panose="020F0502020204030204" pitchFamily="34" charset="0"/>
-              </a:rPr>
-              <a:t>נחזיק שתי מחסניות. נקרא להן </a:t>
-            </a:r>
-            <a:r>
-              <a:rPr lang="en-US" dirty="0">
-                <a:solidFill>
-                  <a:srgbClr val="000000"/>
-                </a:solidFill>
-                <a:latin typeface="+mj-lt"/>
-                <a:ea typeface="Calibri" panose="020F0502020204030204" pitchFamily="34" charset="0"/>
-              </a:rPr>
-              <a:t>inbox</a:t>
-            </a:r>
-            <a:r>
-              <a:rPr lang="he-IL" dirty="0">
-                <a:solidFill>
-                  <a:srgbClr val="000000"/>
-                </a:solidFill>
-                <a:latin typeface="+mj-lt"/>
-                <a:ea typeface="Calibri" panose="020F0502020204030204" pitchFamily="34" charset="0"/>
-              </a:rPr>
-              <a:t> ו-</a:t>
-            </a:r>
-            <a:r>
-              <a:rPr lang="en-US" dirty="0">
-                <a:solidFill>
-                  <a:srgbClr val="000000"/>
-                </a:solidFill>
-                <a:latin typeface="+mj-lt"/>
-                <a:ea typeface="Calibri" panose="020F0502020204030204" pitchFamily="34" charset="0"/>
-              </a:rPr>
-              <a:t>outbox</a:t>
-            </a:r>
-            <a:r>
-              <a:rPr lang="he-IL" dirty="0">
-                <a:solidFill>
-                  <a:srgbClr val="000000"/>
-                </a:solidFill>
-                <a:latin typeface="+mj-lt"/>
-                <a:ea typeface="Calibri" panose="020F0502020204030204" pitchFamily="34" charset="0"/>
-              </a:rPr>
-              <a:t>.</a:t>
-            </a:r>
-            <a:endParaRPr lang="en-US" dirty="0">
-              <a:solidFill>
-                <a:srgbClr val="000000"/>
-              </a:solidFill>
-              <a:latin typeface="+mj-lt"/>
+                <a:effectLst/>
+                <a:latin typeface="Comic Sans MS" panose="030F0702030302020204" pitchFamily="66" charset="0"/>
+                <a:ea typeface="Comic Sans MS" panose="030F0702030302020204" pitchFamily="66" charset="0"/>
+                <a:cs typeface="Comic Sans MS" panose="030F0702030302020204" pitchFamily="66" charset="0"/>
+              </a:rPr>
+              <a:t>   Create(S)</a:t>
+            </a:r>
+            <a:endParaRPr lang="en-US" sz="1400" dirty="0">
+              <a:effectLst/>
+              <a:latin typeface="Calibri" panose="020F0502020204030204" pitchFamily="34" charset="0"/>
               <a:ea typeface="Calibri" panose="020F0502020204030204" pitchFamily="34" charset="0"/>
             </a:endParaRPr>
           </a:p>
           <a:p>
-            <a:pPr marL="342900" marR="0" lvl="0" indent="-342900" algn="just" rtl="1">
+            <a:pPr marL="457200" marR="0" algn="l" rtl="0">
               <a:lnSpc>
                 <a:spcPct val="107000"/>
               </a:lnSpc>
@@ -6733,49 +6887,51 @@
               <a:spcAft>
                 <a:spcPts val="0"/>
               </a:spcAft>
-              <a:buFont typeface="Arial" panose="020B0604020202020204" pitchFamily="34" charset="0"/>
-              <a:buChar char="●"/>
             </a:pPr>
             <a:r>
-              <a:rPr lang="he-IL" dirty="0">
+              <a:rPr lang="en-US" sz="1800" dirty="0">
                 <a:solidFill>
                   <a:srgbClr val="000000"/>
                 </a:solidFill>
-                <a:latin typeface="+mj-lt"/>
-                <a:ea typeface="Calibri" panose="020F0502020204030204" pitchFamily="34" charset="0"/>
-              </a:rPr>
-              <a:t>כאשר נדחוף לתור – נדחוף תמיד ל-</a:t>
-            </a:r>
-            <a:r>
-              <a:rPr lang="en-US" dirty="0">
+                <a:effectLst/>
+                <a:latin typeface="Comic Sans MS" panose="030F0702030302020204" pitchFamily="66" charset="0"/>
+                <a:ea typeface="Comic Sans MS" panose="030F0702030302020204" pitchFamily="66" charset="0"/>
+                <a:cs typeface="Comic Sans MS" panose="030F0702030302020204" pitchFamily="66" charset="0"/>
+              </a:rPr>
+              <a:t>	While not </a:t>
+            </a:r>
+            <a:r>
+              <a:rPr lang="en-US" sz="1800" dirty="0" err="1">
                 <a:solidFill>
                   <a:srgbClr val="000000"/>
                 </a:solidFill>
-                <a:latin typeface="+mj-lt"/>
-                <a:ea typeface="Calibri" panose="020F0502020204030204" pitchFamily="34" charset="0"/>
-              </a:rPr>
-              <a:t>inbox</a:t>
-            </a:r>
-            <a:r>
-              <a:rPr lang="he-IL" dirty="0">
+                <a:effectLst/>
+                <a:latin typeface="Comic Sans MS" panose="030F0702030302020204" pitchFamily="66" charset="0"/>
+                <a:ea typeface="Comic Sans MS" panose="030F0702030302020204" pitchFamily="66" charset="0"/>
+                <a:cs typeface="Comic Sans MS" panose="030F0702030302020204" pitchFamily="66" charset="0"/>
+              </a:rPr>
+              <a:t>Queue_Empty</a:t>
+            </a:r>
+            <a:r>
+              <a:rPr lang="en-US" sz="1800" dirty="0">
                 <a:solidFill>
                   <a:srgbClr val="000000"/>
                 </a:solidFill>
-                <a:latin typeface="+mj-lt"/>
-                <a:ea typeface="Calibri" panose="020F0502020204030204" pitchFamily="34" charset="0"/>
-              </a:rPr>
-              <a:t>.</a:t>
-            </a:r>
-            <a:endParaRPr lang="en-US" dirty="0">
-              <a:solidFill>
-                <a:srgbClr val="000000"/>
-              </a:solidFill>
-              <a:latin typeface="+mj-lt"/>
+                <a:effectLst/>
+                <a:latin typeface="Comic Sans MS" panose="030F0702030302020204" pitchFamily="66" charset="0"/>
+                <a:ea typeface="Comic Sans MS" panose="030F0702030302020204" pitchFamily="66" charset="0"/>
+                <a:cs typeface="Comic Sans MS" panose="030F0702030302020204" pitchFamily="66" charset="0"/>
+              </a:rPr>
+              <a:t>(Q) do</a:t>
+            </a:r>
+            <a:endParaRPr lang="en-US" sz="1400" dirty="0">
+              <a:effectLst/>
+              <a:latin typeface="Calibri" panose="020F0502020204030204" pitchFamily="34" charset="0"/>
               <a:ea typeface="Calibri" panose="020F0502020204030204" pitchFamily="34" charset="0"/>
             </a:endParaRPr>
           </a:p>
           <a:p>
-            <a:pPr marL="342900" marR="0" lvl="0" indent="-342900" algn="just" rtl="1">
+            <a:pPr marL="457200" marR="0" algn="l" rtl="0">
               <a:lnSpc>
                 <a:spcPct val="107000"/>
               </a:lnSpc>
@@ -6785,29 +6941,27 @@
               <a:spcAft>
                 <a:spcPts val="0"/>
               </a:spcAft>
-              <a:buFont typeface="Arial" panose="020B0604020202020204" pitchFamily="34" charset="0"/>
-              <a:buChar char="●"/>
             </a:pPr>
             <a:r>
-              <a:rPr lang="he-IL" dirty="0">
+              <a:rPr lang="en-US" sz="1800" dirty="0">
                 <a:solidFill>
                   <a:srgbClr val="000000"/>
                 </a:solidFill>
-                <a:latin typeface="+mj-lt"/>
-                <a:ea typeface="Calibri" panose="020F0502020204030204" pitchFamily="34" charset="0"/>
-              </a:rPr>
-              <a:t>כאשר נשלף מהתור, נבצע את הפעולה הבאה:</a:t>
-            </a:r>
-            <a:endParaRPr lang="en-US" dirty="0">
-              <a:solidFill>
-                <a:srgbClr val="000000"/>
-              </a:solidFill>
-              <a:latin typeface="+mj-lt"/>
+                <a:effectLst/>
+                <a:latin typeface="Comic Sans MS" panose="030F0702030302020204" pitchFamily="66" charset="0"/>
+                <a:ea typeface="Comic Sans MS" panose="030F0702030302020204" pitchFamily="66" charset="0"/>
+                <a:cs typeface="Comic Sans MS" panose="030F0702030302020204" pitchFamily="66" charset="0"/>
+              </a:rPr>
+              <a:t>		Push(S, Dequeue(Q))</a:t>
+            </a:r>
+            <a:endParaRPr lang="en-US" sz="1400" dirty="0">
+              <a:effectLst/>
+              <a:latin typeface="Calibri" panose="020F0502020204030204" pitchFamily="34" charset="0"/>
               <a:ea typeface="Calibri" panose="020F0502020204030204" pitchFamily="34" charset="0"/>
             </a:endParaRPr>
           </a:p>
           <a:p>
-            <a:pPr marL="742950" marR="0" lvl="1" indent="-285750" algn="just" rtl="1">
+            <a:pPr marL="457200" marR="0" algn="l" rtl="0">
               <a:lnSpc>
                 <a:spcPct val="107000"/>
               </a:lnSpc>
@@ -6817,49 +6971,51 @@
               <a:spcAft>
                 <a:spcPts val="0"/>
               </a:spcAft>
-              <a:buFont typeface="Courier New" panose="02070309020205020404" pitchFamily="49" charset="0"/>
-              <a:buChar char="o"/>
             </a:pPr>
             <a:r>
-              <a:rPr lang="he-IL" dirty="0">
+              <a:rPr lang="en-US" sz="1800" dirty="0">
                 <a:solidFill>
                   <a:srgbClr val="000000"/>
                 </a:solidFill>
-                <a:latin typeface="+mj-lt"/>
-                <a:ea typeface="Calibri" panose="020F0502020204030204" pitchFamily="34" charset="0"/>
-              </a:rPr>
-              <a:t>אם יש ב-</a:t>
-            </a:r>
-            <a:r>
-              <a:rPr lang="en-US" dirty="0">
+                <a:effectLst/>
+                <a:latin typeface="Comic Sans MS" panose="030F0702030302020204" pitchFamily="66" charset="0"/>
+                <a:ea typeface="Comic Sans MS" panose="030F0702030302020204" pitchFamily="66" charset="0"/>
+                <a:cs typeface="Comic Sans MS" panose="030F0702030302020204" pitchFamily="66" charset="0"/>
+              </a:rPr>
+              <a:t>	While not </a:t>
+            </a:r>
+            <a:r>
+              <a:rPr lang="en-US" sz="1800" dirty="0" err="1">
                 <a:solidFill>
                   <a:srgbClr val="000000"/>
                 </a:solidFill>
-                <a:latin typeface="+mj-lt"/>
-                <a:ea typeface="Calibri" panose="020F0502020204030204" pitchFamily="34" charset="0"/>
-              </a:rPr>
-              <a:t>outbox</a:t>
-            </a:r>
-            <a:r>
-              <a:rPr lang="he-IL" dirty="0">
+                <a:effectLst/>
+                <a:latin typeface="Comic Sans MS" panose="030F0702030302020204" pitchFamily="66" charset="0"/>
+                <a:ea typeface="Comic Sans MS" panose="030F0702030302020204" pitchFamily="66" charset="0"/>
+                <a:cs typeface="Comic Sans MS" panose="030F0702030302020204" pitchFamily="66" charset="0"/>
+              </a:rPr>
+              <a:t>Stack_Empty</a:t>
+            </a:r>
+            <a:r>
+              <a:rPr lang="en-US" sz="1800" dirty="0">
                 <a:solidFill>
                   <a:srgbClr val="000000"/>
                 </a:solidFill>
-                <a:latin typeface="+mj-lt"/>
-                <a:ea typeface="Calibri" panose="020F0502020204030204" pitchFamily="34" charset="0"/>
-              </a:rPr>
-              <a:t> איבר – נשלוף אותו.</a:t>
-            </a:r>
-            <a:endParaRPr lang="en-US" dirty="0">
-              <a:solidFill>
-                <a:srgbClr val="000000"/>
-              </a:solidFill>
-              <a:latin typeface="+mj-lt"/>
+                <a:effectLst/>
+                <a:latin typeface="Comic Sans MS" panose="030F0702030302020204" pitchFamily="66" charset="0"/>
+                <a:ea typeface="Comic Sans MS" panose="030F0702030302020204" pitchFamily="66" charset="0"/>
+                <a:cs typeface="Comic Sans MS" panose="030F0702030302020204" pitchFamily="66" charset="0"/>
+              </a:rPr>
+              <a:t>(S) do</a:t>
+            </a:r>
+            <a:endParaRPr lang="en-US" sz="1400" dirty="0">
+              <a:effectLst/>
+              <a:latin typeface="Calibri" panose="020F0502020204030204" pitchFamily="34" charset="0"/>
               <a:ea typeface="Calibri" panose="020F0502020204030204" pitchFamily="34" charset="0"/>
             </a:endParaRPr>
           </a:p>
           <a:p>
-            <a:pPr marL="742950" marR="0" lvl="1" indent="-285750" algn="just" rtl="1">
+            <a:pPr marL="457200" marR="0" algn="l" rtl="0">
               <a:lnSpc>
                 <a:spcPct val="107000"/>
               </a:lnSpc>
@@ -6869,151 +7025,46 @@
               <a:spcAft>
                 <a:spcPts val="0"/>
               </a:spcAft>
-              <a:buFont typeface="Courier New" panose="02070309020205020404" pitchFamily="49" charset="0"/>
-              <a:buChar char="o"/>
             </a:pPr>
             <a:r>
-              <a:rPr lang="he-IL" dirty="0">
+              <a:rPr lang="en-US" sz="1800" dirty="0">
                 <a:solidFill>
                   <a:srgbClr val="000000"/>
                 </a:solidFill>
-                <a:latin typeface="+mj-lt"/>
-                <a:ea typeface="Calibri" panose="020F0502020204030204" pitchFamily="34" charset="0"/>
-              </a:rPr>
-              <a:t>אם </a:t>
-            </a:r>
-            <a:r>
-              <a:rPr lang="en-US" dirty="0">
+                <a:effectLst/>
+                <a:latin typeface="Comic Sans MS" panose="030F0702030302020204" pitchFamily="66" charset="0"/>
+                <a:ea typeface="Comic Sans MS" panose="030F0702030302020204" pitchFamily="66" charset="0"/>
+                <a:cs typeface="Comic Sans MS" panose="030F0702030302020204" pitchFamily="66" charset="0"/>
+              </a:rPr>
+              <a:t>		Enqueue(</a:t>
+            </a:r>
+            <a:r>
+              <a:rPr lang="en-US" sz="1800" dirty="0" err="1">
                 <a:solidFill>
                   <a:srgbClr val="000000"/>
                 </a:solidFill>
-                <a:latin typeface="+mj-lt"/>
-                <a:ea typeface="Calibri" panose="020F0502020204030204" pitchFamily="34" charset="0"/>
-              </a:rPr>
-              <a:t>outbox</a:t>
-            </a:r>
-            <a:r>
-              <a:rPr lang="he-IL" dirty="0">
+                <a:effectLst/>
+                <a:latin typeface="Comic Sans MS" panose="030F0702030302020204" pitchFamily="66" charset="0"/>
+                <a:ea typeface="Comic Sans MS" panose="030F0702030302020204" pitchFamily="66" charset="0"/>
+                <a:cs typeface="Comic Sans MS" panose="030F0702030302020204" pitchFamily="66" charset="0"/>
+              </a:rPr>
+              <a:t>Q,Pop</a:t>
+            </a:r>
+            <a:r>
+              <a:rPr lang="en-US" sz="1800" dirty="0">
                 <a:solidFill>
                   <a:srgbClr val="000000"/>
                 </a:solidFill>
-                <a:latin typeface="+mj-lt"/>
-                <a:ea typeface="Calibri" panose="020F0502020204030204" pitchFamily="34" charset="0"/>
-              </a:rPr>
-              <a:t>  ריקה:</a:t>
-            </a:r>
-            <a:endParaRPr lang="en-US" dirty="0">
-              <a:solidFill>
-                <a:srgbClr val="000000"/>
-              </a:solidFill>
-              <a:latin typeface="+mj-lt"/>
-              <a:ea typeface="Calibri" panose="020F0502020204030204" pitchFamily="34" charset="0"/>
-            </a:endParaRPr>
-          </a:p>
-          <a:p>
-            <a:pPr marL="1143000" marR="0" lvl="2" indent="-228600" algn="just" rtl="1">
-              <a:lnSpc>
-                <a:spcPct val="107000"/>
-              </a:lnSpc>
-              <a:spcBef>
-                <a:spcPts val="0"/>
-              </a:spcBef>
-              <a:spcAft>
-                <a:spcPts val="0"/>
-              </a:spcAft>
-              <a:buFont typeface="Arial" panose="020B0604020202020204" pitchFamily="34" charset="0"/>
-              <a:buChar char="▪"/>
-            </a:pPr>
-            <a:r>
-              <a:rPr lang="he-IL" dirty="0">
-                <a:solidFill>
-                  <a:srgbClr val="000000"/>
-                </a:solidFill>
-                <a:latin typeface="+mj-lt"/>
-                <a:ea typeface="Calibri" panose="020F0502020204030204" pitchFamily="34" charset="0"/>
-              </a:rPr>
-              <a:t>להעתיק כל איברים מ- </a:t>
-            </a:r>
-            <a:r>
-              <a:rPr lang="en-US" dirty="0">
-                <a:solidFill>
-                  <a:srgbClr val="000000"/>
-                </a:solidFill>
-                <a:latin typeface="+mj-lt"/>
-                <a:ea typeface="Calibri" panose="020F0502020204030204" pitchFamily="34" charset="0"/>
-              </a:rPr>
-              <a:t>inbox</a:t>
-            </a:r>
-            <a:r>
-              <a:rPr lang="he-IL" dirty="0">
-                <a:solidFill>
-                  <a:srgbClr val="000000"/>
-                </a:solidFill>
-                <a:latin typeface="+mj-lt"/>
-                <a:ea typeface="Calibri" panose="020F0502020204030204" pitchFamily="34" charset="0"/>
-              </a:rPr>
-              <a:t> ל-</a:t>
-            </a:r>
-            <a:r>
-              <a:rPr lang="en-US" dirty="0">
-                <a:solidFill>
-                  <a:srgbClr val="000000"/>
-                </a:solidFill>
-                <a:latin typeface="+mj-lt"/>
-                <a:ea typeface="Calibri" panose="020F0502020204030204" pitchFamily="34" charset="0"/>
-              </a:rPr>
-              <a:t>outbox</a:t>
-            </a:r>
-          </a:p>
-          <a:p>
-            <a:pPr marL="1143000" marR="0" lvl="2" indent="-228600" algn="just" rtl="1">
-              <a:lnSpc>
-                <a:spcPct val="107000"/>
-              </a:lnSpc>
-              <a:spcBef>
-                <a:spcPts val="0"/>
-              </a:spcBef>
-              <a:spcAft>
-                <a:spcPts val="0"/>
-              </a:spcAft>
-              <a:buFont typeface="Arial" panose="020B0604020202020204" pitchFamily="34" charset="0"/>
-              <a:buChar char="▪"/>
-            </a:pPr>
-            <a:r>
-              <a:rPr lang="he-IL" dirty="0">
-                <a:solidFill>
-                  <a:srgbClr val="000000"/>
-                </a:solidFill>
-                <a:latin typeface="+mj-lt"/>
-                <a:ea typeface="Calibri" panose="020F0502020204030204" pitchFamily="34" charset="0"/>
-              </a:rPr>
-              <a:t>נשלוף איבר מ-</a:t>
-            </a:r>
-            <a:r>
-              <a:rPr lang="en-US" dirty="0">
-                <a:solidFill>
-                  <a:srgbClr val="000000"/>
-                </a:solidFill>
-                <a:latin typeface="+mj-lt"/>
-                <a:ea typeface="Calibri" panose="020F0502020204030204" pitchFamily="34" charset="0"/>
-              </a:rPr>
-              <a:t>outbox</a:t>
-            </a:r>
-            <a:r>
-              <a:rPr lang="he-IL" dirty="0">
-                <a:solidFill>
-                  <a:srgbClr val="000000"/>
-                </a:solidFill>
-                <a:latin typeface="+mj-lt"/>
-                <a:ea typeface="Calibri" panose="020F0502020204030204" pitchFamily="34" charset="0"/>
-              </a:rPr>
-              <a:t>.</a:t>
-            </a:r>
-            <a:endParaRPr lang="en-US" dirty="0">
-              <a:solidFill>
-                <a:srgbClr val="000000"/>
-              </a:solidFill>
-              <a:latin typeface="+mj-lt"/>
+                <a:effectLst/>
+                <a:latin typeface="Comic Sans MS" panose="030F0702030302020204" pitchFamily="66" charset="0"/>
+                <a:ea typeface="Comic Sans MS" panose="030F0702030302020204" pitchFamily="66" charset="0"/>
+                <a:cs typeface="Comic Sans MS" panose="030F0702030302020204" pitchFamily="66" charset="0"/>
+              </a:rPr>
+              <a:t>(S))</a:t>
+            </a:r>
+            <a:endParaRPr lang="en-US" sz="1400" dirty="0">
+              <a:effectLst/>
+              <a:latin typeface="Calibri" panose="020F0502020204030204" pitchFamily="34" charset="0"/>
               <a:ea typeface="Calibri" panose="020F0502020204030204" pitchFamily="34" charset="0"/>
             </a:endParaRPr>
           </a:p>
@@ -7022,7 +7073,7 @@
     </p:spTree>
     <p:extLst>
       <p:ext uri="{BB962C8B-B14F-4D97-AF65-F5344CB8AC3E}">
-        <p14:creationId xmlns:p14="http://schemas.microsoft.com/office/powerpoint/2010/main" val="286817775"/>
+        <p14:creationId xmlns:p14="http://schemas.microsoft.com/office/powerpoint/2010/main" val="1084134145"/>
       </p:ext>
     </p:extLst>
   </p:cSld>
@@ -7276,7 +7327,17 @@
               <a:defRPr/>
             </a:pPr>
             <a:r>
-              <a:rPr kumimoji="0" lang="he-IL" altLang="he-IL" sz="4200" b="0" i="0" u="none" strike="noStrike" kern="0" cap="none" spc="0" normalizeH="0" baseline="0" noProof="0" dirty="0">
+              <a:rPr lang="he-IL" altLang="he-IL" b="1" kern="0" dirty="0">
+                <a:solidFill>
+                  <a:srgbClr val="006633"/>
+                </a:solidFill>
+                <a:latin typeface="Garamond"/>
+                <a:cs typeface="Arial"/>
+              </a:rPr>
+              <a:t>תרגיל </a:t>
+            </a:r>
+            <a:r>
+              <a:rPr kumimoji="0" lang="he-IL" altLang="he-IL" sz="4200" b="1" i="0" u="none" strike="noStrike" kern="0" cap="none" spc="0" normalizeH="0" baseline="0" noProof="0" dirty="0">
                 <a:ln>
                   <a:noFill/>
                 </a:ln>
@@ -7287,12 +7348,11 @@
                 <a:uLnTx/>
                 <a:uFillTx/>
                 <a:latin typeface="Garamond"/>
-                <a:ea typeface="+mj-ea"/>
                 <a:cs typeface="Arial"/>
               </a:rPr>
-              <a:t>פתרון תרגיל 5</a:t>
-            </a:r>
-            <a:endParaRPr kumimoji="0" lang="en-US" altLang="he-IL" sz="4200" b="0" i="0" u="none" strike="noStrike" kern="0" cap="none" spc="0" normalizeH="0" baseline="0" noProof="0" dirty="0">
+              <a:t>5</a:t>
+            </a:r>
+            <a:endParaRPr kumimoji="0" lang="en-US" altLang="he-IL" sz="4200" b="1" i="0" u="none" strike="noStrike" kern="0" cap="none" spc="0" normalizeH="0" baseline="0" noProof="0" dirty="0">
               <a:ln>
                 <a:noFill/>
               </a:ln>
@@ -7303,7 +7363,920 @@
               <a:uLnTx/>
               <a:uFillTx/>
               <a:latin typeface="Garamond"/>
-              <a:ea typeface="+mj-ea"/>
+              <a:cs typeface="Arial"/>
+            </a:endParaRPr>
+          </a:p>
+        </p:txBody>
+      </p:sp>
+      <p:sp>
+        <p:nvSpPr>
+          <p:cNvPr id="3" name="TextBox 2">
+            <a:extLst>
+              <a:ext uri="{FF2B5EF4-FFF2-40B4-BE49-F238E27FC236}">
+                <a16:creationId xmlns:a16="http://schemas.microsoft.com/office/drawing/2014/main" id="{42D86D05-9587-172B-1470-FCF43FA40D28}"/>
+              </a:ext>
+            </a:extLst>
+          </p:cNvPr>
+          <p:cNvSpPr txBox="1"/>
+          <p:nvPr/>
+        </p:nvSpPr>
+        <p:spPr>
+          <a:xfrm>
+            <a:off x="5352923" y="1242333"/>
+            <a:ext cx="6097384" cy="3930115"/>
+          </a:xfrm>
+          <a:prstGeom prst="rect">
+            <a:avLst/>
+          </a:prstGeom>
+          <a:noFill/>
+        </p:spPr>
+        <p:txBody>
+          <a:bodyPr wrap="square">
+            <a:spAutoFit/>
+          </a:bodyPr>
+          <a:lstStyle/>
+          <a:p>
+            <a:pPr marL="0" marR="0" algn="r" rtl="1">
+              <a:lnSpc>
+                <a:spcPct val="107000"/>
+              </a:lnSpc>
+              <a:spcBef>
+                <a:spcPts val="0"/>
+              </a:spcBef>
+              <a:spcAft>
+                <a:spcPts val="0"/>
+              </a:spcAft>
+            </a:pPr>
+            <a:r>
+              <a:rPr lang="he-IL" dirty="0">
+                <a:solidFill>
+                  <a:srgbClr val="000000"/>
+                </a:solidFill>
+                <a:effectLst/>
+                <a:latin typeface="+mj-lt"/>
+                <a:ea typeface="Calibri" panose="020F0502020204030204" pitchFamily="34" charset="0"/>
+              </a:rPr>
+              <a:t>כתוב </a:t>
+            </a:r>
+            <a:r>
+              <a:rPr lang="he-IL" dirty="0" err="1">
+                <a:solidFill>
+                  <a:srgbClr val="000000"/>
+                </a:solidFill>
+                <a:effectLst/>
+                <a:latin typeface="+mj-lt"/>
+                <a:ea typeface="Calibri" panose="020F0502020204030204" pitchFamily="34" charset="0"/>
+              </a:rPr>
+              <a:t>פסאודו</a:t>
+            </a:r>
+            <a:r>
+              <a:rPr lang="he-IL" dirty="0">
+                <a:solidFill>
+                  <a:srgbClr val="000000"/>
+                </a:solidFill>
+                <a:effectLst/>
+                <a:latin typeface="+mj-lt"/>
+                <a:ea typeface="Calibri" panose="020F0502020204030204" pitchFamily="34" charset="0"/>
+              </a:rPr>
+              <a:t>-קוד למימוש  תור על ידי שתי מחסניות.</a:t>
+            </a:r>
+            <a:endParaRPr lang="en-US" dirty="0">
+              <a:effectLst/>
+              <a:latin typeface="+mj-lt"/>
+              <a:ea typeface="Calibri" panose="020F0502020204030204" pitchFamily="34" charset="0"/>
+            </a:endParaRPr>
+          </a:p>
+          <a:p>
+            <a:pPr marL="457200" marR="0" algn="r" rtl="1">
+              <a:lnSpc>
+                <a:spcPct val="107000"/>
+              </a:lnSpc>
+              <a:spcBef>
+                <a:spcPts val="0"/>
+              </a:spcBef>
+              <a:spcAft>
+                <a:spcPts val="0"/>
+              </a:spcAft>
+            </a:pPr>
+            <a:r>
+              <a:rPr lang="en-US" b="1" u="none" strike="noStrike" dirty="0">
+                <a:solidFill>
+                  <a:srgbClr val="000000"/>
+                </a:solidFill>
+                <a:effectLst/>
+                <a:latin typeface="+mj-lt"/>
+                <a:ea typeface="Calibri" panose="020F0502020204030204" pitchFamily="34" charset="0"/>
+              </a:rPr>
+              <a:t> </a:t>
+            </a:r>
+            <a:endParaRPr lang="en-US" dirty="0">
+              <a:effectLst/>
+              <a:latin typeface="+mj-lt"/>
+              <a:ea typeface="Calibri" panose="020F0502020204030204" pitchFamily="34" charset="0"/>
+            </a:endParaRPr>
+          </a:p>
+          <a:p>
+            <a:pPr marL="0" marR="0" algn="just" rtl="1">
+              <a:lnSpc>
+                <a:spcPct val="107000"/>
+              </a:lnSpc>
+              <a:spcBef>
+                <a:spcPts val="0"/>
+              </a:spcBef>
+              <a:spcAft>
+                <a:spcPts val="0"/>
+              </a:spcAft>
+            </a:pPr>
+            <a:r>
+              <a:rPr lang="he-IL" u="sng" dirty="0">
+                <a:solidFill>
+                  <a:srgbClr val="000000"/>
+                </a:solidFill>
+                <a:effectLst/>
+                <a:latin typeface="+mj-lt"/>
+                <a:ea typeface="Calibri" panose="020F0502020204030204" pitchFamily="34" charset="0"/>
+              </a:rPr>
+              <a:t>אלגוריתם של פתרון:</a:t>
+            </a:r>
+            <a:endParaRPr lang="en-US" dirty="0">
+              <a:effectLst/>
+              <a:latin typeface="+mj-lt"/>
+              <a:ea typeface="Calibri" panose="020F0502020204030204" pitchFamily="34" charset="0"/>
+            </a:endParaRPr>
+          </a:p>
+          <a:p>
+            <a:pPr marL="0" marR="0" algn="just" rtl="1">
+              <a:lnSpc>
+                <a:spcPct val="107000"/>
+              </a:lnSpc>
+              <a:spcBef>
+                <a:spcPts val="0"/>
+              </a:spcBef>
+              <a:spcAft>
+                <a:spcPts val="0"/>
+              </a:spcAft>
+            </a:pPr>
+            <a:r>
+              <a:rPr lang="he-IL" dirty="0">
+                <a:solidFill>
+                  <a:srgbClr val="000000"/>
+                </a:solidFill>
+                <a:effectLst/>
+                <a:latin typeface="+mj-lt"/>
+                <a:ea typeface="Calibri" panose="020F0502020204030204" pitchFamily="34" charset="0"/>
+              </a:rPr>
+              <a:t>מטרה של שאלה - לכתוב מחדש פונקציות </a:t>
+            </a:r>
+            <a:r>
+              <a:rPr lang="en-US" b="1" dirty="0" err="1">
+                <a:solidFill>
+                  <a:srgbClr val="000000"/>
+                </a:solidFill>
+                <a:effectLst/>
+                <a:latin typeface="+mj-lt"/>
+                <a:ea typeface="Calibri" panose="020F0502020204030204" pitchFamily="34" charset="0"/>
+              </a:rPr>
+              <a:t>Queue_Empty</a:t>
+            </a:r>
+            <a:r>
+              <a:rPr lang="en-US" b="1" dirty="0">
+                <a:solidFill>
+                  <a:srgbClr val="000000"/>
+                </a:solidFill>
+                <a:effectLst/>
+                <a:latin typeface="+mj-lt"/>
+                <a:ea typeface="Calibri" panose="020F0502020204030204" pitchFamily="34" charset="0"/>
+              </a:rPr>
+              <a:t>, Enqueue</a:t>
+            </a:r>
+            <a:r>
+              <a:rPr lang="he-IL" dirty="0">
+                <a:solidFill>
+                  <a:srgbClr val="000000"/>
+                </a:solidFill>
+                <a:effectLst/>
+                <a:latin typeface="+mj-lt"/>
+                <a:ea typeface="Calibri" panose="020F0502020204030204" pitchFamily="34" charset="0"/>
+              </a:rPr>
+              <a:t> ו-</a:t>
+            </a:r>
+            <a:r>
+              <a:rPr lang="en-US" b="1" dirty="0">
+                <a:solidFill>
+                  <a:srgbClr val="000000"/>
+                </a:solidFill>
+                <a:effectLst/>
+                <a:latin typeface="+mj-lt"/>
+                <a:ea typeface="Calibri" panose="020F0502020204030204" pitchFamily="34" charset="0"/>
+              </a:rPr>
+              <a:t>Dequeue</a:t>
+            </a:r>
+            <a:r>
+              <a:rPr lang="he-IL" dirty="0">
+                <a:solidFill>
+                  <a:srgbClr val="000000"/>
+                </a:solidFill>
+                <a:effectLst/>
+                <a:latin typeface="+mj-lt"/>
+                <a:ea typeface="Calibri" panose="020F0502020204030204" pitchFamily="34" charset="0"/>
+              </a:rPr>
+              <a:t>. באמצעות פונקציות של המחסנית.</a:t>
+            </a:r>
+            <a:endParaRPr lang="en-US" dirty="0">
+              <a:effectLst/>
+              <a:latin typeface="+mj-lt"/>
+              <a:ea typeface="Calibri" panose="020F0502020204030204" pitchFamily="34" charset="0"/>
+            </a:endParaRPr>
+          </a:p>
+          <a:p>
+            <a:pPr marL="0" marR="0" algn="just" rtl="1">
+              <a:lnSpc>
+                <a:spcPct val="107000"/>
+              </a:lnSpc>
+              <a:spcBef>
+                <a:spcPts val="0"/>
+              </a:spcBef>
+              <a:spcAft>
+                <a:spcPts val="0"/>
+              </a:spcAft>
+            </a:pPr>
+            <a:r>
+              <a:rPr lang="en-US" dirty="0">
+                <a:solidFill>
+                  <a:srgbClr val="000000"/>
+                </a:solidFill>
+                <a:effectLst/>
+                <a:latin typeface="+mj-lt"/>
+                <a:ea typeface="Calibri" panose="020F0502020204030204" pitchFamily="34" charset="0"/>
+              </a:rPr>
+              <a:t> </a:t>
+            </a:r>
+            <a:endParaRPr lang="en-US" dirty="0">
+              <a:effectLst/>
+              <a:latin typeface="+mj-lt"/>
+              <a:ea typeface="Calibri" panose="020F0502020204030204" pitchFamily="34" charset="0"/>
+            </a:endParaRPr>
+          </a:p>
+          <a:p>
+            <a:pPr marL="0" marR="0" algn="just" rtl="1">
+              <a:lnSpc>
+                <a:spcPct val="107000"/>
+              </a:lnSpc>
+              <a:spcBef>
+                <a:spcPts val="0"/>
+              </a:spcBef>
+              <a:spcAft>
+                <a:spcPts val="0"/>
+              </a:spcAft>
+            </a:pPr>
+            <a:r>
+              <a:rPr lang="he-IL" dirty="0">
+                <a:solidFill>
+                  <a:srgbClr val="000000"/>
+                </a:solidFill>
+                <a:latin typeface="+mj-lt"/>
+                <a:ea typeface="Calibri" panose="020F0502020204030204" pitchFamily="34" charset="0"/>
+              </a:rPr>
+              <a:t>נחזיק שתי מחסניות. נקרא להן </a:t>
+            </a:r>
+            <a:r>
+              <a:rPr lang="en-US" dirty="0">
+                <a:solidFill>
+                  <a:srgbClr val="000000"/>
+                </a:solidFill>
+                <a:latin typeface="+mj-lt"/>
+                <a:ea typeface="Calibri" panose="020F0502020204030204" pitchFamily="34" charset="0"/>
+              </a:rPr>
+              <a:t>inbox</a:t>
+            </a:r>
+            <a:r>
+              <a:rPr lang="he-IL" dirty="0">
+                <a:solidFill>
+                  <a:srgbClr val="000000"/>
+                </a:solidFill>
+                <a:latin typeface="+mj-lt"/>
+                <a:ea typeface="Calibri" panose="020F0502020204030204" pitchFamily="34" charset="0"/>
+              </a:rPr>
+              <a:t> ו-</a:t>
+            </a:r>
+            <a:r>
+              <a:rPr lang="en-US" dirty="0">
+                <a:solidFill>
+                  <a:srgbClr val="000000"/>
+                </a:solidFill>
+                <a:latin typeface="+mj-lt"/>
+                <a:ea typeface="Calibri" panose="020F0502020204030204" pitchFamily="34" charset="0"/>
+              </a:rPr>
+              <a:t>outbox</a:t>
+            </a:r>
+            <a:r>
+              <a:rPr lang="he-IL" dirty="0">
+                <a:solidFill>
+                  <a:srgbClr val="000000"/>
+                </a:solidFill>
+                <a:latin typeface="+mj-lt"/>
+                <a:ea typeface="Calibri" panose="020F0502020204030204" pitchFamily="34" charset="0"/>
+              </a:rPr>
+              <a:t>.</a:t>
+            </a:r>
+            <a:endParaRPr lang="en-US" dirty="0">
+              <a:solidFill>
+                <a:srgbClr val="000000"/>
+              </a:solidFill>
+              <a:latin typeface="+mj-lt"/>
+              <a:ea typeface="Calibri" panose="020F0502020204030204" pitchFamily="34" charset="0"/>
+            </a:endParaRPr>
+          </a:p>
+          <a:p>
+            <a:pPr marL="342900" marR="0" lvl="0" indent="-342900" algn="just" rtl="1">
+              <a:lnSpc>
+                <a:spcPct val="107000"/>
+              </a:lnSpc>
+              <a:spcBef>
+                <a:spcPts val="0"/>
+              </a:spcBef>
+              <a:spcAft>
+                <a:spcPts val="0"/>
+              </a:spcAft>
+              <a:buFont typeface="Arial" panose="020B0604020202020204" pitchFamily="34" charset="0"/>
+              <a:buChar char="●"/>
+            </a:pPr>
+            <a:r>
+              <a:rPr lang="he-IL" dirty="0">
+                <a:solidFill>
+                  <a:srgbClr val="000000"/>
+                </a:solidFill>
+                <a:latin typeface="+mj-lt"/>
+                <a:ea typeface="Calibri" panose="020F0502020204030204" pitchFamily="34" charset="0"/>
+              </a:rPr>
+              <a:t>כאשר נדחוף לתור – נדחוף תמיד ל-</a:t>
+            </a:r>
+            <a:r>
+              <a:rPr lang="en-US" dirty="0">
+                <a:solidFill>
+                  <a:srgbClr val="000000"/>
+                </a:solidFill>
+                <a:latin typeface="+mj-lt"/>
+                <a:ea typeface="Calibri" panose="020F0502020204030204" pitchFamily="34" charset="0"/>
+              </a:rPr>
+              <a:t>inbox</a:t>
+            </a:r>
+            <a:r>
+              <a:rPr lang="he-IL" dirty="0">
+                <a:solidFill>
+                  <a:srgbClr val="000000"/>
+                </a:solidFill>
+                <a:latin typeface="+mj-lt"/>
+                <a:ea typeface="Calibri" panose="020F0502020204030204" pitchFamily="34" charset="0"/>
+              </a:rPr>
+              <a:t>.</a:t>
+            </a:r>
+            <a:endParaRPr lang="en-US" dirty="0">
+              <a:solidFill>
+                <a:srgbClr val="000000"/>
+              </a:solidFill>
+              <a:latin typeface="+mj-lt"/>
+              <a:ea typeface="Calibri" panose="020F0502020204030204" pitchFamily="34" charset="0"/>
+            </a:endParaRPr>
+          </a:p>
+          <a:p>
+            <a:pPr marL="342900" marR="0" lvl="0" indent="-342900" algn="just" rtl="1">
+              <a:lnSpc>
+                <a:spcPct val="107000"/>
+              </a:lnSpc>
+              <a:spcBef>
+                <a:spcPts val="0"/>
+              </a:spcBef>
+              <a:spcAft>
+                <a:spcPts val="0"/>
+              </a:spcAft>
+              <a:buFont typeface="Arial" panose="020B0604020202020204" pitchFamily="34" charset="0"/>
+              <a:buChar char="●"/>
+            </a:pPr>
+            <a:r>
+              <a:rPr lang="he-IL" dirty="0">
+                <a:solidFill>
+                  <a:srgbClr val="000000"/>
+                </a:solidFill>
+                <a:latin typeface="+mj-lt"/>
+                <a:ea typeface="Calibri" panose="020F0502020204030204" pitchFamily="34" charset="0"/>
+              </a:rPr>
+              <a:t>כאשר נשלף מהתור, נבצע את הפעולה הבאה:</a:t>
+            </a:r>
+            <a:endParaRPr lang="en-US" dirty="0">
+              <a:solidFill>
+                <a:srgbClr val="000000"/>
+              </a:solidFill>
+              <a:latin typeface="+mj-lt"/>
+              <a:ea typeface="Calibri" panose="020F0502020204030204" pitchFamily="34" charset="0"/>
+            </a:endParaRPr>
+          </a:p>
+          <a:p>
+            <a:pPr marL="742950" marR="0" lvl="1" indent="-285750" algn="just" rtl="1">
+              <a:lnSpc>
+                <a:spcPct val="107000"/>
+              </a:lnSpc>
+              <a:spcBef>
+                <a:spcPts val="0"/>
+              </a:spcBef>
+              <a:spcAft>
+                <a:spcPts val="0"/>
+              </a:spcAft>
+              <a:buFont typeface="Courier New" panose="02070309020205020404" pitchFamily="49" charset="0"/>
+              <a:buChar char="o"/>
+            </a:pPr>
+            <a:r>
+              <a:rPr lang="he-IL" dirty="0">
+                <a:solidFill>
+                  <a:srgbClr val="000000"/>
+                </a:solidFill>
+                <a:latin typeface="+mj-lt"/>
+                <a:ea typeface="Calibri" panose="020F0502020204030204" pitchFamily="34" charset="0"/>
+              </a:rPr>
+              <a:t>אם יש ב-</a:t>
+            </a:r>
+            <a:r>
+              <a:rPr lang="en-US" dirty="0">
+                <a:solidFill>
+                  <a:srgbClr val="000000"/>
+                </a:solidFill>
+                <a:latin typeface="+mj-lt"/>
+                <a:ea typeface="Calibri" panose="020F0502020204030204" pitchFamily="34" charset="0"/>
+              </a:rPr>
+              <a:t>outbox</a:t>
+            </a:r>
+            <a:r>
+              <a:rPr lang="he-IL" dirty="0">
+                <a:solidFill>
+                  <a:srgbClr val="000000"/>
+                </a:solidFill>
+                <a:latin typeface="+mj-lt"/>
+                <a:ea typeface="Calibri" panose="020F0502020204030204" pitchFamily="34" charset="0"/>
+              </a:rPr>
+              <a:t> איבר – נשלוף אותו.</a:t>
+            </a:r>
+            <a:endParaRPr lang="en-US" dirty="0">
+              <a:solidFill>
+                <a:srgbClr val="000000"/>
+              </a:solidFill>
+              <a:latin typeface="+mj-lt"/>
+              <a:ea typeface="Calibri" panose="020F0502020204030204" pitchFamily="34" charset="0"/>
+            </a:endParaRPr>
+          </a:p>
+          <a:p>
+            <a:pPr marL="742950" marR="0" lvl="1" indent="-285750" algn="just" rtl="1">
+              <a:lnSpc>
+                <a:spcPct val="107000"/>
+              </a:lnSpc>
+              <a:spcBef>
+                <a:spcPts val="0"/>
+              </a:spcBef>
+              <a:spcAft>
+                <a:spcPts val="0"/>
+              </a:spcAft>
+              <a:buFont typeface="Courier New" panose="02070309020205020404" pitchFamily="49" charset="0"/>
+              <a:buChar char="o"/>
+            </a:pPr>
+            <a:r>
+              <a:rPr lang="he-IL" dirty="0">
+                <a:solidFill>
+                  <a:srgbClr val="000000"/>
+                </a:solidFill>
+                <a:latin typeface="+mj-lt"/>
+                <a:ea typeface="Calibri" panose="020F0502020204030204" pitchFamily="34" charset="0"/>
+              </a:rPr>
+              <a:t>אם </a:t>
+            </a:r>
+            <a:r>
+              <a:rPr lang="en-US" dirty="0">
+                <a:solidFill>
+                  <a:srgbClr val="000000"/>
+                </a:solidFill>
+                <a:latin typeface="+mj-lt"/>
+                <a:ea typeface="Calibri" panose="020F0502020204030204" pitchFamily="34" charset="0"/>
+              </a:rPr>
+              <a:t>outbox</a:t>
+            </a:r>
+            <a:r>
+              <a:rPr lang="he-IL" dirty="0">
+                <a:solidFill>
+                  <a:srgbClr val="000000"/>
+                </a:solidFill>
+                <a:latin typeface="+mj-lt"/>
+                <a:ea typeface="Calibri" panose="020F0502020204030204" pitchFamily="34" charset="0"/>
+              </a:rPr>
+              <a:t>  ריקה:</a:t>
+            </a:r>
+            <a:endParaRPr lang="en-US" dirty="0">
+              <a:solidFill>
+                <a:srgbClr val="000000"/>
+              </a:solidFill>
+              <a:latin typeface="+mj-lt"/>
+              <a:ea typeface="Calibri" panose="020F0502020204030204" pitchFamily="34" charset="0"/>
+            </a:endParaRPr>
+          </a:p>
+          <a:p>
+            <a:pPr marL="1143000" marR="0" lvl="2" indent="-228600" algn="just" rtl="1">
+              <a:lnSpc>
+                <a:spcPct val="107000"/>
+              </a:lnSpc>
+              <a:spcBef>
+                <a:spcPts val="0"/>
+              </a:spcBef>
+              <a:spcAft>
+                <a:spcPts val="0"/>
+              </a:spcAft>
+              <a:buFont typeface="Arial" panose="020B0604020202020204" pitchFamily="34" charset="0"/>
+              <a:buChar char="▪"/>
+            </a:pPr>
+            <a:r>
+              <a:rPr lang="he-IL" dirty="0">
+                <a:solidFill>
+                  <a:srgbClr val="000000"/>
+                </a:solidFill>
+                <a:latin typeface="+mj-lt"/>
+                <a:ea typeface="Calibri" panose="020F0502020204030204" pitchFamily="34" charset="0"/>
+              </a:rPr>
+              <a:t>להעתיק כל איברים מ- </a:t>
+            </a:r>
+            <a:r>
+              <a:rPr lang="en-US" dirty="0">
+                <a:solidFill>
+                  <a:srgbClr val="000000"/>
+                </a:solidFill>
+                <a:latin typeface="+mj-lt"/>
+                <a:ea typeface="Calibri" panose="020F0502020204030204" pitchFamily="34" charset="0"/>
+              </a:rPr>
+              <a:t>inbox</a:t>
+            </a:r>
+            <a:r>
+              <a:rPr lang="he-IL" dirty="0">
+                <a:solidFill>
+                  <a:srgbClr val="000000"/>
+                </a:solidFill>
+                <a:latin typeface="+mj-lt"/>
+                <a:ea typeface="Calibri" panose="020F0502020204030204" pitchFamily="34" charset="0"/>
+              </a:rPr>
+              <a:t> ל-</a:t>
+            </a:r>
+            <a:r>
+              <a:rPr lang="en-US" dirty="0">
+                <a:solidFill>
+                  <a:srgbClr val="000000"/>
+                </a:solidFill>
+                <a:latin typeface="+mj-lt"/>
+                <a:ea typeface="Calibri" panose="020F0502020204030204" pitchFamily="34" charset="0"/>
+              </a:rPr>
+              <a:t>outbox</a:t>
+            </a:r>
+          </a:p>
+          <a:p>
+            <a:pPr marL="1143000" marR="0" lvl="2" indent="-228600" algn="just" rtl="1">
+              <a:lnSpc>
+                <a:spcPct val="107000"/>
+              </a:lnSpc>
+              <a:spcBef>
+                <a:spcPts val="0"/>
+              </a:spcBef>
+              <a:spcAft>
+                <a:spcPts val="0"/>
+              </a:spcAft>
+              <a:buFont typeface="Arial" panose="020B0604020202020204" pitchFamily="34" charset="0"/>
+              <a:buChar char="▪"/>
+            </a:pPr>
+            <a:r>
+              <a:rPr lang="he-IL" dirty="0">
+                <a:solidFill>
+                  <a:srgbClr val="000000"/>
+                </a:solidFill>
+                <a:latin typeface="+mj-lt"/>
+                <a:ea typeface="Calibri" panose="020F0502020204030204" pitchFamily="34" charset="0"/>
+              </a:rPr>
+              <a:t>נשלוף איבר מ-</a:t>
+            </a:r>
+            <a:r>
+              <a:rPr lang="en-US" dirty="0">
+                <a:solidFill>
+                  <a:srgbClr val="000000"/>
+                </a:solidFill>
+                <a:latin typeface="+mj-lt"/>
+                <a:ea typeface="Calibri" panose="020F0502020204030204" pitchFamily="34" charset="0"/>
+              </a:rPr>
+              <a:t>outbox</a:t>
+            </a:r>
+            <a:r>
+              <a:rPr lang="he-IL" dirty="0">
+                <a:solidFill>
+                  <a:srgbClr val="000000"/>
+                </a:solidFill>
+                <a:latin typeface="+mj-lt"/>
+                <a:ea typeface="Calibri" panose="020F0502020204030204" pitchFamily="34" charset="0"/>
+              </a:rPr>
+              <a:t>.</a:t>
+            </a:r>
+            <a:endParaRPr lang="en-US" dirty="0">
+              <a:solidFill>
+                <a:srgbClr val="000000"/>
+              </a:solidFill>
+              <a:latin typeface="+mj-lt"/>
+              <a:ea typeface="Calibri" panose="020F0502020204030204" pitchFamily="34" charset="0"/>
+            </a:endParaRPr>
+          </a:p>
+        </p:txBody>
+      </p:sp>
+    </p:spTree>
+    <p:extLst>
+      <p:ext uri="{BB962C8B-B14F-4D97-AF65-F5344CB8AC3E}">
+        <p14:creationId xmlns:p14="http://schemas.microsoft.com/office/powerpoint/2010/main" val="286817775"/>
+      </p:ext>
+    </p:extLst>
+  </p:cSld>
+  <p:clrMapOvr>
+    <a:masterClrMapping/>
+  </p:clrMapOvr>
+</p:sld>
+</file>
+
+<file path=ppt/slides/slide14.xml><?xml version="1.0" encoding="utf-8"?>
+<p:sld xmlns:a="http://schemas.openxmlformats.org/drawingml/2006/main" xmlns:r="http://schemas.openxmlformats.org/officeDocument/2006/relationships" xmlns:p="http://schemas.openxmlformats.org/presentationml/2006/main">
+  <p:cSld>
+    <p:bg>
+      <p:bgPr>
+        <a:blipFill dpi="0" rotWithShape="1">
+          <a:blip r:embed="rId3">
+            <a:lum/>
+          </a:blip>
+          <a:srcRect/>
+          <a:stretch>
+            <a:fillRect/>
+          </a:stretch>
+        </a:blipFill>
+        <a:effectLst/>
+      </p:bgPr>
+    </p:bg>
+    <p:spTree>
+      <p:nvGrpSpPr>
+        <p:cNvPr id="1" name=""/>
+        <p:cNvGrpSpPr/>
+        <p:nvPr/>
+      </p:nvGrpSpPr>
+      <p:grpSpPr>
+        <a:xfrm>
+          <a:off x="0" y="0"/>
+          <a:ext cx="0" cy="0"/>
+          <a:chOff x="0" y="0"/>
+          <a:chExt cx="0" cy="0"/>
+        </a:xfrm>
+      </p:grpSpPr>
+      <p:sp>
+        <p:nvSpPr>
+          <p:cNvPr id="20" name="Rectangle 2"/>
+          <p:cNvSpPr txBox="1">
+            <a:spLocks noChangeArrowheads="1"/>
+          </p:cNvSpPr>
+          <p:nvPr/>
+        </p:nvSpPr>
+        <p:spPr bwMode="auto">
+          <a:xfrm>
+            <a:off x="3287209" y="258329"/>
+            <a:ext cx="8229600" cy="826818"/>
+          </a:xfrm>
+          <a:prstGeom prst="rect">
+            <a:avLst/>
+          </a:prstGeom>
+          <a:noFill/>
+          <a:ln>
+            <a:noFill/>
+          </a:ln>
+          <a:effectLst/>
+          <a:extLst>
+            <a:ext uri="{909E8E84-426E-40DD-AFC4-6F175D3DCCD1}">
+              <a14:hiddenFill xmlns:a14="http://schemas.microsoft.com/office/drawing/2010/main">
+                <a:solidFill>
+                  <a:schemeClr val="accent1"/>
+                </a:solidFill>
+              </a14:hiddenFill>
+            </a:ext>
+            <a:ext uri="{91240B29-F687-4F45-9708-019B960494DF}">
+              <a14:hiddenLine xmlns:a14="http://schemas.microsoft.com/office/drawing/2010/main" w="9525">
+                <a:solidFill>
+                  <a:schemeClr val="tx1"/>
+                </a:solidFill>
+                <a:miter lim="800000"/>
+                <a:headEnd/>
+                <a:tailEnd/>
+              </a14:hiddenLine>
+            </a:ext>
+            <a:ext uri="{AF507438-7753-43E0-B8FC-AC1667EBCBE1}">
+              <a14:hiddenEffects xmlns:a14="http://schemas.microsoft.com/office/drawing/2010/main">
+                <a:effectLst>
+                  <a:outerShdw dist="35921" dir="2700000" algn="ctr" rotWithShape="0">
+                    <a:schemeClr val="bg2"/>
+                  </a:outerShdw>
+                </a:effectLst>
+              </a14:hiddenEffects>
+            </a:ext>
+          </a:extLst>
+        </p:spPr>
+        <p:txBody>
+          <a:bodyPr vert="horz" wrap="square" lIns="91440" tIns="45720" rIns="91440" bIns="45720" numCol="1" anchor="t" anchorCtr="0" compatLnSpc="1">
+            <a:prstTxWarp prst="textNoShape">
+              <a:avLst/>
+            </a:prstTxWarp>
+          </a:bodyPr>
+          <a:lstStyle>
+            <a:lvl1pPr algn="l" rtl="1" eaLnBrk="0" fontAlgn="base" hangingPunct="0">
+              <a:spcBef>
+                <a:spcPct val="0"/>
+              </a:spcBef>
+              <a:spcAft>
+                <a:spcPct val="0"/>
+              </a:spcAft>
+              <a:defRPr sz="4200">
+                <a:solidFill>
+                  <a:schemeClr val="tx2"/>
+                </a:solidFill>
+                <a:latin typeface="+mj-lt"/>
+                <a:ea typeface="+mj-ea"/>
+                <a:cs typeface="+mj-cs"/>
+              </a:defRPr>
+            </a:lvl1pPr>
+            <a:lvl2pPr algn="l" rtl="1" eaLnBrk="0" fontAlgn="base" hangingPunct="0">
+              <a:spcBef>
+                <a:spcPct val="0"/>
+              </a:spcBef>
+              <a:spcAft>
+                <a:spcPct val="0"/>
+              </a:spcAft>
+              <a:defRPr sz="4200">
+                <a:solidFill>
+                  <a:schemeClr val="tx2"/>
+                </a:solidFill>
+                <a:latin typeface="Garamond" pitchFamily="18" charset="0"/>
+                <a:cs typeface="Arial" pitchFamily="34" charset="0"/>
+              </a:defRPr>
+            </a:lvl2pPr>
+            <a:lvl3pPr algn="l" rtl="1" eaLnBrk="0" fontAlgn="base" hangingPunct="0">
+              <a:spcBef>
+                <a:spcPct val="0"/>
+              </a:spcBef>
+              <a:spcAft>
+                <a:spcPct val="0"/>
+              </a:spcAft>
+              <a:defRPr sz="4200">
+                <a:solidFill>
+                  <a:schemeClr val="tx2"/>
+                </a:solidFill>
+                <a:latin typeface="Garamond" pitchFamily="18" charset="0"/>
+                <a:cs typeface="Arial" pitchFamily="34" charset="0"/>
+              </a:defRPr>
+            </a:lvl3pPr>
+            <a:lvl4pPr algn="l" rtl="1" eaLnBrk="0" fontAlgn="base" hangingPunct="0">
+              <a:spcBef>
+                <a:spcPct val="0"/>
+              </a:spcBef>
+              <a:spcAft>
+                <a:spcPct val="0"/>
+              </a:spcAft>
+              <a:defRPr sz="4200">
+                <a:solidFill>
+                  <a:schemeClr val="tx2"/>
+                </a:solidFill>
+                <a:latin typeface="Garamond" pitchFamily="18" charset="0"/>
+                <a:cs typeface="Arial" pitchFamily="34" charset="0"/>
+              </a:defRPr>
+            </a:lvl4pPr>
+            <a:lvl5pPr algn="l" rtl="1" eaLnBrk="0" fontAlgn="base" hangingPunct="0">
+              <a:spcBef>
+                <a:spcPct val="0"/>
+              </a:spcBef>
+              <a:spcAft>
+                <a:spcPct val="0"/>
+              </a:spcAft>
+              <a:defRPr sz="4200">
+                <a:solidFill>
+                  <a:schemeClr val="tx2"/>
+                </a:solidFill>
+                <a:latin typeface="Garamond" pitchFamily="18" charset="0"/>
+                <a:cs typeface="Arial" pitchFamily="34" charset="0"/>
+              </a:defRPr>
+            </a:lvl5pPr>
+            <a:lvl6pPr marL="457200" algn="l" rtl="1" fontAlgn="base">
+              <a:spcBef>
+                <a:spcPct val="0"/>
+              </a:spcBef>
+              <a:spcAft>
+                <a:spcPct val="0"/>
+              </a:spcAft>
+              <a:defRPr sz="4200">
+                <a:solidFill>
+                  <a:schemeClr val="tx2"/>
+                </a:solidFill>
+                <a:latin typeface="Garamond" pitchFamily="18" charset="0"/>
+                <a:cs typeface="Arial" pitchFamily="34" charset="0"/>
+              </a:defRPr>
+            </a:lvl6pPr>
+            <a:lvl7pPr marL="914400" algn="l" rtl="1" fontAlgn="base">
+              <a:spcBef>
+                <a:spcPct val="0"/>
+              </a:spcBef>
+              <a:spcAft>
+                <a:spcPct val="0"/>
+              </a:spcAft>
+              <a:defRPr sz="4200">
+                <a:solidFill>
+                  <a:schemeClr val="tx2"/>
+                </a:solidFill>
+                <a:latin typeface="Garamond" pitchFamily="18" charset="0"/>
+                <a:cs typeface="Arial" pitchFamily="34" charset="0"/>
+              </a:defRPr>
+            </a:lvl7pPr>
+            <a:lvl8pPr marL="1371600" algn="l" rtl="1" fontAlgn="base">
+              <a:spcBef>
+                <a:spcPct val="0"/>
+              </a:spcBef>
+              <a:spcAft>
+                <a:spcPct val="0"/>
+              </a:spcAft>
+              <a:defRPr sz="4200">
+                <a:solidFill>
+                  <a:schemeClr val="tx2"/>
+                </a:solidFill>
+                <a:latin typeface="Garamond" pitchFamily="18" charset="0"/>
+                <a:cs typeface="Arial" pitchFamily="34" charset="0"/>
+              </a:defRPr>
+            </a:lvl8pPr>
+            <a:lvl9pPr marL="1828800" algn="l" rtl="1" fontAlgn="base">
+              <a:spcBef>
+                <a:spcPct val="0"/>
+              </a:spcBef>
+              <a:spcAft>
+                <a:spcPct val="0"/>
+              </a:spcAft>
+              <a:defRPr sz="4200">
+                <a:solidFill>
+                  <a:schemeClr val="tx2"/>
+                </a:solidFill>
+                <a:latin typeface="Garamond" pitchFamily="18" charset="0"/>
+                <a:cs typeface="Arial" pitchFamily="34" charset="0"/>
+              </a:defRPr>
+            </a:lvl9pPr>
+          </a:lstStyle>
+          <a:p>
+            <a:pPr marL="0" marR="0" lvl="0" indent="0" algn="r" defTabSz="914400" rtl="1" eaLnBrk="1" fontAlgn="base" latinLnBrk="0" hangingPunct="1">
+              <a:lnSpc>
+                <a:spcPct val="100000"/>
+              </a:lnSpc>
+              <a:spcBef>
+                <a:spcPct val="0"/>
+              </a:spcBef>
+              <a:spcAft>
+                <a:spcPct val="0"/>
+              </a:spcAft>
+              <a:buClrTx/>
+              <a:buSzTx/>
+              <a:buFontTx/>
+              <a:buNone/>
+              <a:tabLst/>
+              <a:defRPr/>
+            </a:pPr>
+            <a:r>
+              <a:rPr lang="he-IL" altLang="he-IL" b="1" kern="0" dirty="0">
+                <a:solidFill>
+                  <a:srgbClr val="006633"/>
+                </a:solidFill>
+                <a:latin typeface="Garamond"/>
+                <a:cs typeface="Arial"/>
+              </a:rPr>
+              <a:t>פתרון תרגיל </a:t>
+            </a:r>
+            <a:r>
+              <a:rPr kumimoji="0" lang="he-IL" altLang="he-IL" sz="4200" b="1" i="0" u="none" strike="noStrike" kern="0" cap="none" spc="0" normalizeH="0" baseline="0" noProof="0" dirty="0">
+                <a:ln>
+                  <a:noFill/>
+                </a:ln>
+                <a:solidFill>
+                  <a:srgbClr val="006633"/>
+                </a:solidFill>
+                <a:effectLst/>
+                <a:uLnTx/>
+                <a:uFillTx/>
+                <a:latin typeface="Garamond"/>
+                <a:cs typeface="Arial"/>
+              </a:rPr>
+              <a:t>5</a:t>
+            </a:r>
+            <a:endParaRPr kumimoji="0" lang="en-US" altLang="he-IL" sz="4200" b="1" i="0" u="none" strike="noStrike" kern="0" cap="none" spc="0" normalizeH="0" baseline="0" noProof="0" dirty="0">
+              <a:ln>
+                <a:noFill/>
+              </a:ln>
+              <a:solidFill>
+                <a:srgbClr val="006633"/>
+              </a:solidFill>
+              <a:effectLst/>
+              <a:uLnTx/>
+              <a:uFillTx/>
+              <a:latin typeface="Garamond"/>
               <a:cs typeface="Arial"/>
             </a:endParaRPr>
           </a:p>
@@ -7337,8 +8310,8 @@
         </p:blipFill>
         <p:spPr>
           <a:xfrm>
-            <a:off x="1639969" y="1547914"/>
-            <a:ext cx="4639322" cy="3496163"/>
+            <a:off x="877824" y="1547914"/>
+            <a:ext cx="5401467" cy="4070511"/>
           </a:xfrm>
           <a:prstGeom prst="rect">
             <a:avLst/>
@@ -7373,8 +8346,8 @@
         </p:blipFill>
         <p:spPr>
           <a:xfrm>
-            <a:off x="7541377" y="1547913"/>
-            <a:ext cx="3085470" cy="3496163"/>
+            <a:off x="7059168" y="1547913"/>
+            <a:ext cx="3567679" cy="4042557"/>
           </a:xfrm>
           <a:prstGeom prst="rect">
             <a:avLst/>
@@ -7394,7 +8367,649 @@
 </p:sld>
 </file>
 
-<file path=ppt/slides/slide14.xml><?xml version="1.0" encoding="utf-8"?>
+<file path=ppt/slides/slide15.xml><?xml version="1.0" encoding="utf-8"?>
+<p:sld xmlns:a="http://schemas.openxmlformats.org/drawingml/2006/main" xmlns:r="http://schemas.openxmlformats.org/officeDocument/2006/relationships" xmlns:p="http://schemas.openxmlformats.org/presentationml/2006/main">
+  <p:cSld>
+    <p:bg>
+      <p:bgPr>
+        <a:blipFill dpi="0" rotWithShape="1">
+          <a:blip r:embed="rId3">
+            <a:lum/>
+          </a:blip>
+          <a:srcRect/>
+          <a:stretch>
+            <a:fillRect/>
+          </a:stretch>
+        </a:blipFill>
+        <a:effectLst/>
+      </p:bgPr>
+    </p:bg>
+    <p:spTree>
+      <p:nvGrpSpPr>
+        <p:cNvPr id="1" name=""/>
+        <p:cNvGrpSpPr/>
+        <p:nvPr/>
+      </p:nvGrpSpPr>
+      <p:grpSpPr>
+        <a:xfrm>
+          <a:off x="0" y="0"/>
+          <a:ext cx="0" cy="0"/>
+          <a:chOff x="0" y="0"/>
+          <a:chExt cx="0" cy="0"/>
+        </a:xfrm>
+      </p:grpSpPr>
+      <p:sp>
+        <p:nvSpPr>
+          <p:cNvPr id="20" name="Rectangle 2"/>
+          <p:cNvSpPr txBox="1">
+            <a:spLocks noChangeArrowheads="1"/>
+          </p:cNvSpPr>
+          <p:nvPr/>
+        </p:nvSpPr>
+        <p:spPr bwMode="auto">
+          <a:xfrm>
+            <a:off x="3287209" y="258329"/>
+            <a:ext cx="8229600" cy="826818"/>
+          </a:xfrm>
+          <a:prstGeom prst="rect">
+            <a:avLst/>
+          </a:prstGeom>
+          <a:noFill/>
+          <a:ln>
+            <a:noFill/>
+          </a:ln>
+          <a:effectLst/>
+          <a:extLst>
+            <a:ext uri="{909E8E84-426E-40DD-AFC4-6F175D3DCCD1}">
+              <a14:hiddenFill xmlns:a14="http://schemas.microsoft.com/office/drawing/2010/main">
+                <a:solidFill>
+                  <a:schemeClr val="accent1"/>
+                </a:solidFill>
+              </a14:hiddenFill>
+            </a:ext>
+            <a:ext uri="{91240B29-F687-4F45-9708-019B960494DF}">
+              <a14:hiddenLine xmlns:a14="http://schemas.microsoft.com/office/drawing/2010/main" w="9525">
+                <a:solidFill>
+                  <a:schemeClr val="tx1"/>
+                </a:solidFill>
+                <a:miter lim="800000"/>
+                <a:headEnd/>
+                <a:tailEnd/>
+              </a14:hiddenLine>
+            </a:ext>
+            <a:ext uri="{AF507438-7753-43E0-B8FC-AC1667EBCBE1}">
+              <a14:hiddenEffects xmlns:a14="http://schemas.microsoft.com/office/drawing/2010/main">
+                <a:effectLst>
+                  <a:outerShdw dist="35921" dir="2700000" algn="ctr" rotWithShape="0">
+                    <a:schemeClr val="bg2"/>
+                  </a:outerShdw>
+                </a:effectLst>
+              </a14:hiddenEffects>
+            </a:ext>
+          </a:extLst>
+        </p:spPr>
+        <p:txBody>
+          <a:bodyPr vert="horz" wrap="square" lIns="91440" tIns="45720" rIns="91440" bIns="45720" numCol="1" anchor="t" anchorCtr="0" compatLnSpc="1">
+            <a:prstTxWarp prst="textNoShape">
+              <a:avLst/>
+            </a:prstTxWarp>
+          </a:bodyPr>
+          <a:lstStyle>
+            <a:lvl1pPr algn="l" rtl="1" eaLnBrk="0" fontAlgn="base" hangingPunct="0">
+              <a:spcBef>
+                <a:spcPct val="0"/>
+              </a:spcBef>
+              <a:spcAft>
+                <a:spcPct val="0"/>
+              </a:spcAft>
+              <a:defRPr sz="4200">
+                <a:solidFill>
+                  <a:schemeClr val="tx2"/>
+                </a:solidFill>
+                <a:latin typeface="+mj-lt"/>
+                <a:ea typeface="+mj-ea"/>
+                <a:cs typeface="+mj-cs"/>
+              </a:defRPr>
+            </a:lvl1pPr>
+            <a:lvl2pPr algn="l" rtl="1" eaLnBrk="0" fontAlgn="base" hangingPunct="0">
+              <a:spcBef>
+                <a:spcPct val="0"/>
+              </a:spcBef>
+              <a:spcAft>
+                <a:spcPct val="0"/>
+              </a:spcAft>
+              <a:defRPr sz="4200">
+                <a:solidFill>
+                  <a:schemeClr val="tx2"/>
+                </a:solidFill>
+                <a:latin typeface="Garamond" pitchFamily="18" charset="0"/>
+                <a:cs typeface="Arial" pitchFamily="34" charset="0"/>
+              </a:defRPr>
+            </a:lvl2pPr>
+            <a:lvl3pPr algn="l" rtl="1" eaLnBrk="0" fontAlgn="base" hangingPunct="0">
+              <a:spcBef>
+                <a:spcPct val="0"/>
+              </a:spcBef>
+              <a:spcAft>
+                <a:spcPct val="0"/>
+              </a:spcAft>
+              <a:defRPr sz="4200">
+                <a:solidFill>
+                  <a:schemeClr val="tx2"/>
+                </a:solidFill>
+                <a:latin typeface="Garamond" pitchFamily="18" charset="0"/>
+                <a:cs typeface="Arial" pitchFamily="34" charset="0"/>
+              </a:defRPr>
+            </a:lvl3pPr>
+            <a:lvl4pPr algn="l" rtl="1" eaLnBrk="0" fontAlgn="base" hangingPunct="0">
+              <a:spcBef>
+                <a:spcPct val="0"/>
+              </a:spcBef>
+              <a:spcAft>
+                <a:spcPct val="0"/>
+              </a:spcAft>
+              <a:defRPr sz="4200">
+                <a:solidFill>
+                  <a:schemeClr val="tx2"/>
+                </a:solidFill>
+                <a:latin typeface="Garamond" pitchFamily="18" charset="0"/>
+                <a:cs typeface="Arial" pitchFamily="34" charset="0"/>
+              </a:defRPr>
+            </a:lvl4pPr>
+            <a:lvl5pPr algn="l" rtl="1" eaLnBrk="0" fontAlgn="base" hangingPunct="0">
+              <a:spcBef>
+                <a:spcPct val="0"/>
+              </a:spcBef>
+              <a:spcAft>
+                <a:spcPct val="0"/>
+              </a:spcAft>
+              <a:defRPr sz="4200">
+                <a:solidFill>
+                  <a:schemeClr val="tx2"/>
+                </a:solidFill>
+                <a:latin typeface="Garamond" pitchFamily="18" charset="0"/>
+                <a:cs typeface="Arial" pitchFamily="34" charset="0"/>
+              </a:defRPr>
+            </a:lvl5pPr>
+            <a:lvl6pPr marL="457200" algn="l" rtl="1" fontAlgn="base">
+              <a:spcBef>
+                <a:spcPct val="0"/>
+              </a:spcBef>
+              <a:spcAft>
+                <a:spcPct val="0"/>
+              </a:spcAft>
+              <a:defRPr sz="4200">
+                <a:solidFill>
+                  <a:schemeClr val="tx2"/>
+                </a:solidFill>
+                <a:latin typeface="Garamond" pitchFamily="18" charset="0"/>
+                <a:cs typeface="Arial" pitchFamily="34" charset="0"/>
+              </a:defRPr>
+            </a:lvl6pPr>
+            <a:lvl7pPr marL="914400" algn="l" rtl="1" fontAlgn="base">
+              <a:spcBef>
+                <a:spcPct val="0"/>
+              </a:spcBef>
+              <a:spcAft>
+                <a:spcPct val="0"/>
+              </a:spcAft>
+              <a:defRPr sz="4200">
+                <a:solidFill>
+                  <a:schemeClr val="tx2"/>
+                </a:solidFill>
+                <a:latin typeface="Garamond" pitchFamily="18" charset="0"/>
+                <a:cs typeface="Arial" pitchFamily="34" charset="0"/>
+              </a:defRPr>
+            </a:lvl7pPr>
+            <a:lvl8pPr marL="1371600" algn="l" rtl="1" fontAlgn="base">
+              <a:spcBef>
+                <a:spcPct val="0"/>
+              </a:spcBef>
+              <a:spcAft>
+                <a:spcPct val="0"/>
+              </a:spcAft>
+              <a:defRPr sz="4200">
+                <a:solidFill>
+                  <a:schemeClr val="tx2"/>
+                </a:solidFill>
+                <a:latin typeface="Garamond" pitchFamily="18" charset="0"/>
+                <a:cs typeface="Arial" pitchFamily="34" charset="0"/>
+              </a:defRPr>
+            </a:lvl8pPr>
+            <a:lvl9pPr marL="1828800" algn="l" rtl="1" fontAlgn="base">
+              <a:spcBef>
+                <a:spcPct val="0"/>
+              </a:spcBef>
+              <a:spcAft>
+                <a:spcPct val="0"/>
+              </a:spcAft>
+              <a:defRPr sz="4200">
+                <a:solidFill>
+                  <a:schemeClr val="tx2"/>
+                </a:solidFill>
+                <a:latin typeface="Garamond" pitchFamily="18" charset="0"/>
+                <a:cs typeface="Arial" pitchFamily="34" charset="0"/>
+              </a:defRPr>
+            </a:lvl9pPr>
+          </a:lstStyle>
+          <a:p>
+            <a:pPr marL="0" marR="0" lvl="0" indent="0" algn="r" defTabSz="914400" rtl="1" eaLnBrk="1" fontAlgn="base" latinLnBrk="0" hangingPunct="1">
+              <a:lnSpc>
+                <a:spcPct val="100000"/>
+              </a:lnSpc>
+              <a:spcBef>
+                <a:spcPct val="0"/>
+              </a:spcBef>
+              <a:spcAft>
+                <a:spcPct val="0"/>
+              </a:spcAft>
+              <a:buClrTx/>
+              <a:buSzTx/>
+              <a:buFontTx/>
+              <a:buNone/>
+              <a:tabLst/>
+              <a:defRPr/>
+            </a:pPr>
+            <a:r>
+              <a:rPr kumimoji="0" lang="he-IL" altLang="he-IL" sz="4200" b="1" i="0" u="none" strike="noStrike" kern="0" cap="none" spc="0" normalizeH="0" baseline="0" noProof="0" dirty="0" smtClean="0">
+                <a:ln>
+                  <a:noFill/>
+                </a:ln>
+                <a:solidFill>
+                  <a:srgbClr val="006633"/>
+                </a:solidFill>
+                <a:effectLst/>
+                <a:uLnTx/>
+                <a:uFillTx/>
+                <a:latin typeface="Garamond"/>
+                <a:ea typeface="+mj-ea"/>
+                <a:cs typeface="Arial"/>
+              </a:rPr>
+              <a:t>תרגיל </a:t>
+            </a:r>
+            <a:r>
+              <a:rPr kumimoji="0" lang="en-US" altLang="he-IL" sz="4200" b="1" i="0" u="none" strike="noStrike" kern="0" cap="none" spc="0" normalizeH="0" baseline="0" noProof="0" dirty="0" smtClean="0">
+                <a:ln>
+                  <a:noFill/>
+                </a:ln>
+                <a:solidFill>
+                  <a:srgbClr val="006633"/>
+                </a:solidFill>
+                <a:effectLst/>
+                <a:uLnTx/>
+                <a:uFillTx/>
+                <a:latin typeface="Garamond"/>
+                <a:ea typeface="+mj-ea"/>
+                <a:cs typeface="Arial"/>
+              </a:rPr>
+              <a:t>6</a:t>
+            </a:r>
+            <a:endParaRPr kumimoji="0" lang="en-US" altLang="he-IL" sz="4200" b="1" i="0" u="none" strike="noStrike" kern="0" cap="none" spc="0" normalizeH="0" baseline="0" noProof="0" dirty="0">
+              <a:ln>
+                <a:noFill/>
+              </a:ln>
+              <a:solidFill>
+                <a:srgbClr val="006633"/>
+              </a:solidFill>
+              <a:effectLst/>
+              <a:uLnTx/>
+              <a:uFillTx/>
+              <a:latin typeface="Garamond"/>
+              <a:ea typeface="+mj-ea"/>
+              <a:cs typeface="Arial"/>
+            </a:endParaRPr>
+          </a:p>
+        </p:txBody>
+      </p:sp>
+      <p:sp>
+        <p:nvSpPr>
+          <p:cNvPr id="2" name="Rectangle 1"/>
+          <p:cNvSpPr/>
+          <p:nvPr/>
+        </p:nvSpPr>
+        <p:spPr>
+          <a:xfrm>
+            <a:off x="1267968" y="1215104"/>
+            <a:ext cx="9875520" cy="923330"/>
+          </a:xfrm>
+          <a:prstGeom prst="rect">
+            <a:avLst/>
+          </a:prstGeom>
+        </p:spPr>
+        <p:txBody>
+          <a:bodyPr wrap="square">
+            <a:spAutoFit/>
+          </a:bodyPr>
+          <a:lstStyle/>
+          <a:p>
+            <a:r>
+              <a:rPr lang="he-IL" smtClean="0">
+                <a:latin typeface="ArialMT"/>
+              </a:rPr>
+              <a:t>כתבו פעולה (פונקציה) המקבלת תור של מספרים שלמים ומחזירה את סכום האיברים הזוגיים הנמצאים בו.</a:t>
+            </a:r>
+          </a:p>
+          <a:p>
+            <a:r>
+              <a:rPr lang="he-IL" smtClean="0">
+                <a:latin typeface="ArialMT"/>
+              </a:rPr>
+              <a:t>אחרי הפעלת פונקציה, התור יישאר ללא מספרים זוגיים.</a:t>
+            </a:r>
+          </a:p>
+          <a:p>
+            <a:r>
+              <a:rPr lang="he-IL" smtClean="0">
+                <a:latin typeface="ArialMT"/>
+              </a:rPr>
+              <a:t>מה סיבוכיות של אלגוריתם?</a:t>
+            </a:r>
+            <a:endParaRPr lang="en-US" dirty="0"/>
+          </a:p>
+        </p:txBody>
+      </p:sp>
+      <p:sp>
+        <p:nvSpPr>
+          <p:cNvPr id="5" name="Rectangle 4"/>
+          <p:cNvSpPr/>
+          <p:nvPr/>
+        </p:nvSpPr>
+        <p:spPr>
+          <a:xfrm>
+            <a:off x="621792" y="2118884"/>
+            <a:ext cx="6096000" cy="3693319"/>
+          </a:xfrm>
+          <a:prstGeom prst="rect">
+            <a:avLst/>
+          </a:prstGeom>
+        </p:spPr>
+        <p:txBody>
+          <a:bodyPr>
+            <a:spAutoFit/>
+          </a:bodyPr>
+          <a:lstStyle/>
+          <a:p>
+            <a:pPr algn="l" rtl="0"/>
+            <a:r>
+              <a:rPr lang="en-US" b="1" dirty="0"/>
+              <a:t>function </a:t>
+            </a:r>
+            <a:r>
+              <a:rPr lang="en-US" b="1" dirty="0" err="1"/>
+              <a:t>sum_of_even_numbers</a:t>
+            </a:r>
+            <a:r>
+              <a:rPr lang="en-US" b="1" dirty="0"/>
+              <a:t>(queue):</a:t>
+            </a:r>
+          </a:p>
+          <a:p>
+            <a:pPr algn="l" rtl="0"/>
+            <a:r>
+              <a:rPr lang="en-US" dirty="0"/>
+              <a:t>    </a:t>
+            </a:r>
+            <a:r>
+              <a:rPr lang="en-US" dirty="0" err="1"/>
+              <a:t>total_sum</a:t>
+            </a:r>
+            <a:r>
+              <a:rPr lang="en-US" dirty="0"/>
+              <a:t> = 0</a:t>
+            </a:r>
+          </a:p>
+          <a:p>
+            <a:pPr algn="l" rtl="0"/>
+            <a:r>
+              <a:rPr lang="en-US" dirty="0"/>
+              <a:t>    </a:t>
+            </a:r>
+            <a:r>
+              <a:rPr lang="en-US" dirty="0" err="1"/>
+              <a:t>even_numbers</a:t>
+            </a:r>
+            <a:r>
+              <a:rPr lang="en-US" dirty="0"/>
+              <a:t> = []</a:t>
+            </a:r>
+          </a:p>
+          <a:p>
+            <a:pPr algn="l" rtl="0"/>
+            <a:endParaRPr lang="en-US" dirty="0"/>
+          </a:p>
+          <a:p>
+            <a:pPr algn="l" rtl="0"/>
+            <a:r>
+              <a:rPr lang="en-US" dirty="0"/>
+              <a:t>    for each number in queue:</a:t>
+            </a:r>
+          </a:p>
+          <a:p>
+            <a:pPr algn="l" rtl="0"/>
+            <a:r>
+              <a:rPr lang="en-US" dirty="0"/>
+              <a:t>        if number is even:</a:t>
+            </a:r>
+          </a:p>
+          <a:p>
+            <a:pPr algn="l" rtl="0"/>
+            <a:r>
+              <a:rPr lang="en-US" dirty="0"/>
+              <a:t>            </a:t>
+            </a:r>
+            <a:r>
+              <a:rPr lang="en-US" dirty="0" err="1"/>
+              <a:t>total_sum</a:t>
+            </a:r>
+            <a:r>
+              <a:rPr lang="en-US" dirty="0"/>
+              <a:t> += number</a:t>
+            </a:r>
+          </a:p>
+          <a:p>
+            <a:pPr algn="l" rtl="0"/>
+            <a:r>
+              <a:rPr lang="en-US" dirty="0"/>
+              <a:t>            add number to </a:t>
+            </a:r>
+            <a:r>
+              <a:rPr lang="en-US" dirty="0" err="1"/>
+              <a:t>even_numbers</a:t>
+            </a:r>
+            <a:r>
+              <a:rPr lang="en-US" dirty="0"/>
+              <a:t> list</a:t>
+            </a:r>
+          </a:p>
+          <a:p>
+            <a:pPr algn="l" rtl="0"/>
+            <a:endParaRPr lang="en-US" dirty="0"/>
+          </a:p>
+          <a:p>
+            <a:pPr algn="l" rtl="0"/>
+            <a:r>
+              <a:rPr lang="en-US" dirty="0"/>
+              <a:t>    for each element in </a:t>
+            </a:r>
+            <a:r>
+              <a:rPr lang="en-US" dirty="0" err="1"/>
+              <a:t>even_numbers</a:t>
+            </a:r>
+            <a:r>
+              <a:rPr lang="en-US" dirty="0"/>
+              <a:t>:</a:t>
+            </a:r>
+          </a:p>
+          <a:p>
+            <a:pPr algn="l" rtl="0"/>
+            <a:r>
+              <a:rPr lang="en-US" dirty="0"/>
+              <a:t>        remove element from queue</a:t>
+            </a:r>
+          </a:p>
+          <a:p>
+            <a:pPr algn="l" rtl="0"/>
+            <a:endParaRPr lang="en-US" dirty="0"/>
+          </a:p>
+          <a:p>
+            <a:pPr algn="l" rtl="0"/>
+            <a:r>
+              <a:rPr lang="en-US" dirty="0"/>
+              <a:t>    return </a:t>
+            </a:r>
+            <a:r>
+              <a:rPr lang="en-US" dirty="0" err="1"/>
+              <a:t>total_sum</a:t>
+            </a:r>
+            <a:r>
+              <a:rPr lang="en-US" dirty="0"/>
+              <a:t>, queue</a:t>
+            </a:r>
+          </a:p>
+        </p:txBody>
+      </p:sp>
+      <p:sp>
+        <p:nvSpPr>
+          <p:cNvPr id="7" name="Rectangle 6"/>
+          <p:cNvSpPr/>
+          <p:nvPr/>
+        </p:nvSpPr>
+        <p:spPr>
+          <a:xfrm>
+            <a:off x="5722679" y="2710458"/>
+            <a:ext cx="6469321" cy="2308324"/>
+          </a:xfrm>
+          <a:prstGeom prst="rect">
+            <a:avLst/>
+          </a:prstGeom>
+        </p:spPr>
+        <p:txBody>
+          <a:bodyPr wrap="square">
+            <a:spAutoFit/>
+          </a:bodyPr>
+          <a:lstStyle/>
+          <a:p>
+            <a:pPr algn="l" rtl="0"/>
+            <a:r>
+              <a:rPr lang="en-US" b="1" dirty="0"/>
+              <a:t>function </a:t>
+            </a:r>
+            <a:r>
+              <a:rPr lang="en-US" b="1" dirty="0" err="1"/>
+              <a:t>removeElements</a:t>
+            </a:r>
+            <a:r>
+              <a:rPr lang="en-US" b="1" dirty="0"/>
+              <a:t>(queue, size, </a:t>
+            </a:r>
+            <a:r>
+              <a:rPr lang="en-US" b="1" dirty="0" err="1"/>
+              <a:t>elementsToRemove</a:t>
+            </a:r>
+            <a:r>
+              <a:rPr lang="en-US" b="1" dirty="0"/>
+              <a:t>, </a:t>
+            </a:r>
+            <a:r>
+              <a:rPr lang="en-US" b="1" dirty="0" err="1"/>
+              <a:t>numElementsToRemove</a:t>
+            </a:r>
+            <a:r>
+              <a:rPr lang="en-US" b="1" dirty="0"/>
+              <a:t>):</a:t>
+            </a:r>
+          </a:p>
+          <a:p>
+            <a:pPr algn="l" rtl="0"/>
+            <a:r>
+              <a:rPr lang="en-US" dirty="0"/>
+              <a:t>    for each </a:t>
+            </a:r>
+            <a:r>
+              <a:rPr lang="en-US" dirty="0" err="1"/>
+              <a:t>elementToRemove</a:t>
+            </a:r>
+            <a:r>
+              <a:rPr lang="en-US" dirty="0"/>
+              <a:t> in </a:t>
+            </a:r>
+            <a:r>
+              <a:rPr lang="en-US" dirty="0" err="1"/>
+              <a:t>elementsToRemove</a:t>
+            </a:r>
+            <a:r>
+              <a:rPr lang="en-US" dirty="0"/>
+              <a:t>:</a:t>
+            </a:r>
+          </a:p>
+          <a:p>
+            <a:pPr algn="l" rtl="0"/>
+            <a:r>
+              <a:rPr lang="en-US" dirty="0"/>
+              <a:t>        for each element in queue:</a:t>
+            </a:r>
+          </a:p>
+          <a:p>
+            <a:pPr algn="l" rtl="0"/>
+            <a:r>
+              <a:rPr lang="en-US" dirty="0"/>
+              <a:t>            if element is equal to </a:t>
+            </a:r>
+            <a:r>
+              <a:rPr lang="en-US" dirty="0" err="1"/>
+              <a:t>elementToRemove</a:t>
+            </a:r>
+            <a:r>
+              <a:rPr lang="en-US" dirty="0"/>
+              <a:t>:</a:t>
+            </a:r>
+          </a:p>
+          <a:p>
+            <a:pPr algn="l" rtl="0"/>
+            <a:r>
+              <a:rPr lang="en-US" dirty="0" smtClean="0"/>
+              <a:t>	for k from index of element to size - 2:</a:t>
+            </a:r>
+          </a:p>
+          <a:p>
+            <a:pPr algn="l" rtl="0"/>
+            <a:r>
+              <a:rPr lang="en-US" dirty="0" smtClean="0"/>
+              <a:t>                    </a:t>
+            </a:r>
+            <a:r>
+              <a:rPr lang="en-US" dirty="0"/>
+              <a:t>queue[k] = queue[k + 1]</a:t>
+            </a:r>
+          </a:p>
+          <a:p>
+            <a:pPr algn="l" rtl="0"/>
+            <a:r>
+              <a:rPr lang="en-US" dirty="0"/>
+              <a:t>                size = size - </a:t>
+            </a:r>
+            <a:r>
+              <a:rPr lang="en-US" dirty="0" smtClean="0"/>
+              <a:t>1</a:t>
+            </a:r>
+            <a:endParaRPr lang="en-US" dirty="0"/>
+          </a:p>
+        </p:txBody>
+      </p:sp>
+    </p:spTree>
+    <p:extLst>
+      <p:ext uri="{BB962C8B-B14F-4D97-AF65-F5344CB8AC3E}">
+        <p14:creationId xmlns:p14="http://schemas.microsoft.com/office/powerpoint/2010/main" val="3058049307"/>
+      </p:ext>
+    </p:extLst>
+  </p:cSld>
+  <p:clrMapOvr>
+    <a:masterClrMapping/>
+  </p:clrMapOvr>
+</p:sld>
+</file>
+
+<file path=ppt/slides/slide16.xml><?xml version="1.0" encoding="utf-8"?>
 <p:sld xmlns:a="http://schemas.openxmlformats.org/drawingml/2006/main" xmlns:r="http://schemas.openxmlformats.org/officeDocument/2006/relationships" xmlns:p="http://schemas.openxmlformats.org/presentationml/2006/main">
   <p:cSld>
     <p:bg>
@@ -8763,6 +10378,13 @@
   <p:clrMapOvr>
     <a:masterClrMapping/>
   </p:clrMapOvr>
+  <p:timing>
+    <p:tnLst>
+      <p:par>
+        <p:cTn id="1" dur="indefinite" restart="never" nodeType="tmRoot"/>
+      </p:par>
+    </p:tnLst>
+  </p:timing>
 </p:sld>
 </file>
 
@@ -9477,10 +11099,589 @@
   <p:clrMapOvr>
     <a:masterClrMapping/>
   </p:clrMapOvr>
+  <p:timing>
+    <p:tnLst>
+      <p:par>
+        <p:cTn id="1" dur="indefinite" restart="never" nodeType="tmRoot"/>
+      </p:par>
+    </p:tnLst>
+  </p:timing>
 </p:sld>
 </file>
 
 <file path=ppt/slides/slide6.xml><?xml version="1.0" encoding="utf-8"?>
+<p:sld xmlns:a="http://schemas.openxmlformats.org/drawingml/2006/main" xmlns:r="http://schemas.openxmlformats.org/officeDocument/2006/relationships" xmlns:p="http://schemas.openxmlformats.org/presentationml/2006/main">
+  <p:cSld>
+    <p:bg>
+      <p:bgPr>
+        <a:blipFill dpi="0" rotWithShape="1">
+          <a:blip r:embed="rId3">
+            <a:lum/>
+          </a:blip>
+          <a:srcRect/>
+          <a:stretch>
+            <a:fillRect/>
+          </a:stretch>
+        </a:blipFill>
+        <a:effectLst/>
+      </p:bgPr>
+    </p:bg>
+    <p:spTree>
+      <p:nvGrpSpPr>
+        <p:cNvPr id="1" name=""/>
+        <p:cNvGrpSpPr/>
+        <p:nvPr/>
+      </p:nvGrpSpPr>
+      <p:grpSpPr>
+        <a:xfrm>
+          <a:off x="0" y="0"/>
+          <a:ext cx="0" cy="0"/>
+          <a:chOff x="0" y="0"/>
+          <a:chExt cx="0" cy="0"/>
+        </a:xfrm>
+      </p:grpSpPr>
+      <p:sp>
+        <p:nvSpPr>
+          <p:cNvPr id="3" name="Rectangle 3">
+            <a:extLst>
+              <a:ext uri="{FF2B5EF4-FFF2-40B4-BE49-F238E27FC236}">
+                <a16:creationId xmlns:a16="http://schemas.microsoft.com/office/drawing/2014/main" id="{5BEB75EE-0B9B-1391-1B55-ADB142E9C6DB}"/>
+              </a:ext>
+            </a:extLst>
+          </p:cNvPr>
+          <p:cNvSpPr>
+            <a:spLocks noGrp="1" noChangeArrowheads="1"/>
+          </p:cNvSpPr>
+          <p:nvPr/>
+        </p:nvSpPr>
+        <p:spPr bwMode="auto">
+          <a:xfrm>
+            <a:off x="7327392" y="543528"/>
+            <a:ext cx="3870418" cy="1139825"/>
+          </a:xfrm>
+          <a:prstGeom prst="rect">
+            <a:avLst/>
+          </a:prstGeom>
+          <a:noFill/>
+          <a:ln>
+            <a:noFill/>
+          </a:ln>
+          <a:effectLst/>
+          <a:extLst>
+            <a:ext uri="{909E8E84-426E-40DD-AFC4-6F175D3DCCD1}">
+              <a14:hiddenFill xmlns:a14="http://schemas.microsoft.com/office/drawing/2010/main">
+                <a:solidFill>
+                  <a:schemeClr val="accent1"/>
+                </a:solidFill>
+              </a14:hiddenFill>
+            </a:ext>
+            <a:ext uri="{91240B29-F687-4F45-9708-019B960494DF}">
+              <a14:hiddenLine xmlns:a14="http://schemas.microsoft.com/office/drawing/2010/main" w="9525">
+                <a:solidFill>
+                  <a:schemeClr val="tx1"/>
+                </a:solidFill>
+                <a:miter lim="800000"/>
+                <a:headEnd/>
+                <a:tailEnd/>
+              </a14:hiddenLine>
+            </a:ext>
+            <a:ext uri="{AF507438-7753-43E0-B8FC-AC1667EBCBE1}">
+              <a14:hiddenEffects xmlns:a14="http://schemas.microsoft.com/office/drawing/2010/main">
+                <a:effectLst>
+                  <a:outerShdw dist="35921" dir="2700000" algn="ctr" rotWithShape="0">
+                    <a:schemeClr val="bg2"/>
+                  </a:outerShdw>
+                </a:effectLst>
+              </a14:hiddenEffects>
+            </a:ext>
+          </a:extLst>
+        </p:spPr>
+        <p:txBody>
+          <a:bodyPr vert="horz" wrap="square" lIns="91440" tIns="45720" rIns="91440" bIns="45720" numCol="1" anchor="t" anchorCtr="0" compatLnSpc="1">
+            <a:prstTxWarp prst="textNoShape">
+              <a:avLst/>
+            </a:prstTxWarp>
+          </a:bodyPr>
+          <a:lstStyle>
+            <a:lvl1pPr algn="l" rtl="1" eaLnBrk="0" fontAlgn="base" hangingPunct="0">
+              <a:spcBef>
+                <a:spcPct val="0"/>
+              </a:spcBef>
+              <a:spcAft>
+                <a:spcPct val="0"/>
+              </a:spcAft>
+              <a:defRPr sz="4200">
+                <a:solidFill>
+                  <a:schemeClr val="tx2"/>
+                </a:solidFill>
+                <a:latin typeface="+mj-lt"/>
+                <a:ea typeface="+mj-ea"/>
+                <a:cs typeface="+mj-cs"/>
+              </a:defRPr>
+            </a:lvl1pPr>
+            <a:lvl2pPr algn="l" rtl="1" eaLnBrk="0" fontAlgn="base" hangingPunct="0">
+              <a:spcBef>
+                <a:spcPct val="0"/>
+              </a:spcBef>
+              <a:spcAft>
+                <a:spcPct val="0"/>
+              </a:spcAft>
+              <a:defRPr sz="4200">
+                <a:solidFill>
+                  <a:schemeClr val="tx2"/>
+                </a:solidFill>
+                <a:latin typeface="Garamond" pitchFamily="18" charset="0"/>
+                <a:cs typeface="Arial" pitchFamily="34" charset="0"/>
+              </a:defRPr>
+            </a:lvl2pPr>
+            <a:lvl3pPr algn="l" rtl="1" eaLnBrk="0" fontAlgn="base" hangingPunct="0">
+              <a:spcBef>
+                <a:spcPct val="0"/>
+              </a:spcBef>
+              <a:spcAft>
+                <a:spcPct val="0"/>
+              </a:spcAft>
+              <a:defRPr sz="4200">
+                <a:solidFill>
+                  <a:schemeClr val="tx2"/>
+                </a:solidFill>
+                <a:latin typeface="Garamond" pitchFamily="18" charset="0"/>
+                <a:cs typeface="Arial" pitchFamily="34" charset="0"/>
+              </a:defRPr>
+            </a:lvl3pPr>
+            <a:lvl4pPr algn="l" rtl="1" eaLnBrk="0" fontAlgn="base" hangingPunct="0">
+              <a:spcBef>
+                <a:spcPct val="0"/>
+              </a:spcBef>
+              <a:spcAft>
+                <a:spcPct val="0"/>
+              </a:spcAft>
+              <a:defRPr sz="4200">
+                <a:solidFill>
+                  <a:schemeClr val="tx2"/>
+                </a:solidFill>
+                <a:latin typeface="Garamond" pitchFamily="18" charset="0"/>
+                <a:cs typeface="Arial" pitchFamily="34" charset="0"/>
+              </a:defRPr>
+            </a:lvl4pPr>
+            <a:lvl5pPr algn="l" rtl="1" eaLnBrk="0" fontAlgn="base" hangingPunct="0">
+              <a:spcBef>
+                <a:spcPct val="0"/>
+              </a:spcBef>
+              <a:spcAft>
+                <a:spcPct val="0"/>
+              </a:spcAft>
+              <a:defRPr sz="4200">
+                <a:solidFill>
+                  <a:schemeClr val="tx2"/>
+                </a:solidFill>
+                <a:latin typeface="Garamond" pitchFamily="18" charset="0"/>
+                <a:cs typeface="Arial" pitchFamily="34" charset="0"/>
+              </a:defRPr>
+            </a:lvl5pPr>
+            <a:lvl6pPr marL="457200" algn="l" rtl="1" fontAlgn="base">
+              <a:spcBef>
+                <a:spcPct val="0"/>
+              </a:spcBef>
+              <a:spcAft>
+                <a:spcPct val="0"/>
+              </a:spcAft>
+              <a:defRPr sz="4200">
+                <a:solidFill>
+                  <a:schemeClr val="tx2"/>
+                </a:solidFill>
+                <a:latin typeface="Garamond" pitchFamily="18" charset="0"/>
+                <a:cs typeface="Arial" pitchFamily="34" charset="0"/>
+              </a:defRPr>
+            </a:lvl6pPr>
+            <a:lvl7pPr marL="914400" algn="l" rtl="1" fontAlgn="base">
+              <a:spcBef>
+                <a:spcPct val="0"/>
+              </a:spcBef>
+              <a:spcAft>
+                <a:spcPct val="0"/>
+              </a:spcAft>
+              <a:defRPr sz="4200">
+                <a:solidFill>
+                  <a:schemeClr val="tx2"/>
+                </a:solidFill>
+                <a:latin typeface="Garamond" pitchFamily="18" charset="0"/>
+                <a:cs typeface="Arial" pitchFamily="34" charset="0"/>
+              </a:defRPr>
+            </a:lvl7pPr>
+            <a:lvl8pPr marL="1371600" algn="l" rtl="1" fontAlgn="base">
+              <a:spcBef>
+                <a:spcPct val="0"/>
+              </a:spcBef>
+              <a:spcAft>
+                <a:spcPct val="0"/>
+              </a:spcAft>
+              <a:defRPr sz="4200">
+                <a:solidFill>
+                  <a:schemeClr val="tx2"/>
+                </a:solidFill>
+                <a:latin typeface="Garamond" pitchFamily="18" charset="0"/>
+                <a:cs typeface="Arial" pitchFamily="34" charset="0"/>
+              </a:defRPr>
+            </a:lvl8pPr>
+            <a:lvl9pPr marL="1828800" algn="l" rtl="1" fontAlgn="base">
+              <a:spcBef>
+                <a:spcPct val="0"/>
+              </a:spcBef>
+              <a:spcAft>
+                <a:spcPct val="0"/>
+              </a:spcAft>
+              <a:defRPr sz="4200">
+                <a:solidFill>
+                  <a:schemeClr val="tx2"/>
+                </a:solidFill>
+                <a:latin typeface="Garamond" pitchFamily="18" charset="0"/>
+                <a:cs typeface="Arial" pitchFamily="34" charset="0"/>
+              </a:defRPr>
+            </a:lvl9pPr>
+          </a:lstStyle>
+          <a:p>
+            <a:pPr algn="ctr" eaLnBrk="1" hangingPunct="1"/>
+            <a:r>
+              <a:rPr lang="en-US" altLang="he-IL" sz="3200" kern="0" dirty="0">
+                <a:solidFill>
+                  <a:srgbClr val="006633"/>
+                </a:solidFill>
+                <a:latin typeface="Garamond"/>
+                <a:cs typeface="Arial"/>
+              </a:rPr>
+              <a:t>Time Complexities of </a:t>
+            </a:r>
+            <a:endParaRPr lang="en-US" altLang="he-IL" sz="3200" kern="0" dirty="0" smtClean="0">
+              <a:solidFill>
+                <a:srgbClr val="006633"/>
+              </a:solidFill>
+              <a:latin typeface="Garamond"/>
+              <a:cs typeface="Arial"/>
+            </a:endParaRPr>
+          </a:p>
+          <a:p>
+            <a:pPr algn="ctr" eaLnBrk="1" hangingPunct="1"/>
+            <a:r>
+              <a:rPr lang="en-US" altLang="he-IL" sz="3200" kern="0" dirty="0" smtClean="0">
+                <a:solidFill>
+                  <a:srgbClr val="006633"/>
+                </a:solidFill>
+                <a:latin typeface="Garamond"/>
+                <a:cs typeface="Arial"/>
+              </a:rPr>
+              <a:t>all </a:t>
+            </a:r>
+            <a:r>
+              <a:rPr lang="en-US" altLang="he-IL" sz="3200" kern="0" dirty="0">
+                <a:solidFill>
+                  <a:srgbClr val="006633"/>
+                </a:solidFill>
+                <a:latin typeface="Garamond"/>
+                <a:cs typeface="Arial"/>
+              </a:rPr>
+              <a:t>Sorting Algorithms</a:t>
+            </a:r>
+            <a:endParaRPr lang="en-US" altLang="he-IL" sz="3200" kern="0" dirty="0">
+              <a:solidFill>
+                <a:srgbClr val="006633"/>
+              </a:solidFill>
+              <a:latin typeface="Garamond"/>
+              <a:cs typeface="Arial"/>
+            </a:endParaRPr>
+          </a:p>
+        </p:txBody>
+      </p:sp>
+      <p:sp>
+        <p:nvSpPr>
+          <p:cNvPr id="4" name="Rectangle 4">
+            <a:extLst>
+              <a:ext uri="{FF2B5EF4-FFF2-40B4-BE49-F238E27FC236}">
+                <a16:creationId xmlns:a16="http://schemas.microsoft.com/office/drawing/2014/main" id="{3FA352FF-5D78-3670-CDFA-7CF68B7F8904}"/>
+              </a:ext>
+            </a:extLst>
+          </p:cNvPr>
+          <p:cNvSpPr>
+            <a:spLocks noChangeArrowheads="1"/>
+          </p:cNvSpPr>
+          <p:nvPr/>
+        </p:nvSpPr>
+        <p:spPr bwMode="auto">
+          <a:xfrm>
+            <a:off x="1904206" y="1262856"/>
+            <a:ext cx="8229600" cy="5005388"/>
+          </a:xfrm>
+          <a:prstGeom prst="rect">
+            <a:avLst/>
+          </a:prstGeom>
+          <a:noFill/>
+          <a:ln>
+            <a:noFill/>
+          </a:ln>
+          <a:effectLst/>
+          <a:extLst>
+            <a:ext uri="{909E8E84-426E-40DD-AFC4-6F175D3DCCD1}">
+              <a14:hiddenFill xmlns:a14="http://schemas.microsoft.com/office/drawing/2010/main">
+                <a:solidFill>
+                  <a:schemeClr val="accent1"/>
+                </a:solidFill>
+              </a14:hiddenFill>
+            </a:ext>
+            <a:ext uri="{91240B29-F687-4F45-9708-019B960494DF}">
+              <a14:hiddenLine xmlns:a14="http://schemas.microsoft.com/office/drawing/2010/main" w="9525">
+                <a:solidFill>
+                  <a:schemeClr val="tx1"/>
+                </a:solidFill>
+                <a:miter lim="800000"/>
+                <a:headEnd/>
+                <a:tailEnd/>
+              </a14:hiddenLine>
+            </a:ext>
+            <a:ext uri="{AF507438-7753-43E0-B8FC-AC1667EBCBE1}">
+              <a14:hiddenEffects xmlns:a14="http://schemas.microsoft.com/office/drawing/2010/main">
+                <a:effectLst>
+                  <a:outerShdw dist="35921" dir="2700000" algn="ctr" rotWithShape="0">
+                    <a:schemeClr val="bg2"/>
+                  </a:outerShdw>
+                </a:effectLst>
+              </a14:hiddenEffects>
+            </a:ext>
+          </a:extLst>
+        </p:spPr>
+        <p:txBody>
+          <a:bodyPr/>
+          <a:lstStyle>
+            <a:defPPr>
+              <a:defRPr lang="he-IL"/>
+            </a:defPPr>
+            <a:lvl1pPr algn="r" rtl="1" fontAlgn="base">
+              <a:spcBef>
+                <a:spcPct val="0"/>
+              </a:spcBef>
+              <a:spcAft>
+                <a:spcPct val="0"/>
+              </a:spcAft>
+              <a:defRPr kern="1200" baseline="30000">
+                <a:solidFill>
+                  <a:schemeClr val="tx1"/>
+                </a:solidFill>
+                <a:latin typeface="Arial" panose="020B0604020202020204" pitchFamily="34" charset="0"/>
+                <a:ea typeface="+mn-ea"/>
+                <a:cs typeface="Arial" panose="020B0604020202020204" pitchFamily="34" charset="0"/>
+              </a:defRPr>
+            </a:lvl1pPr>
+            <a:lvl2pPr marL="457200" algn="r" rtl="1" fontAlgn="base">
+              <a:spcBef>
+                <a:spcPct val="0"/>
+              </a:spcBef>
+              <a:spcAft>
+                <a:spcPct val="0"/>
+              </a:spcAft>
+              <a:defRPr kern="1200" baseline="30000">
+                <a:solidFill>
+                  <a:schemeClr val="tx1"/>
+                </a:solidFill>
+                <a:latin typeface="Arial" panose="020B0604020202020204" pitchFamily="34" charset="0"/>
+                <a:ea typeface="+mn-ea"/>
+                <a:cs typeface="Arial" panose="020B0604020202020204" pitchFamily="34" charset="0"/>
+              </a:defRPr>
+            </a:lvl2pPr>
+            <a:lvl3pPr marL="914400" algn="r" rtl="1" fontAlgn="base">
+              <a:spcBef>
+                <a:spcPct val="0"/>
+              </a:spcBef>
+              <a:spcAft>
+                <a:spcPct val="0"/>
+              </a:spcAft>
+              <a:defRPr kern="1200" baseline="30000">
+                <a:solidFill>
+                  <a:schemeClr val="tx1"/>
+                </a:solidFill>
+                <a:latin typeface="Arial" panose="020B0604020202020204" pitchFamily="34" charset="0"/>
+                <a:ea typeface="+mn-ea"/>
+                <a:cs typeface="Arial" panose="020B0604020202020204" pitchFamily="34" charset="0"/>
+              </a:defRPr>
+            </a:lvl3pPr>
+            <a:lvl4pPr marL="1371600" algn="r" rtl="1" fontAlgn="base">
+              <a:spcBef>
+                <a:spcPct val="0"/>
+              </a:spcBef>
+              <a:spcAft>
+                <a:spcPct val="0"/>
+              </a:spcAft>
+              <a:defRPr kern="1200" baseline="30000">
+                <a:solidFill>
+                  <a:schemeClr val="tx1"/>
+                </a:solidFill>
+                <a:latin typeface="Arial" panose="020B0604020202020204" pitchFamily="34" charset="0"/>
+                <a:ea typeface="+mn-ea"/>
+                <a:cs typeface="Arial" panose="020B0604020202020204" pitchFamily="34" charset="0"/>
+              </a:defRPr>
+            </a:lvl4pPr>
+            <a:lvl5pPr marL="1828800" algn="r" rtl="1" fontAlgn="base">
+              <a:spcBef>
+                <a:spcPct val="0"/>
+              </a:spcBef>
+              <a:spcAft>
+                <a:spcPct val="0"/>
+              </a:spcAft>
+              <a:defRPr kern="1200" baseline="30000">
+                <a:solidFill>
+                  <a:schemeClr val="tx1"/>
+                </a:solidFill>
+                <a:latin typeface="Arial" panose="020B0604020202020204" pitchFamily="34" charset="0"/>
+                <a:ea typeface="+mn-ea"/>
+                <a:cs typeface="Arial" panose="020B0604020202020204" pitchFamily="34" charset="0"/>
+              </a:defRPr>
+            </a:lvl5pPr>
+            <a:lvl6pPr marL="2286000" algn="l" defTabSz="914400" rtl="0" eaLnBrk="1" latinLnBrk="0" hangingPunct="1">
+              <a:defRPr kern="1200" baseline="30000">
+                <a:solidFill>
+                  <a:schemeClr val="tx1"/>
+                </a:solidFill>
+                <a:latin typeface="Arial" panose="020B0604020202020204" pitchFamily="34" charset="0"/>
+                <a:ea typeface="+mn-ea"/>
+                <a:cs typeface="Arial" panose="020B0604020202020204" pitchFamily="34" charset="0"/>
+              </a:defRPr>
+            </a:lvl6pPr>
+            <a:lvl7pPr marL="2743200" algn="l" defTabSz="914400" rtl="0" eaLnBrk="1" latinLnBrk="0" hangingPunct="1">
+              <a:defRPr kern="1200" baseline="30000">
+                <a:solidFill>
+                  <a:schemeClr val="tx1"/>
+                </a:solidFill>
+                <a:latin typeface="Arial" panose="020B0604020202020204" pitchFamily="34" charset="0"/>
+                <a:ea typeface="+mn-ea"/>
+                <a:cs typeface="Arial" panose="020B0604020202020204" pitchFamily="34" charset="0"/>
+              </a:defRPr>
+            </a:lvl7pPr>
+            <a:lvl8pPr marL="3200400" algn="l" defTabSz="914400" rtl="0" eaLnBrk="1" latinLnBrk="0" hangingPunct="1">
+              <a:defRPr kern="1200" baseline="30000">
+                <a:solidFill>
+                  <a:schemeClr val="tx1"/>
+                </a:solidFill>
+                <a:latin typeface="Arial" panose="020B0604020202020204" pitchFamily="34" charset="0"/>
+                <a:ea typeface="+mn-ea"/>
+                <a:cs typeface="Arial" panose="020B0604020202020204" pitchFamily="34" charset="0"/>
+              </a:defRPr>
+            </a:lvl8pPr>
+            <a:lvl9pPr marL="3657600" algn="l" defTabSz="914400" rtl="0" eaLnBrk="1" latinLnBrk="0" hangingPunct="1">
+              <a:defRPr kern="1200" baseline="30000">
+                <a:solidFill>
+                  <a:schemeClr val="tx1"/>
+                </a:solidFill>
+                <a:latin typeface="Arial" panose="020B0604020202020204" pitchFamily="34" charset="0"/>
+                <a:ea typeface="+mn-ea"/>
+                <a:cs typeface="Arial" panose="020B0604020202020204" pitchFamily="34" charset="0"/>
+              </a:defRPr>
+            </a:lvl9pPr>
+          </a:lstStyle>
+          <a:p>
+            <a:pPr eaLnBrk="1" hangingPunct="1">
+              <a:lnSpc>
+                <a:spcPct val="90000"/>
+              </a:lnSpc>
+              <a:spcBef>
+                <a:spcPct val="20000"/>
+              </a:spcBef>
+              <a:buClr>
+                <a:schemeClr val="accent1"/>
+              </a:buClr>
+              <a:buSzPct val="65000"/>
+              <a:buFont typeface="Wingdings" panose="05000000000000000000" pitchFamily="2" charset="2"/>
+              <a:buChar char="n"/>
+            </a:pPr>
+            <a:endParaRPr lang="en-US" altLang="he-IL" sz="2900" baseline="0" dirty="0"/>
+          </a:p>
+          <a:p>
+            <a:pPr eaLnBrk="1" hangingPunct="1">
+              <a:lnSpc>
+                <a:spcPct val="90000"/>
+              </a:lnSpc>
+              <a:spcBef>
+                <a:spcPct val="20000"/>
+              </a:spcBef>
+              <a:buClr>
+                <a:schemeClr val="accent1"/>
+              </a:buClr>
+              <a:buSzPct val="65000"/>
+              <a:buFont typeface="Wingdings" panose="05000000000000000000" pitchFamily="2" charset="2"/>
+              <a:buChar char="n"/>
+            </a:pPr>
+            <a:endParaRPr lang="he-IL" altLang="he-IL" sz="2900" baseline="0" dirty="0"/>
+          </a:p>
+          <a:p>
+            <a:pPr lvl="1" eaLnBrk="1" hangingPunct="1">
+              <a:lnSpc>
+                <a:spcPct val="90000"/>
+              </a:lnSpc>
+              <a:spcBef>
+                <a:spcPct val="20000"/>
+              </a:spcBef>
+              <a:buClr>
+                <a:schemeClr val="accent2"/>
+              </a:buClr>
+              <a:buSzPct val="60000"/>
+              <a:buFont typeface="Wingdings" panose="05000000000000000000" pitchFamily="2" charset="2"/>
+              <a:buChar char="q"/>
+            </a:pPr>
+            <a:endParaRPr lang="en-US" altLang="he-IL" sz="2200" baseline="0" dirty="0">
+              <a:latin typeface="Courier New" panose="02070309020205020404" pitchFamily="49" charset="0"/>
+              <a:cs typeface="Courier New" panose="02070309020205020404" pitchFamily="49" charset="0"/>
+            </a:endParaRPr>
+          </a:p>
+        </p:txBody>
+      </p:sp>
+      <p:pic>
+        <p:nvPicPr>
+          <p:cNvPr id="11" name="Picture 10"/>
+          <p:cNvPicPr>
+            <a:picLocks noChangeAspect="1"/>
+          </p:cNvPicPr>
+          <p:nvPr/>
+        </p:nvPicPr>
+        <p:blipFill>
+          <a:blip r:embed="rId4">
+            <a:extLst>
+              <a:ext uri="{28A0092B-C50C-407E-A947-70E740481C1C}">
+                <a14:useLocalDpi xmlns:a14="http://schemas.microsoft.com/office/drawing/2010/main" val="0"/>
+              </a:ext>
+            </a:extLst>
+          </a:blip>
+          <a:stretch>
+            <a:fillRect/>
+          </a:stretch>
+        </p:blipFill>
+        <p:spPr>
+          <a:xfrm>
+            <a:off x="2382464" y="244413"/>
+            <a:ext cx="4274367" cy="5805256"/>
+          </a:xfrm>
+          <a:prstGeom prst="rect">
+            <a:avLst/>
+          </a:prstGeom>
+        </p:spPr>
+      </p:pic>
+    </p:spTree>
+    <p:extLst>
+      <p:ext uri="{BB962C8B-B14F-4D97-AF65-F5344CB8AC3E}">
+        <p14:creationId xmlns:p14="http://schemas.microsoft.com/office/powerpoint/2010/main" val="3547323872"/>
+      </p:ext>
+    </p:extLst>
+  </p:cSld>
+  <p:clrMapOvr>
+    <a:masterClrMapping/>
+  </p:clrMapOvr>
+  <p:timing>
+    <p:tnLst>
+      <p:par>
+        <p:cTn id="1" dur="indefinite" restart="never" nodeType="tmRoot"/>
+      </p:par>
+    </p:tnLst>
+  </p:timing>
+</p:sld>
+</file>
+
+<file path=ppt/slides/slide7.xml><?xml version="1.0" encoding="utf-8"?>
 <p:sld xmlns:a="http://schemas.openxmlformats.org/drawingml/2006/main" xmlns:r="http://schemas.openxmlformats.org/officeDocument/2006/relationships" xmlns:p="http://schemas.openxmlformats.org/presentationml/2006/main">
   <p:cSld>
     <p:bg>
@@ -9724,7 +11925,7 @@
               <a:defRPr/>
             </a:pPr>
             <a:r>
-              <a:rPr kumimoji="0" lang="he-IL" altLang="he-IL" sz="4200" b="0" i="0" u="none" strike="noStrike" kern="0" cap="none" spc="0" normalizeH="0" baseline="0" noProof="0" dirty="0">
+              <a:rPr kumimoji="0" lang="he-IL" altLang="he-IL" sz="4200" b="1" i="0" u="none" strike="noStrike" kern="0" cap="none" spc="0" normalizeH="0" baseline="0" noProof="0" dirty="0">
                 <a:ln>
                   <a:noFill/>
                 </a:ln>
@@ -9741,7 +11942,7 @@
               <a:t>תרגיל</a:t>
             </a:r>
             <a:r>
-              <a:rPr kumimoji="0" lang="en-US" altLang="he-IL" sz="4200" b="0" i="0" u="none" strike="noStrike" kern="0" cap="none" spc="0" normalizeH="0" baseline="0" noProof="0" dirty="0">
+              <a:rPr kumimoji="0" lang="en-US" altLang="he-IL" sz="4200" b="1" i="0" u="none" strike="noStrike" kern="0" cap="none" spc="0" normalizeH="0" baseline="0" noProof="0" dirty="0">
                 <a:ln>
                   <a:noFill/>
                 </a:ln>
@@ -9758,7 +11959,7 @@
               <a:t> </a:t>
             </a:r>
             <a:r>
-              <a:rPr kumimoji="0" lang="he-IL" altLang="he-IL" sz="4200" b="0" i="0" u="none" strike="noStrike" kern="0" cap="none" spc="0" normalizeH="0" baseline="0" noProof="0" dirty="0">
+              <a:rPr kumimoji="0" lang="he-IL" altLang="he-IL" sz="4200" b="1" i="0" u="none" strike="noStrike" kern="0" cap="none" spc="0" normalizeH="0" baseline="0" noProof="0" dirty="0">
                 <a:ln>
                   <a:noFill/>
                 </a:ln>
@@ -9775,7 +11976,7 @@
               <a:t> </a:t>
             </a:r>
             <a:r>
-              <a:rPr kumimoji="0" lang="en-US" altLang="he-IL" sz="4200" b="0" i="0" u="none" strike="noStrike" kern="0" cap="none" spc="0" normalizeH="0" baseline="0" noProof="0" dirty="0">
+              <a:rPr kumimoji="0" lang="en-US" altLang="he-IL" sz="4200" b="1" i="0" u="none" strike="noStrike" kern="0" cap="none" spc="0" normalizeH="0" baseline="0" noProof="0" dirty="0">
                 <a:ln>
                   <a:noFill/>
                 </a:ln>
@@ -9903,8 +12104,8 @@
         </p:blipFill>
         <p:spPr>
           <a:xfrm>
-            <a:off x="4743261" y="755166"/>
-            <a:ext cx="2705478" cy="1762371"/>
+            <a:off x="4737027" y="633246"/>
+            <a:ext cx="3370080" cy="2195298"/>
           </a:xfrm>
           <a:prstGeom prst="rect">
             <a:avLst/>
@@ -9943,7 +12144,9 @@
             <a:r>
               <a:rPr lang="en-US" dirty="0">
                 <a:solidFill>
-                  <a:schemeClr val="accent2"/>
+                  <a:schemeClr val="accent6">
+                    <a:lumMod val="75000"/>
+                  </a:schemeClr>
                 </a:solidFill>
                 <a:latin typeface="Söhne"/>
               </a:rPr>
@@ -9952,7 +12155,9 @@
             <a:r>
               <a:rPr lang="en-US" b="0" i="0" dirty="0">
                 <a:solidFill>
-                  <a:schemeClr val="accent2"/>
+                  <a:schemeClr val="accent6">
+                    <a:lumMod val="75000"/>
+                  </a:schemeClr>
                 </a:solidFill>
                 <a:effectLst/>
                 <a:latin typeface="Söhne"/>
@@ -9961,7 +12166,9 @@
             </a:r>
             <a:endParaRPr lang="en-US" dirty="0">
               <a:solidFill>
-                <a:schemeClr val="accent2"/>
+                <a:schemeClr val="accent6">
+                  <a:lumMod val="75000"/>
+                </a:schemeClr>
               </a:solidFill>
             </a:endParaRPr>
           </a:p>
@@ -9999,7 +12206,9 @@
             <a:r>
               <a:rPr lang="en-US" dirty="0">
                 <a:solidFill>
-                  <a:schemeClr val="accent2"/>
+                  <a:schemeClr val="accent6">
+                    <a:lumMod val="75000"/>
+                  </a:schemeClr>
                 </a:solidFill>
               </a:rPr>
               <a:t>1. **First While Loop:**</a:t>
@@ -10010,7 +12219,9 @@
             <a:r>
               <a:rPr lang="en-US" dirty="0">
                 <a:solidFill>
-                  <a:schemeClr val="accent2"/>
+                  <a:schemeClr val="accent6">
+                    <a:lumMod val="75000"/>
+                  </a:schemeClr>
                 </a:solidFill>
               </a:rPr>
               <a:t>   - The loop runs as long as ( n &gt; 0).</a:t>
@@ -10021,7 +12232,9 @@
             <a:r>
               <a:rPr lang="en-US" dirty="0">
                 <a:solidFill>
-                  <a:schemeClr val="accent2"/>
+                  <a:schemeClr val="accent6">
+                    <a:lumMod val="75000"/>
+                  </a:schemeClr>
                 </a:solidFill>
               </a:rPr>
               <a:t>   - In each iteration, it performs (O(1) ) operations (pushing onto the stack and dividing ( n) by 2).</a:t>
@@ -10032,7 +12245,9 @@
             <a:r>
               <a:rPr lang="en-US" dirty="0">
                 <a:solidFill>
-                  <a:schemeClr val="accent2"/>
+                  <a:schemeClr val="accent6">
+                    <a:lumMod val="75000"/>
+                  </a:schemeClr>
                 </a:solidFill>
               </a:rPr>
               <a:t>   - The number of iterations is determined by how many times (n) can be divided by 2 until it becomes 0.</a:t>
@@ -10043,7 +12258,9 @@
             <a:r>
               <a:rPr lang="en-US" dirty="0">
                 <a:solidFill>
-                  <a:schemeClr val="accent2"/>
+                  <a:schemeClr val="accent6">
+                    <a:lumMod val="75000"/>
+                  </a:schemeClr>
                 </a:solidFill>
               </a:rPr>
               <a:t>   - The number of iterations is roughly (O(log n)) because each iteration halves the value of ( n).</a:t>
@@ -10053,7 +12270,9 @@
             <a:pPr algn="l" rtl="0"/>
             <a:endParaRPr lang="en-US" dirty="0">
               <a:solidFill>
-                <a:schemeClr val="accent2"/>
+                <a:schemeClr val="accent6">
+                  <a:lumMod val="75000"/>
+                </a:schemeClr>
               </a:solidFill>
             </a:endParaRPr>
           </a:p>
@@ -10062,7 +12281,9 @@
             <a:r>
               <a:rPr lang="en-US" dirty="0">
                 <a:solidFill>
-                  <a:schemeClr val="accent2"/>
+                  <a:schemeClr val="accent6">
+                    <a:lumMod val="75000"/>
+                  </a:schemeClr>
                 </a:solidFill>
               </a:rPr>
               <a:t>2. **Second While Loop:**</a:t>
@@ -10073,7 +12294,9 @@
             <a:r>
               <a:rPr lang="en-US" dirty="0">
                 <a:solidFill>
-                  <a:schemeClr val="accent2"/>
+                  <a:schemeClr val="accent6">
+                    <a:lumMod val="75000"/>
+                  </a:schemeClr>
                 </a:solidFill>
               </a:rPr>
               <a:t>   - The second loop iterates until the stack is empty.</a:t>
@@ -10084,7 +12307,9 @@
             <a:r>
               <a:rPr lang="en-US" dirty="0">
                 <a:solidFill>
-                  <a:schemeClr val="accent2"/>
+                  <a:schemeClr val="accent6">
+                    <a:lumMod val="75000"/>
+                  </a:schemeClr>
                 </a:solidFill>
               </a:rPr>
               <a:t>   - In each iteration, it performs (O(1)) operations (popping from the stack and printing).</a:t>
@@ -10095,7 +12320,9 @@
             <a:r>
               <a:rPr lang="en-US" dirty="0">
                 <a:solidFill>
-                  <a:schemeClr val="accent2"/>
+                  <a:schemeClr val="accent6">
+                    <a:lumMod val="75000"/>
+                  </a:schemeClr>
                 </a:solidFill>
               </a:rPr>
               <a:t>   - The number of iterations is at most (O(log n)) because the stack was filled during the first loop.</a:t>
@@ -10106,7 +12333,9 @@
             <a:r>
               <a:rPr lang="en-US" dirty="0">
                 <a:solidFill>
-                  <a:schemeClr val="accent2"/>
+                  <a:schemeClr val="accent6">
+                    <a:lumMod val="75000"/>
+                  </a:schemeClr>
                 </a:solidFill>
               </a:rPr>
               <a:t>Therefore, the overall running time is dominated by the first while loop, and the running time of the provided pseudocode is (O(log n)).</a:t>
@@ -10117,7 +12346,9 @@
             <a:r>
               <a:rPr lang="en-US" dirty="0">
                 <a:solidFill>
-                  <a:schemeClr val="accent2"/>
+                  <a:schemeClr val="accent6">
+                    <a:lumMod val="75000"/>
+                  </a:schemeClr>
                 </a:solidFill>
               </a:rPr>
               <a:t>In Big O notation, we express this as (O(log n)), indicating that the running time grows logarithmically with the size of the input ( n).</a:t>
@@ -10262,7 +12493,7 @@
 </p:sld>
 </file>
 
-<file path=ppt/slides/slide7.xml><?xml version="1.0" encoding="utf-8"?>
+<file path=ppt/slides/slide8.xml><?xml version="1.0" encoding="utf-8"?>
 <p:sld xmlns:a="http://schemas.openxmlformats.org/drawingml/2006/main" xmlns:r="http://schemas.openxmlformats.org/officeDocument/2006/relationships" xmlns:p="http://schemas.openxmlformats.org/presentationml/2006/main">
   <p:cSld>
     <p:bg>
@@ -10488,87 +12719,45 @@
             </a:lvl9pPr>
           </a:lstStyle>
           <a:p>
-            <a:pPr marL="0" marR="0" lvl="0" indent="0" algn="r" defTabSz="914400" rtl="1" eaLnBrk="1" fontAlgn="base" latinLnBrk="0" hangingPunct="1">
-              <a:lnSpc>
-                <a:spcPct val="100000"/>
-              </a:lnSpc>
-              <a:spcBef>
-                <a:spcPct val="0"/>
-              </a:spcBef>
-              <a:spcAft>
-                <a:spcPct val="0"/>
-              </a:spcAft>
-              <a:buClrTx/>
-              <a:buSzTx/>
-              <a:buFontTx/>
-              <a:buNone/>
-              <a:tabLst/>
+            <a:pPr algn="r" eaLnBrk="1" hangingPunct="1">
               <a:defRPr/>
             </a:pPr>
             <a:r>
-              <a:rPr kumimoji="0" lang="he-IL" altLang="he-IL" sz="4200" b="0" i="0" u="none" strike="noStrike" kern="0" cap="none" spc="0" normalizeH="0" baseline="0" noProof="0" dirty="0">
-                <a:ln>
-                  <a:noFill/>
-                </a:ln>
+              <a:rPr lang="he-IL" altLang="he-IL" b="1" kern="0" dirty="0">
                 <a:solidFill>
                   <a:srgbClr val="006633"/>
                 </a:solidFill>
-                <a:effectLst/>
-                <a:uLnTx/>
-                <a:uFillTx/>
                 <a:latin typeface="Garamond"/>
-                <a:ea typeface="+mj-ea"/>
                 <a:cs typeface="Arial"/>
               </a:rPr>
               <a:t>תרגיל</a:t>
             </a:r>
             <a:r>
-              <a:rPr kumimoji="0" lang="en-US" altLang="he-IL" sz="4200" b="0" i="0" u="none" strike="noStrike" kern="0" cap="none" spc="0" normalizeH="0" baseline="0" noProof="0" dirty="0">
-                <a:ln>
-                  <a:noFill/>
-                </a:ln>
+              <a:rPr lang="en-US" altLang="he-IL" b="1" kern="0" dirty="0">
                 <a:solidFill>
                   <a:srgbClr val="006633"/>
                 </a:solidFill>
-                <a:effectLst/>
-                <a:uLnTx/>
-                <a:uFillTx/>
                 <a:latin typeface="Garamond"/>
-                <a:ea typeface="+mj-ea"/>
                 <a:cs typeface="Arial"/>
               </a:rPr>
               <a:t> </a:t>
             </a:r>
             <a:r>
-              <a:rPr kumimoji="0" lang="he-IL" altLang="he-IL" sz="4200" b="0" i="0" u="none" strike="noStrike" kern="0" cap="none" spc="0" normalizeH="0" baseline="0" noProof="0" dirty="0">
-                <a:ln>
-                  <a:noFill/>
-                </a:ln>
+              <a:rPr lang="he-IL" altLang="he-IL" b="1" kern="0" dirty="0">
                 <a:solidFill>
                   <a:srgbClr val="006633"/>
                 </a:solidFill>
-                <a:effectLst/>
-                <a:uLnTx/>
-                <a:uFillTx/>
                 <a:latin typeface="Garamond"/>
-                <a:ea typeface="+mj-ea"/>
                 <a:cs typeface="Arial"/>
               </a:rPr>
               <a:t> </a:t>
             </a:r>
             <a:r>
-              <a:rPr kumimoji="0" lang="en-US" altLang="he-IL" sz="4200" b="0" i="0" u="none" strike="noStrike" kern="0" cap="none" spc="0" normalizeH="0" baseline="0" noProof="0" dirty="0">
-                <a:ln>
-                  <a:noFill/>
-                </a:ln>
+              <a:rPr lang="en-US" altLang="he-IL" b="1" kern="0" dirty="0">
                 <a:solidFill>
                   <a:srgbClr val="006633"/>
                 </a:solidFill>
-                <a:effectLst/>
-                <a:uLnTx/>
-                <a:uFillTx/>
                 <a:latin typeface="Garamond"/>
-                <a:ea typeface="+mj-ea"/>
                 <a:cs typeface="Arial"/>
               </a:rPr>
               <a:t>2</a:t>
@@ -11215,7 +13404,7 @@
 </p:sld>
 </file>
 
-<file path=ppt/slides/slide8.xml><?xml version="1.0" encoding="utf-8"?>
+<file path=ppt/slides/slide9.xml><?xml version="1.0" encoding="utf-8"?>
 <p:sld xmlns:a="http://schemas.openxmlformats.org/drawingml/2006/main" xmlns:r="http://schemas.openxmlformats.org/officeDocument/2006/relationships" xmlns:p="http://schemas.openxmlformats.org/presentationml/2006/main">
   <p:cSld>
     <p:bg>
@@ -11459,69 +13648,41 @@
               <a:defRPr/>
             </a:pPr>
             <a:r>
-              <a:rPr kumimoji="0" lang="he-IL" altLang="he-IL" sz="4200" b="0" i="0" u="none" strike="noStrike" kern="0" cap="none" spc="0" normalizeH="0" baseline="0" noProof="0" dirty="0">
-                <a:ln>
-                  <a:noFill/>
-                </a:ln>
+              <a:rPr lang="he-IL" altLang="he-IL" b="1" kern="0" dirty="0">
                 <a:solidFill>
                   <a:srgbClr val="006633"/>
                 </a:solidFill>
-                <a:effectLst/>
-                <a:uLnTx/>
-                <a:uFillTx/>
                 <a:latin typeface="Garamond"/>
-                <a:ea typeface="+mj-ea"/>
                 <a:cs typeface="Arial"/>
               </a:rPr>
               <a:t>תרגיל</a:t>
             </a:r>
             <a:r>
-              <a:rPr kumimoji="0" lang="en-US" altLang="he-IL" sz="4200" b="0" i="0" u="none" strike="noStrike" kern="0" cap="none" spc="0" normalizeH="0" baseline="0" noProof="0" dirty="0">
-                <a:ln>
-                  <a:noFill/>
-                </a:ln>
+              <a:rPr lang="en-US" altLang="he-IL" b="1" kern="0" dirty="0">
                 <a:solidFill>
                   <a:srgbClr val="006633"/>
                 </a:solidFill>
-                <a:effectLst/>
-                <a:uLnTx/>
-                <a:uFillTx/>
                 <a:latin typeface="Garamond"/>
-                <a:ea typeface="+mj-ea"/>
                 <a:cs typeface="Arial"/>
               </a:rPr>
               <a:t> </a:t>
             </a:r>
             <a:r>
-              <a:rPr kumimoji="0" lang="he-IL" altLang="he-IL" sz="4200" b="0" i="0" u="none" strike="noStrike" kern="0" cap="none" spc="0" normalizeH="0" baseline="0" noProof="0" dirty="0">
-                <a:ln>
-                  <a:noFill/>
-                </a:ln>
+              <a:rPr lang="he-IL" altLang="he-IL" b="1" kern="0" dirty="0">
                 <a:solidFill>
                   <a:srgbClr val="006633"/>
                 </a:solidFill>
-                <a:effectLst/>
-                <a:uLnTx/>
-                <a:uFillTx/>
                 <a:latin typeface="Garamond"/>
-                <a:ea typeface="+mj-ea"/>
                 <a:cs typeface="Arial"/>
               </a:rPr>
               <a:t> </a:t>
             </a:r>
             <a:r>
-              <a:rPr kumimoji="0" lang="en-US" altLang="he-IL" sz="4200" b="0" i="0" u="none" strike="noStrike" kern="0" cap="none" spc="0" normalizeH="0" baseline="0" noProof="0" dirty="0">
-                <a:ln>
-                  <a:noFill/>
-                </a:ln>
+              <a:rPr lang="en-US" altLang="he-IL" b="1" kern="0" dirty="0">
                 <a:solidFill>
                   <a:srgbClr val="006633"/>
                 </a:solidFill>
-                <a:effectLst/>
-                <a:uLnTx/>
-                <a:uFillTx/>
                 <a:latin typeface="Garamond"/>
-                <a:ea typeface="+mj-ea"/>
                 <a:cs typeface="Arial"/>
               </a:rPr>
               <a:t>3</a:t>
@@ -11678,7 +13839,9 @@
             <a:r>
               <a:rPr lang="en-US" b="1" dirty="0" err="1">
                 <a:solidFill>
-                  <a:schemeClr val="accent2"/>
+                  <a:schemeClr val="accent6">
+                    <a:lumMod val="75000"/>
+                  </a:schemeClr>
                 </a:solidFill>
               </a:rPr>
               <a:t>ReverseNumber</a:t>
@@ -11686,7 +13849,9 @@
             <a:r>
               <a:rPr lang="en-US" b="1" dirty="0">
                 <a:solidFill>
-                  <a:schemeClr val="accent2"/>
+                  <a:schemeClr val="accent6">
+                    <a:lumMod val="75000"/>
+                  </a:schemeClr>
                 </a:solidFill>
               </a:rPr>
               <a:t>(n)</a:t>
@@ -11701,7 +13866,9 @@
             <a:r>
               <a:rPr lang="en-US" dirty="0">
                 <a:solidFill>
-                  <a:schemeClr val="accent2"/>
+                  <a:schemeClr val="accent6">
+                    <a:lumMod val="75000"/>
+                  </a:schemeClr>
                 </a:solidFill>
               </a:rPr>
               <a:t>   create(Stack)</a:t>
@@ -11716,7 +13883,9 @@
             <a:r>
               <a:rPr lang="en-US" dirty="0">
                 <a:solidFill>
-                  <a:schemeClr val="accent2"/>
+                  <a:schemeClr val="accent6">
+                    <a:lumMod val="75000"/>
+                  </a:schemeClr>
                 </a:solidFill>
               </a:rPr>
               <a:t>   while n &gt; 0 do</a:t>
@@ -11731,7 +13900,9 @@
             <a:r>
               <a:rPr lang="en-US" dirty="0">
                 <a:solidFill>
-                  <a:schemeClr val="accent2"/>
+                  <a:schemeClr val="accent6">
+                    <a:lumMod val="75000"/>
+                  </a:schemeClr>
                 </a:solidFill>
               </a:rPr>
               <a:t>      digit = n mod 10   // Take the last digit of n</a:t>
@@ -11746,7 +13917,9 @@
             <a:r>
               <a:rPr lang="en-US" dirty="0">
                 <a:solidFill>
-                  <a:schemeClr val="accent2"/>
+                  <a:schemeClr val="accent6">
+                    <a:lumMod val="75000"/>
+                  </a:schemeClr>
                 </a:solidFill>
               </a:rPr>
               <a:t>      push(Stack, digit)  // Push the digit onto the stack</a:t>
@@ -11761,7 +13934,9 @@
             <a:r>
               <a:rPr lang="en-US" dirty="0">
                 <a:solidFill>
-                  <a:schemeClr val="accent2"/>
+                  <a:schemeClr val="accent6">
+                    <a:lumMod val="75000"/>
+                  </a:schemeClr>
                 </a:solidFill>
               </a:rPr>
               <a:t>      n = n / 10         // Remove the last digit from n</a:t>
@@ -11776,7 +13951,9 @@
             <a:r>
               <a:rPr lang="en-US" dirty="0">
                 <a:solidFill>
-                  <a:schemeClr val="accent2"/>
+                  <a:schemeClr val="accent6">
+                    <a:lumMod val="75000"/>
+                  </a:schemeClr>
                 </a:solidFill>
               </a:rPr>
               <a:t>   reversed = 0</a:t>
@@ -11791,7 +13968,9 @@
             <a:r>
               <a:rPr lang="en-US" dirty="0">
                 <a:solidFill>
-                  <a:schemeClr val="accent2"/>
+                  <a:schemeClr val="accent6">
+                    <a:lumMod val="75000"/>
+                  </a:schemeClr>
                 </a:solidFill>
               </a:rPr>
               <a:t>   while not </a:t>
@@ -11799,7 +13978,9 @@
             <a:r>
               <a:rPr lang="en-US" dirty="0" err="1">
                 <a:solidFill>
-                  <a:schemeClr val="accent2"/>
+                  <a:schemeClr val="accent6">
+                    <a:lumMod val="75000"/>
+                  </a:schemeClr>
                 </a:solidFill>
               </a:rPr>
               <a:t>Stack_empty</a:t>
@@ -11807,7 +13988,9 @@
             <a:r>
               <a:rPr lang="en-US" dirty="0">
                 <a:solidFill>
-                  <a:schemeClr val="accent2"/>
+                  <a:schemeClr val="accent6">
+                    <a:lumMod val="75000"/>
+                  </a:schemeClr>
                 </a:solidFill>
               </a:rPr>
               <a:t>(Stack) do</a:t>
@@ -11822,7 +14005,9 @@
             <a:r>
               <a:rPr lang="en-US" dirty="0">
                 <a:solidFill>
-                  <a:schemeClr val="accent2"/>
+                  <a:schemeClr val="accent6">
+                    <a:lumMod val="75000"/>
+                  </a:schemeClr>
                 </a:solidFill>
               </a:rPr>
               <a:t>      digit = pop(Stack)  // Pop the digit from the stack</a:t>
@@ -11837,7 +14022,9 @@
             <a:r>
               <a:rPr lang="en-US" dirty="0">
                 <a:solidFill>
-                  <a:schemeClr val="accent2"/>
+                  <a:schemeClr val="accent6">
+                    <a:lumMod val="75000"/>
+                  </a:schemeClr>
                 </a:solidFill>
               </a:rPr>
               <a:t>      reversed = reversed * 10 + digit  // Add the digit to the end of the reversed number</a:t>
@@ -11852,7 +14039,9 @@
             <a:r>
               <a:rPr lang="en-US" dirty="0">
                 <a:solidFill>
-                  <a:schemeClr val="accent2"/>
+                  <a:schemeClr val="accent6">
+                    <a:lumMod val="75000"/>
+                  </a:schemeClr>
                 </a:solidFill>
               </a:rPr>
               <a:t>   return reversed</a:t>
@@ -11948,835 +14137,6 @@
       <p:bldP spid="14" grpId="0"/>
     </p:bldLst>
   </p:timing>
-</p:sld>
-</file>
-
-<file path=ppt/slides/slide9.xml><?xml version="1.0" encoding="utf-8"?>
-<p:sld xmlns:a="http://schemas.openxmlformats.org/drawingml/2006/main" xmlns:r="http://schemas.openxmlformats.org/officeDocument/2006/relationships" xmlns:p="http://schemas.openxmlformats.org/presentationml/2006/main">
-  <p:cSld>
-    <p:bg>
-      <p:bgPr>
-        <a:blipFill dpi="0" rotWithShape="1">
-          <a:blip r:embed="rId3">
-            <a:lum/>
-          </a:blip>
-          <a:srcRect/>
-          <a:stretch>
-            <a:fillRect/>
-          </a:stretch>
-        </a:blipFill>
-        <a:effectLst/>
-      </p:bgPr>
-    </p:bg>
-    <p:spTree>
-      <p:nvGrpSpPr>
-        <p:cNvPr id="1" name=""/>
-        <p:cNvGrpSpPr/>
-        <p:nvPr/>
-      </p:nvGrpSpPr>
-      <p:grpSpPr>
-        <a:xfrm>
-          <a:off x="0" y="0"/>
-          <a:ext cx="0" cy="0"/>
-          <a:chOff x="0" y="0"/>
-          <a:chExt cx="0" cy="0"/>
-        </a:xfrm>
-      </p:grpSpPr>
-      <p:sp>
-        <p:nvSpPr>
-          <p:cNvPr id="4" name="TextBox 3">
-            <a:extLst>
-              <a:ext uri="{FF2B5EF4-FFF2-40B4-BE49-F238E27FC236}">
-                <a16:creationId xmlns:a16="http://schemas.microsoft.com/office/drawing/2014/main" id="{418E0147-86F5-819E-37F9-0875BBA6A6E9}"/>
-              </a:ext>
-            </a:extLst>
-          </p:cNvPr>
-          <p:cNvSpPr txBox="1"/>
-          <p:nvPr/>
-        </p:nvSpPr>
-        <p:spPr>
-          <a:xfrm>
-            <a:off x="2175856" y="590054"/>
-            <a:ext cx="8614063" cy="4040658"/>
-          </a:xfrm>
-          <a:prstGeom prst="rect">
-            <a:avLst/>
-          </a:prstGeom>
-          <a:noFill/>
-        </p:spPr>
-        <p:txBody>
-          <a:bodyPr wrap="square">
-            <a:spAutoFit/>
-          </a:bodyPr>
-          <a:lstStyle/>
-          <a:p>
-            <a:pPr marL="0" marR="0" algn="r" rtl="1">
-              <a:lnSpc>
-                <a:spcPct val="107000"/>
-              </a:lnSpc>
-              <a:spcBef>
-                <a:spcPts val="0"/>
-              </a:spcBef>
-              <a:spcAft>
-                <a:spcPts val="600"/>
-              </a:spcAft>
-            </a:pPr>
-            <a:r>
-              <a:rPr lang="en-US" sz="1800" dirty="0">
-                <a:effectLst/>
-                <a:latin typeface="Calibri" panose="020F0502020204030204" pitchFamily="34" charset="0"/>
-                <a:ea typeface="Calibri" panose="020F0502020204030204" pitchFamily="34" charset="0"/>
-              </a:rPr>
-              <a:t> </a:t>
-            </a:r>
-            <a:endParaRPr lang="en-US" sz="1400" dirty="0">
-              <a:effectLst/>
-              <a:latin typeface="Calibri" panose="020F0502020204030204" pitchFamily="34" charset="0"/>
-              <a:ea typeface="Calibri" panose="020F0502020204030204" pitchFamily="34" charset="0"/>
-            </a:endParaRPr>
-          </a:p>
-          <a:p>
-            <a:pPr marL="0" marR="0" algn="ctr" rtl="1">
-              <a:lnSpc>
-                <a:spcPct val="107000"/>
-              </a:lnSpc>
-              <a:spcBef>
-                <a:spcPts val="0"/>
-              </a:spcBef>
-              <a:spcAft>
-                <a:spcPts val="1200"/>
-              </a:spcAft>
-            </a:pPr>
-            <a:r>
-              <a:rPr lang="he-IL" sz="2800" u="sng" dirty="0">
-                <a:solidFill>
-                  <a:schemeClr val="accent6">
-                    <a:lumMod val="50000"/>
-                  </a:schemeClr>
-                </a:solidFill>
-                <a:effectLst/>
-                <a:latin typeface="Calibri" panose="020F0502020204030204" pitchFamily="34" charset="0"/>
-                <a:ea typeface="Calibri" panose="020F0502020204030204" pitchFamily="34" charset="0"/>
-              </a:rPr>
-              <a:t>תור</a:t>
-            </a:r>
-            <a:endParaRPr lang="en-US" sz="1400" dirty="0">
-              <a:solidFill>
-                <a:schemeClr val="accent6">
-                  <a:lumMod val="50000"/>
-                </a:schemeClr>
-              </a:solidFill>
-              <a:effectLst/>
-              <a:latin typeface="Calibri" panose="020F0502020204030204" pitchFamily="34" charset="0"/>
-              <a:ea typeface="Calibri" panose="020F0502020204030204" pitchFamily="34" charset="0"/>
-            </a:endParaRPr>
-          </a:p>
-          <a:p>
-            <a:pPr marL="0" marR="0" algn="r" rtl="1">
-              <a:lnSpc>
-                <a:spcPct val="107000"/>
-              </a:lnSpc>
-              <a:spcBef>
-                <a:spcPts val="0"/>
-              </a:spcBef>
-              <a:spcAft>
-                <a:spcPts val="0"/>
-              </a:spcAft>
-            </a:pPr>
-            <a:r>
-              <a:rPr lang="he-IL" sz="1800" dirty="0">
-                <a:effectLst/>
-                <a:latin typeface="Calibri" panose="020F0502020204030204" pitchFamily="34" charset="0"/>
-                <a:ea typeface="Calibri" panose="020F0502020204030204" pitchFamily="34" charset="0"/>
-              </a:rPr>
-              <a:t>תור (</a:t>
-            </a:r>
-            <a:r>
-              <a:rPr lang="en-US" sz="1800" dirty="0">
-                <a:effectLst/>
-                <a:latin typeface="Calibri" panose="020F0502020204030204" pitchFamily="34" charset="0"/>
-                <a:ea typeface="Calibri" panose="020F0502020204030204" pitchFamily="34" charset="0"/>
-              </a:rPr>
-              <a:t>Queue</a:t>
-            </a:r>
-            <a:r>
-              <a:rPr lang="he-IL" sz="1800" dirty="0">
-                <a:effectLst/>
-                <a:latin typeface="Calibri" panose="020F0502020204030204" pitchFamily="34" charset="0"/>
-                <a:ea typeface="Calibri" panose="020F0502020204030204" pitchFamily="34" charset="0"/>
-              </a:rPr>
-              <a:t>) הוא מבנה נתונים שתומך בעיקרון </a:t>
-            </a:r>
-            <a:r>
-              <a:rPr lang="en-US" sz="1800" dirty="0">
-                <a:effectLst/>
-                <a:latin typeface="Calibri" panose="020F0502020204030204" pitchFamily="34" charset="0"/>
-                <a:ea typeface="Calibri" panose="020F0502020204030204" pitchFamily="34" charset="0"/>
-              </a:rPr>
-              <a:t>FIFO</a:t>
-            </a:r>
-            <a:r>
-              <a:rPr lang="he-IL" sz="1800" dirty="0">
-                <a:effectLst/>
-                <a:latin typeface="Calibri" panose="020F0502020204030204" pitchFamily="34" charset="0"/>
-                <a:ea typeface="Calibri" panose="020F0502020204030204" pitchFamily="34" charset="0"/>
-              </a:rPr>
-              <a:t> (</a:t>
-            </a:r>
-            <a:r>
-              <a:rPr lang="en-US" sz="1800" dirty="0">
-                <a:effectLst/>
-                <a:latin typeface="Calibri" panose="020F0502020204030204" pitchFamily="34" charset="0"/>
-                <a:ea typeface="Calibri" panose="020F0502020204030204" pitchFamily="34" charset="0"/>
-              </a:rPr>
-              <a:t> </a:t>
-            </a:r>
-            <a:r>
-              <a:rPr lang="en-US" sz="1800" b="1" dirty="0">
-                <a:effectLst/>
-                <a:latin typeface="Calibri" panose="020F0502020204030204" pitchFamily="34" charset="0"/>
-                <a:ea typeface="Calibri" panose="020F0502020204030204" pitchFamily="34" charset="0"/>
-              </a:rPr>
-              <a:t>F</a:t>
-            </a:r>
-            <a:r>
-              <a:rPr lang="en-US" sz="1800" dirty="0">
-                <a:effectLst/>
-                <a:latin typeface="Calibri" panose="020F0502020204030204" pitchFamily="34" charset="0"/>
-                <a:ea typeface="Calibri" panose="020F0502020204030204" pitchFamily="34" charset="0"/>
-              </a:rPr>
-              <a:t>irst </a:t>
-            </a:r>
-            <a:r>
-              <a:rPr lang="en-US" sz="1800" b="1" dirty="0">
-                <a:effectLst/>
-                <a:latin typeface="Calibri" panose="020F0502020204030204" pitchFamily="34" charset="0"/>
-                <a:ea typeface="Calibri" panose="020F0502020204030204" pitchFamily="34" charset="0"/>
-              </a:rPr>
-              <a:t>I</a:t>
-            </a:r>
-            <a:r>
-              <a:rPr lang="en-US" sz="1800" dirty="0">
-                <a:effectLst/>
-                <a:latin typeface="Calibri" panose="020F0502020204030204" pitchFamily="34" charset="0"/>
-                <a:ea typeface="Calibri" panose="020F0502020204030204" pitchFamily="34" charset="0"/>
-              </a:rPr>
-              <a:t>n </a:t>
-            </a:r>
-            <a:r>
-              <a:rPr lang="en-US" sz="1800" b="1" dirty="0">
-                <a:effectLst/>
-                <a:latin typeface="Calibri" panose="020F0502020204030204" pitchFamily="34" charset="0"/>
-                <a:ea typeface="Calibri" panose="020F0502020204030204" pitchFamily="34" charset="0"/>
-              </a:rPr>
-              <a:t>F</a:t>
-            </a:r>
-            <a:r>
-              <a:rPr lang="en-US" sz="1800" dirty="0">
-                <a:effectLst/>
-                <a:latin typeface="Calibri" panose="020F0502020204030204" pitchFamily="34" charset="0"/>
-                <a:ea typeface="Calibri" panose="020F0502020204030204" pitchFamily="34" charset="0"/>
-              </a:rPr>
-              <a:t>irst </a:t>
-            </a:r>
-            <a:r>
-              <a:rPr lang="en-US" sz="1800" b="1" dirty="0">
-                <a:effectLst/>
-                <a:latin typeface="Calibri" panose="020F0502020204030204" pitchFamily="34" charset="0"/>
-                <a:ea typeface="Calibri" panose="020F0502020204030204" pitchFamily="34" charset="0"/>
-              </a:rPr>
-              <a:t>O</a:t>
-            </a:r>
-            <a:r>
-              <a:rPr lang="en-US" sz="1800" dirty="0">
-                <a:effectLst/>
-                <a:latin typeface="Calibri" panose="020F0502020204030204" pitchFamily="34" charset="0"/>
-                <a:ea typeface="Calibri" panose="020F0502020204030204" pitchFamily="34" charset="0"/>
-              </a:rPr>
-              <a:t>ut</a:t>
-            </a:r>
-            <a:r>
-              <a:rPr lang="he-IL" sz="1800" dirty="0">
-                <a:effectLst/>
-                <a:latin typeface="Calibri" panose="020F0502020204030204" pitchFamily="34" charset="0"/>
-                <a:ea typeface="Calibri" panose="020F0502020204030204" pitchFamily="34" charset="0"/>
-              </a:rPr>
-              <a:t>), כלומר האיבר הראשון שנכנס לתור הוא האיבר הראשון שיצא ממנו.</a:t>
-            </a:r>
-            <a:endParaRPr lang="en-US" sz="1400" dirty="0">
-              <a:effectLst/>
-              <a:latin typeface="Calibri" panose="020F0502020204030204" pitchFamily="34" charset="0"/>
-              <a:ea typeface="Calibri" panose="020F0502020204030204" pitchFamily="34" charset="0"/>
-            </a:endParaRPr>
-          </a:p>
-          <a:p>
-            <a:pPr marL="0" marR="0" algn="r" rtl="1">
-              <a:lnSpc>
-                <a:spcPct val="107000"/>
-              </a:lnSpc>
-              <a:spcBef>
-                <a:spcPts val="600"/>
-              </a:spcBef>
-              <a:spcAft>
-                <a:spcPts val="1200"/>
-              </a:spcAft>
-            </a:pPr>
-            <a:r>
-              <a:rPr lang="he-IL" sz="1800" u="sng" dirty="0">
-                <a:effectLst/>
-                <a:latin typeface="Calibri" panose="020F0502020204030204" pitchFamily="34" charset="0"/>
-                <a:ea typeface="Calibri" panose="020F0502020204030204" pitchFamily="34" charset="0"/>
-              </a:rPr>
-              <a:t>פעולות:</a:t>
-            </a:r>
-            <a:endParaRPr lang="en-US" sz="1400" dirty="0">
-              <a:effectLst/>
-              <a:latin typeface="Calibri" panose="020F0502020204030204" pitchFamily="34" charset="0"/>
-              <a:ea typeface="Calibri" panose="020F0502020204030204" pitchFamily="34" charset="0"/>
-            </a:endParaRPr>
-          </a:p>
-          <a:p>
-            <a:pPr marL="342900" lvl="0" indent="-342900">
-              <a:lnSpc>
-                <a:spcPct val="107000"/>
-              </a:lnSpc>
-              <a:spcBef>
-                <a:spcPts val="600"/>
-              </a:spcBef>
-              <a:buFont typeface="+mj-lt"/>
-              <a:buAutoNum type="arabicParenR"/>
-            </a:pPr>
-            <a:r>
-              <a:rPr lang="en-US" sz="1800" b="1" u="sng" dirty="0">
-                <a:solidFill>
-                  <a:srgbClr val="000000"/>
-                </a:solidFill>
-                <a:effectLst/>
-                <a:latin typeface="Calibri" panose="020F0502020204030204" pitchFamily="34" charset="0"/>
-                <a:ea typeface="Calibri" panose="020F0502020204030204" pitchFamily="34" charset="0"/>
-              </a:rPr>
-              <a:t>create(Q)</a:t>
-            </a:r>
-            <a:r>
-              <a:rPr lang="he-IL" sz="1800" b="1" dirty="0">
-                <a:solidFill>
-                  <a:srgbClr val="000000"/>
-                </a:solidFill>
-                <a:effectLst/>
-                <a:latin typeface="Calibri" panose="020F0502020204030204" pitchFamily="34" charset="0"/>
-                <a:ea typeface="Calibri" panose="020F0502020204030204" pitchFamily="34" charset="0"/>
-              </a:rPr>
-              <a:t> </a:t>
-            </a:r>
-            <a:r>
-              <a:rPr lang="en-US" sz="1800" b="1" dirty="0">
-                <a:solidFill>
-                  <a:srgbClr val="000000"/>
-                </a:solidFill>
-                <a:effectLst/>
-                <a:latin typeface="Calibri" panose="020F0502020204030204" pitchFamily="34" charset="0"/>
-                <a:ea typeface="Calibri" panose="020F0502020204030204" pitchFamily="34" charset="0"/>
-              </a:rPr>
-              <a:t> </a:t>
-            </a:r>
-            <a:r>
-              <a:rPr lang="he-IL" sz="1800" dirty="0">
-                <a:solidFill>
-                  <a:srgbClr val="000000"/>
-                </a:solidFill>
-                <a:effectLst/>
-                <a:latin typeface="Calibri" panose="020F0502020204030204" pitchFamily="34" charset="0"/>
-                <a:ea typeface="Calibri" panose="020F0502020204030204" pitchFamily="34" charset="0"/>
-              </a:rPr>
-              <a:t>– יצירת תור ריק</a:t>
-            </a:r>
-            <a:r>
-              <a:rPr lang="he-IL" dirty="0">
-                <a:solidFill>
-                  <a:srgbClr val="000000"/>
-                </a:solidFill>
-                <a:latin typeface="Calibri" panose="020F0502020204030204" pitchFamily="34" charset="0"/>
-                <a:ea typeface="Calibri" panose="020F0502020204030204" pitchFamily="34" charset="0"/>
-              </a:rPr>
-              <a:t> </a:t>
-            </a:r>
-            <a:r>
-              <a:rPr lang="en-US" dirty="0">
-                <a:solidFill>
-                  <a:srgbClr val="000000"/>
-                </a:solidFill>
-                <a:latin typeface="Calibri" panose="020F0502020204030204" pitchFamily="34" charset="0"/>
-                <a:ea typeface="Calibri" panose="020F0502020204030204" pitchFamily="34" charset="0"/>
-              </a:rPr>
-              <a:t>Q</a:t>
-            </a:r>
-            <a:endParaRPr lang="en-US" sz="1400" dirty="0">
-              <a:effectLst/>
-              <a:latin typeface="Calibri" panose="020F0502020204030204" pitchFamily="34" charset="0"/>
-              <a:ea typeface="Calibri" panose="020F0502020204030204" pitchFamily="34" charset="0"/>
-            </a:endParaRPr>
-          </a:p>
-          <a:p>
-            <a:pPr marL="342900" marR="0" lvl="0" indent="-342900" algn="r" rtl="1">
-              <a:lnSpc>
-                <a:spcPct val="107000"/>
-              </a:lnSpc>
-              <a:spcBef>
-                <a:spcPts val="0"/>
-              </a:spcBef>
-              <a:spcAft>
-                <a:spcPts val="0"/>
-              </a:spcAft>
-              <a:buFont typeface="+mj-lt"/>
-              <a:buAutoNum type="arabicParenR"/>
-            </a:pPr>
-            <a:r>
-              <a:rPr lang="en-US" b="1" u="sng" dirty="0">
-                <a:solidFill>
-                  <a:srgbClr val="000000"/>
-                </a:solidFill>
-                <a:latin typeface="Calibri" panose="020F0502020204030204" pitchFamily="34" charset="0"/>
-                <a:ea typeface="Calibri" panose="020F0502020204030204" pitchFamily="34" charset="0"/>
-              </a:rPr>
-              <a:t>h</a:t>
-            </a:r>
-            <a:r>
-              <a:rPr lang="en-US" sz="1800" b="1" u="sng" dirty="0">
-                <a:solidFill>
-                  <a:srgbClr val="000000"/>
-                </a:solidFill>
-                <a:effectLst/>
-                <a:latin typeface="Calibri" panose="020F0502020204030204" pitchFamily="34" charset="0"/>
-                <a:ea typeface="Calibri" panose="020F0502020204030204" pitchFamily="34" charset="0"/>
-              </a:rPr>
-              <a:t>ead(Q)</a:t>
-            </a:r>
-            <a:r>
-              <a:rPr lang="he-IL" sz="1800" b="1" dirty="0">
-                <a:solidFill>
-                  <a:srgbClr val="000000"/>
-                </a:solidFill>
-                <a:effectLst/>
-                <a:latin typeface="Calibri" panose="020F0502020204030204" pitchFamily="34" charset="0"/>
-                <a:ea typeface="Calibri" panose="020F0502020204030204" pitchFamily="34" charset="0"/>
-              </a:rPr>
-              <a:t> </a:t>
-            </a:r>
-            <a:r>
-              <a:rPr lang="en-US" sz="1800" b="1" dirty="0">
-                <a:solidFill>
-                  <a:srgbClr val="000000"/>
-                </a:solidFill>
-                <a:effectLst/>
-                <a:latin typeface="Calibri" panose="020F0502020204030204" pitchFamily="34" charset="0"/>
-                <a:ea typeface="Calibri" panose="020F0502020204030204" pitchFamily="34" charset="0"/>
-              </a:rPr>
-              <a:t> </a:t>
-            </a:r>
-            <a:r>
-              <a:rPr lang="he-IL" sz="1800" dirty="0">
-                <a:solidFill>
-                  <a:srgbClr val="000000"/>
-                </a:solidFill>
-                <a:effectLst/>
-                <a:latin typeface="Calibri" panose="020F0502020204030204" pitchFamily="34" charset="0"/>
-                <a:ea typeface="Calibri" panose="020F0502020204030204" pitchFamily="34" charset="0"/>
-              </a:rPr>
-              <a:t>– מחזיר את האיבר הראשון בראש התור (התור עצמו לא משתנה)</a:t>
-            </a:r>
-            <a:endParaRPr lang="en-US" sz="1400" dirty="0">
-              <a:effectLst/>
-              <a:latin typeface="Calibri" panose="020F0502020204030204" pitchFamily="34" charset="0"/>
-              <a:ea typeface="Calibri" panose="020F0502020204030204" pitchFamily="34" charset="0"/>
-            </a:endParaRPr>
-          </a:p>
-          <a:p>
-            <a:pPr marL="342900" marR="0" lvl="0" indent="-342900" algn="r" rtl="1">
-              <a:lnSpc>
-                <a:spcPct val="107000"/>
-              </a:lnSpc>
-              <a:spcBef>
-                <a:spcPts val="0"/>
-              </a:spcBef>
-              <a:spcAft>
-                <a:spcPts val="0"/>
-              </a:spcAft>
-              <a:buFont typeface="+mj-lt"/>
-              <a:buAutoNum type="arabicParenR"/>
-            </a:pPr>
-            <a:r>
-              <a:rPr lang="en-US" b="1" u="sng" dirty="0">
-                <a:solidFill>
-                  <a:srgbClr val="000000"/>
-                </a:solidFill>
-                <a:latin typeface="Calibri" panose="020F0502020204030204" pitchFamily="34" charset="0"/>
-                <a:ea typeface="Calibri" panose="020F0502020204030204" pitchFamily="34" charset="0"/>
-              </a:rPr>
-              <a:t>e</a:t>
-            </a:r>
-            <a:r>
-              <a:rPr lang="en-US" sz="1800" b="1" u="sng" dirty="0">
-                <a:solidFill>
-                  <a:srgbClr val="000000"/>
-                </a:solidFill>
-                <a:effectLst/>
-                <a:latin typeface="Calibri" panose="020F0502020204030204" pitchFamily="34" charset="0"/>
-                <a:ea typeface="Calibri" panose="020F0502020204030204" pitchFamily="34" charset="0"/>
-              </a:rPr>
-              <a:t>nqueue (x)</a:t>
-            </a:r>
-            <a:r>
-              <a:rPr lang="he-IL" sz="1800" b="1" dirty="0">
-                <a:solidFill>
-                  <a:srgbClr val="000000"/>
-                </a:solidFill>
-                <a:effectLst/>
-                <a:latin typeface="Calibri" panose="020F0502020204030204" pitchFamily="34" charset="0"/>
-                <a:ea typeface="Calibri" panose="020F0502020204030204" pitchFamily="34" charset="0"/>
-              </a:rPr>
-              <a:t> </a:t>
-            </a:r>
-            <a:r>
-              <a:rPr lang="en-US" sz="1800" b="1" dirty="0">
-                <a:solidFill>
-                  <a:srgbClr val="000000"/>
-                </a:solidFill>
-                <a:effectLst/>
-                <a:latin typeface="Calibri" panose="020F0502020204030204" pitchFamily="34" charset="0"/>
-                <a:ea typeface="Calibri" panose="020F0502020204030204" pitchFamily="34" charset="0"/>
-              </a:rPr>
-              <a:t> </a:t>
-            </a:r>
-            <a:r>
-              <a:rPr lang="he-IL" sz="1800" dirty="0">
-                <a:solidFill>
-                  <a:srgbClr val="000000"/>
-                </a:solidFill>
-                <a:effectLst/>
-                <a:latin typeface="Calibri" panose="020F0502020204030204" pitchFamily="34" charset="0"/>
-                <a:ea typeface="Calibri" panose="020F0502020204030204" pitchFamily="34" charset="0"/>
-              </a:rPr>
-              <a:t>– הכנסת איבר </a:t>
-            </a:r>
-            <a:r>
-              <a:rPr lang="en-US" sz="1800" dirty="0">
-                <a:solidFill>
-                  <a:srgbClr val="000000"/>
-                </a:solidFill>
-                <a:effectLst/>
-                <a:latin typeface="Calibri" panose="020F0502020204030204" pitchFamily="34" charset="0"/>
-                <a:ea typeface="Calibri" panose="020F0502020204030204" pitchFamily="34" charset="0"/>
-              </a:rPr>
-              <a:t>x</a:t>
-            </a:r>
-            <a:r>
-              <a:rPr lang="he-IL" sz="1800" dirty="0">
-                <a:solidFill>
-                  <a:srgbClr val="000000"/>
-                </a:solidFill>
-                <a:effectLst/>
-                <a:latin typeface="Calibri" panose="020F0502020204030204" pitchFamily="34" charset="0"/>
-                <a:ea typeface="Calibri" panose="020F0502020204030204" pitchFamily="34" charset="0"/>
-              </a:rPr>
-              <a:t> לסוף תור </a:t>
-            </a:r>
-            <a:r>
-              <a:rPr lang="en-US" sz="1800" dirty="0">
-                <a:solidFill>
-                  <a:srgbClr val="000000"/>
-                </a:solidFill>
-                <a:effectLst/>
-                <a:latin typeface="Calibri" panose="020F0502020204030204" pitchFamily="34" charset="0"/>
-                <a:ea typeface="Calibri" panose="020F0502020204030204" pitchFamily="34" charset="0"/>
-              </a:rPr>
-              <a:t>Q</a:t>
-            </a:r>
-            <a:endParaRPr lang="en-US" sz="1400" dirty="0">
-              <a:effectLst/>
-              <a:latin typeface="Calibri" panose="020F0502020204030204" pitchFamily="34" charset="0"/>
-              <a:ea typeface="Calibri" panose="020F0502020204030204" pitchFamily="34" charset="0"/>
-            </a:endParaRPr>
-          </a:p>
-          <a:p>
-            <a:pPr marL="342900" marR="0" lvl="0" indent="-342900" algn="r" rtl="1">
-              <a:lnSpc>
-                <a:spcPct val="107000"/>
-              </a:lnSpc>
-              <a:spcBef>
-                <a:spcPts val="0"/>
-              </a:spcBef>
-              <a:spcAft>
-                <a:spcPts val="0"/>
-              </a:spcAft>
-              <a:buFont typeface="+mj-lt"/>
-              <a:buAutoNum type="arabicParenR"/>
-            </a:pPr>
-            <a:r>
-              <a:rPr lang="en-US" b="1" u="sng" dirty="0">
-                <a:solidFill>
-                  <a:srgbClr val="000000"/>
-                </a:solidFill>
-                <a:latin typeface="Calibri" panose="020F0502020204030204" pitchFamily="34" charset="0"/>
-                <a:ea typeface="Calibri" panose="020F0502020204030204" pitchFamily="34" charset="0"/>
-              </a:rPr>
-              <a:t>d</a:t>
-            </a:r>
-            <a:r>
-              <a:rPr lang="en-US" sz="1800" b="1" u="sng" dirty="0">
-                <a:solidFill>
-                  <a:srgbClr val="000000"/>
-                </a:solidFill>
-                <a:effectLst/>
-                <a:latin typeface="Calibri" panose="020F0502020204030204" pitchFamily="34" charset="0"/>
-                <a:ea typeface="Calibri" panose="020F0502020204030204" pitchFamily="34" charset="0"/>
-              </a:rPr>
-              <a:t>equeue (Q)</a:t>
-            </a:r>
-            <a:r>
-              <a:rPr lang="he-IL" sz="1800" dirty="0">
-                <a:solidFill>
-                  <a:srgbClr val="000000"/>
-                </a:solidFill>
-                <a:effectLst/>
-                <a:latin typeface="Calibri" panose="020F0502020204030204" pitchFamily="34" charset="0"/>
-                <a:ea typeface="Calibri" panose="020F0502020204030204" pitchFamily="34" charset="0"/>
-              </a:rPr>
-              <a:t> – הוצאת איבר מראש התור </a:t>
-            </a:r>
-            <a:r>
-              <a:rPr lang="en-US" sz="1800" dirty="0">
-                <a:solidFill>
-                  <a:srgbClr val="000000"/>
-                </a:solidFill>
-                <a:effectLst/>
-                <a:latin typeface="Calibri" panose="020F0502020204030204" pitchFamily="34" charset="0"/>
-                <a:ea typeface="Calibri" panose="020F0502020204030204" pitchFamily="34" charset="0"/>
-              </a:rPr>
-              <a:t>Q</a:t>
-            </a:r>
-            <a:endParaRPr lang="en-US" sz="1400" dirty="0">
-              <a:effectLst/>
-              <a:latin typeface="Calibri" panose="020F0502020204030204" pitchFamily="34" charset="0"/>
-              <a:ea typeface="Calibri" panose="020F0502020204030204" pitchFamily="34" charset="0"/>
-            </a:endParaRPr>
-          </a:p>
-          <a:p>
-            <a:pPr marL="342900" marR="0" lvl="0" indent="-342900" algn="r" rtl="1">
-              <a:lnSpc>
-                <a:spcPct val="107000"/>
-              </a:lnSpc>
-              <a:spcBef>
-                <a:spcPts val="0"/>
-              </a:spcBef>
-              <a:spcAft>
-                <a:spcPts val="0"/>
-              </a:spcAft>
-              <a:buFont typeface="+mj-lt"/>
-              <a:buAutoNum type="arabicParenR"/>
-            </a:pPr>
-            <a:r>
-              <a:rPr lang="en-US" sz="1800" b="1" u="sng" dirty="0" err="1">
-                <a:solidFill>
-                  <a:srgbClr val="000000"/>
-                </a:solidFill>
-                <a:effectLst/>
-                <a:latin typeface="Calibri" panose="020F0502020204030204" pitchFamily="34" charset="0"/>
-                <a:ea typeface="Calibri" panose="020F0502020204030204" pitchFamily="34" charset="0"/>
-              </a:rPr>
-              <a:t>queue_empty</a:t>
-            </a:r>
-            <a:r>
-              <a:rPr lang="en-US" sz="1800" b="1" u="sng" dirty="0">
-                <a:solidFill>
-                  <a:srgbClr val="000000"/>
-                </a:solidFill>
-                <a:effectLst/>
-                <a:latin typeface="Calibri" panose="020F0502020204030204" pitchFamily="34" charset="0"/>
-                <a:ea typeface="Calibri" panose="020F0502020204030204" pitchFamily="34" charset="0"/>
-              </a:rPr>
-              <a:t>(Q) </a:t>
-            </a:r>
-            <a:r>
-              <a:rPr lang="he-IL" sz="1800" b="1" dirty="0">
-                <a:solidFill>
-                  <a:srgbClr val="000000"/>
-                </a:solidFill>
-                <a:effectLst/>
-                <a:latin typeface="Calibri" panose="020F0502020204030204" pitchFamily="34" charset="0"/>
-                <a:ea typeface="Calibri" panose="020F0502020204030204" pitchFamily="34" charset="0"/>
-              </a:rPr>
-              <a:t> </a:t>
-            </a:r>
-            <a:r>
-              <a:rPr lang="he-IL" sz="1800" dirty="0">
-                <a:solidFill>
-                  <a:srgbClr val="000000"/>
-                </a:solidFill>
-                <a:effectLst/>
-                <a:latin typeface="Calibri" panose="020F0502020204030204" pitchFamily="34" charset="0"/>
-                <a:ea typeface="Calibri" panose="020F0502020204030204" pitchFamily="34" charset="0"/>
-              </a:rPr>
-              <a:t>– מחזיר </a:t>
-            </a:r>
-            <a:r>
-              <a:rPr lang="en-US" sz="1800" dirty="0">
-                <a:solidFill>
-                  <a:srgbClr val="000000"/>
-                </a:solidFill>
-                <a:effectLst/>
-                <a:latin typeface="Calibri" panose="020F0502020204030204" pitchFamily="34" charset="0"/>
-                <a:ea typeface="Calibri" panose="020F0502020204030204" pitchFamily="34" charset="0"/>
-              </a:rPr>
-              <a:t>True</a:t>
-            </a:r>
-            <a:r>
-              <a:rPr lang="he-IL" sz="1800" dirty="0">
-                <a:solidFill>
-                  <a:srgbClr val="000000"/>
-                </a:solidFill>
-                <a:effectLst/>
-                <a:latin typeface="Calibri" panose="020F0502020204030204" pitchFamily="34" charset="0"/>
-                <a:ea typeface="Calibri" panose="020F0502020204030204" pitchFamily="34" charset="0"/>
-              </a:rPr>
-              <a:t> אם תור ריק, אחרת מחזיר </a:t>
-            </a:r>
-            <a:r>
-              <a:rPr lang="en-US" sz="1800" dirty="0">
-                <a:solidFill>
-                  <a:srgbClr val="000000"/>
-                </a:solidFill>
-                <a:effectLst/>
-                <a:latin typeface="Calibri" panose="020F0502020204030204" pitchFamily="34" charset="0"/>
-                <a:ea typeface="Calibri" panose="020F0502020204030204" pitchFamily="34" charset="0"/>
-              </a:rPr>
-              <a:t>False</a:t>
-            </a:r>
-            <a:endParaRPr lang="en-US" sz="1400" dirty="0">
-              <a:effectLst/>
-              <a:latin typeface="Calibri" panose="020F0502020204030204" pitchFamily="34" charset="0"/>
-              <a:ea typeface="Calibri" panose="020F0502020204030204" pitchFamily="34" charset="0"/>
-            </a:endParaRPr>
-          </a:p>
-          <a:p>
-            <a:pPr marL="342900" marR="0" lvl="0" indent="-342900" algn="r" rtl="1">
-              <a:lnSpc>
-                <a:spcPct val="107000"/>
-              </a:lnSpc>
-              <a:spcBef>
-                <a:spcPts val="0"/>
-              </a:spcBef>
-              <a:spcAft>
-                <a:spcPts val="1200"/>
-              </a:spcAft>
-              <a:buFont typeface="+mj-lt"/>
-              <a:buAutoNum type="arabicParenR"/>
-            </a:pPr>
-            <a:r>
-              <a:rPr lang="en-US" sz="1800" b="1" u="sng" dirty="0" err="1">
-                <a:solidFill>
-                  <a:srgbClr val="000000"/>
-                </a:solidFill>
-                <a:effectLst/>
-                <a:latin typeface="Calibri" panose="020F0502020204030204" pitchFamily="34" charset="0"/>
-                <a:ea typeface="Calibri" panose="020F0502020204030204" pitchFamily="34" charset="0"/>
-              </a:rPr>
-              <a:t>queue_full</a:t>
-            </a:r>
-            <a:r>
-              <a:rPr lang="en-US" sz="1800" b="1" u="sng" dirty="0">
-                <a:solidFill>
-                  <a:srgbClr val="000000"/>
-                </a:solidFill>
-                <a:effectLst/>
-                <a:latin typeface="Calibri" panose="020F0502020204030204" pitchFamily="34" charset="0"/>
-                <a:ea typeface="Calibri" panose="020F0502020204030204" pitchFamily="34" charset="0"/>
-              </a:rPr>
-              <a:t>(Q) </a:t>
-            </a:r>
-            <a:r>
-              <a:rPr lang="he-IL" sz="1800" b="1" u="sng" dirty="0">
-                <a:solidFill>
-                  <a:srgbClr val="000000"/>
-                </a:solidFill>
-                <a:effectLst/>
-                <a:latin typeface="Calibri" panose="020F0502020204030204" pitchFamily="34" charset="0"/>
-                <a:ea typeface="Calibri" panose="020F0502020204030204" pitchFamily="34" charset="0"/>
-              </a:rPr>
-              <a:t> </a:t>
-            </a:r>
-            <a:r>
-              <a:rPr lang="he-IL" sz="1800" dirty="0">
-                <a:solidFill>
-                  <a:srgbClr val="000000"/>
-                </a:solidFill>
-                <a:effectLst/>
-                <a:latin typeface="Calibri" panose="020F0502020204030204" pitchFamily="34" charset="0"/>
-                <a:ea typeface="Calibri" panose="020F0502020204030204" pitchFamily="34" charset="0"/>
-              </a:rPr>
-              <a:t>– מחזיר </a:t>
-            </a:r>
-            <a:r>
-              <a:rPr lang="en-US" sz="1800" dirty="0">
-                <a:solidFill>
-                  <a:srgbClr val="000000"/>
-                </a:solidFill>
-                <a:effectLst/>
-                <a:latin typeface="Calibri" panose="020F0502020204030204" pitchFamily="34" charset="0"/>
-                <a:ea typeface="Calibri" panose="020F0502020204030204" pitchFamily="34" charset="0"/>
-              </a:rPr>
-              <a:t>True</a:t>
-            </a:r>
-            <a:r>
-              <a:rPr lang="he-IL" sz="1800" dirty="0">
-                <a:solidFill>
-                  <a:srgbClr val="000000"/>
-                </a:solidFill>
-                <a:effectLst/>
-                <a:latin typeface="Calibri" panose="020F0502020204030204" pitchFamily="34" charset="0"/>
-                <a:ea typeface="Calibri" panose="020F0502020204030204" pitchFamily="34" charset="0"/>
-              </a:rPr>
-              <a:t> אם תור מלא ו-</a:t>
-            </a:r>
-            <a:r>
-              <a:rPr lang="en-US" sz="1800" dirty="0">
-                <a:solidFill>
-                  <a:srgbClr val="000000"/>
-                </a:solidFill>
-                <a:effectLst/>
-                <a:latin typeface="Calibri" panose="020F0502020204030204" pitchFamily="34" charset="0"/>
-                <a:ea typeface="Calibri" panose="020F0502020204030204" pitchFamily="34" charset="0"/>
-              </a:rPr>
-              <a:t>False</a:t>
-            </a:r>
-            <a:r>
-              <a:rPr lang="he-IL" sz="1800" dirty="0">
-                <a:solidFill>
-                  <a:srgbClr val="000000"/>
-                </a:solidFill>
-                <a:effectLst/>
-                <a:latin typeface="Calibri" panose="020F0502020204030204" pitchFamily="34" charset="0"/>
-                <a:ea typeface="Calibri" panose="020F0502020204030204" pitchFamily="34" charset="0"/>
-              </a:rPr>
-              <a:t> אחרת</a:t>
-            </a:r>
-            <a:endParaRPr lang="en-US" sz="1400" dirty="0">
-              <a:effectLst/>
-              <a:latin typeface="Calibri" panose="020F0502020204030204" pitchFamily="34" charset="0"/>
-              <a:ea typeface="Calibri" panose="020F0502020204030204" pitchFamily="34" charset="0"/>
-            </a:endParaRPr>
-          </a:p>
-        </p:txBody>
-      </p:sp>
-    </p:spTree>
-    <p:extLst>
-      <p:ext uri="{BB962C8B-B14F-4D97-AF65-F5344CB8AC3E}">
-        <p14:creationId xmlns:p14="http://schemas.microsoft.com/office/powerpoint/2010/main" val="566095892"/>
-      </p:ext>
-    </p:extLst>
-  </p:cSld>
-  <p:clrMapOvr>
-    <a:masterClrMapping/>
-  </p:clrMapOvr>
 </p:sld>
 </file>
 
